--- a/Linebot flow chart.pptx
+++ b/Linebot flow chart.pptx
@@ -261,7 +261,7 @@
           <a:p>
             <a:fld id="{AA2D0EFA-EDED-452F-90DB-937F921993A5}" type="datetimeFigureOut">
               <a:rPr lang="zh-TW" altLang="en-US" smtClean="0"/>
-              <a:t>2021/1/19</a:t>
+              <a:t>2021/1/20</a:t>
             </a:fld>
             <a:endParaRPr lang="zh-TW" altLang="en-US"/>
           </a:p>
@@ -459,7 +459,7 @@
           <a:p>
             <a:fld id="{AA2D0EFA-EDED-452F-90DB-937F921993A5}" type="datetimeFigureOut">
               <a:rPr lang="zh-TW" altLang="en-US" smtClean="0"/>
-              <a:t>2021/1/19</a:t>
+              <a:t>2021/1/20</a:t>
             </a:fld>
             <a:endParaRPr lang="zh-TW" altLang="en-US"/>
           </a:p>
@@ -667,7 +667,7 @@
           <a:p>
             <a:fld id="{AA2D0EFA-EDED-452F-90DB-937F921993A5}" type="datetimeFigureOut">
               <a:rPr lang="zh-TW" altLang="en-US" smtClean="0"/>
-              <a:t>2021/1/19</a:t>
+              <a:t>2021/1/20</a:t>
             </a:fld>
             <a:endParaRPr lang="zh-TW" altLang="en-US"/>
           </a:p>
@@ -865,7 +865,7 @@
           <a:p>
             <a:fld id="{AA2D0EFA-EDED-452F-90DB-937F921993A5}" type="datetimeFigureOut">
               <a:rPr lang="zh-TW" altLang="en-US" smtClean="0"/>
-              <a:t>2021/1/19</a:t>
+              <a:t>2021/1/20</a:t>
             </a:fld>
             <a:endParaRPr lang="zh-TW" altLang="en-US"/>
           </a:p>
@@ -1140,7 +1140,7 @@
           <a:p>
             <a:fld id="{AA2D0EFA-EDED-452F-90DB-937F921993A5}" type="datetimeFigureOut">
               <a:rPr lang="zh-TW" altLang="en-US" smtClean="0"/>
-              <a:t>2021/1/19</a:t>
+              <a:t>2021/1/20</a:t>
             </a:fld>
             <a:endParaRPr lang="zh-TW" altLang="en-US"/>
           </a:p>
@@ -1405,7 +1405,7 @@
           <a:p>
             <a:fld id="{AA2D0EFA-EDED-452F-90DB-937F921993A5}" type="datetimeFigureOut">
               <a:rPr lang="zh-TW" altLang="en-US" smtClean="0"/>
-              <a:t>2021/1/19</a:t>
+              <a:t>2021/1/20</a:t>
             </a:fld>
             <a:endParaRPr lang="zh-TW" altLang="en-US"/>
           </a:p>
@@ -1817,7 +1817,7 @@
           <a:p>
             <a:fld id="{AA2D0EFA-EDED-452F-90DB-937F921993A5}" type="datetimeFigureOut">
               <a:rPr lang="zh-TW" altLang="en-US" smtClean="0"/>
-              <a:t>2021/1/19</a:t>
+              <a:t>2021/1/20</a:t>
             </a:fld>
             <a:endParaRPr lang="zh-TW" altLang="en-US"/>
           </a:p>
@@ -1958,7 +1958,7 @@
           <a:p>
             <a:fld id="{AA2D0EFA-EDED-452F-90DB-937F921993A5}" type="datetimeFigureOut">
               <a:rPr lang="zh-TW" altLang="en-US" smtClean="0"/>
-              <a:t>2021/1/19</a:t>
+              <a:t>2021/1/20</a:t>
             </a:fld>
             <a:endParaRPr lang="zh-TW" altLang="en-US"/>
           </a:p>
@@ -2071,7 +2071,7 @@
           <a:p>
             <a:fld id="{AA2D0EFA-EDED-452F-90DB-937F921993A5}" type="datetimeFigureOut">
               <a:rPr lang="zh-TW" altLang="en-US" smtClean="0"/>
-              <a:t>2021/1/19</a:t>
+              <a:t>2021/1/20</a:t>
             </a:fld>
             <a:endParaRPr lang="zh-TW" altLang="en-US"/>
           </a:p>
@@ -2382,7 +2382,7 @@
           <a:p>
             <a:fld id="{AA2D0EFA-EDED-452F-90DB-937F921993A5}" type="datetimeFigureOut">
               <a:rPr lang="zh-TW" altLang="en-US" smtClean="0"/>
-              <a:t>2021/1/19</a:t>
+              <a:t>2021/1/20</a:t>
             </a:fld>
             <a:endParaRPr lang="zh-TW" altLang="en-US"/>
           </a:p>
@@ -2670,7 +2670,7 @@
           <a:p>
             <a:fld id="{AA2D0EFA-EDED-452F-90DB-937F921993A5}" type="datetimeFigureOut">
               <a:rPr lang="zh-TW" altLang="en-US" smtClean="0"/>
-              <a:t>2021/1/19</a:t>
+              <a:t>2021/1/20</a:t>
             </a:fld>
             <a:endParaRPr lang="zh-TW" altLang="en-US"/>
           </a:p>
@@ -2911,7 +2911,7 @@
           <a:p>
             <a:fld id="{AA2D0EFA-EDED-452F-90DB-937F921993A5}" type="datetimeFigureOut">
               <a:rPr lang="zh-TW" altLang="en-US" smtClean="0"/>
-              <a:t>2021/1/19</a:t>
+              <a:t>2021/1/20</a:t>
             </a:fld>
             <a:endParaRPr lang="zh-TW" altLang="en-US"/>
           </a:p>
@@ -10792,6 +10792,52 @@
           </a:fontRef>
         </p:style>
       </p:cxnSp>
+      <p:cxnSp>
+        <p:nvCxnSpPr>
+          <p:cNvPr id="64" name="直線單箭頭接點 63">
+            <a:extLst>
+              <a:ext uri="{FF2B5EF4-FFF2-40B4-BE49-F238E27FC236}">
+                <a16:creationId xmlns:a16="http://schemas.microsoft.com/office/drawing/2014/main" id="{8FAF7557-FF7C-4ED1-AD26-CBC7DF7DFFE4}"/>
+              </a:ext>
+            </a:extLst>
+          </p:cNvPr>
+          <p:cNvCxnSpPr>
+            <a:cxnSpLocks/>
+            <a:endCxn id="51" idx="0"/>
+          </p:cNvCxnSpPr>
+          <p:nvPr/>
+        </p:nvCxnSpPr>
+        <p:spPr>
+          <a:xfrm>
+            <a:off x="3491125" y="3671841"/>
+            <a:ext cx="13" cy="286187"/>
+          </a:xfrm>
+          <a:prstGeom prst="straightConnector1">
+            <a:avLst/>
+          </a:prstGeom>
+          <a:ln w="19050">
+            <a:solidFill>
+              <a:schemeClr val="tx1"/>
+            </a:solidFill>
+            <a:prstDash val="dash"/>
+            <a:tailEnd type="triangle"/>
+          </a:ln>
+        </p:spPr>
+        <p:style>
+          <a:lnRef idx="1">
+            <a:schemeClr val="accent1"/>
+          </a:lnRef>
+          <a:fillRef idx="0">
+            <a:schemeClr val="accent1"/>
+          </a:fillRef>
+          <a:effectRef idx="0">
+            <a:schemeClr val="accent1"/>
+          </a:effectRef>
+          <a:fontRef idx="minor">
+            <a:schemeClr val="tx1"/>
+          </a:fontRef>
+        </p:style>
+      </p:cxnSp>
     </p:spTree>
     <p:extLst>
       <p:ext uri="{BB962C8B-B14F-4D97-AF65-F5344CB8AC3E}">

--- a/Linebot flow chart.pptx
+++ b/Linebot flow chart.pptx
@@ -261,7 +261,7 @@
           <a:p>
             <a:fld id="{AA2D0EFA-EDED-452F-90DB-937F921993A5}" type="datetimeFigureOut">
               <a:rPr lang="zh-TW" altLang="en-US" smtClean="0"/>
-              <a:t>2021/1/20</a:t>
+              <a:t>2021/1/27</a:t>
             </a:fld>
             <a:endParaRPr lang="zh-TW" altLang="en-US"/>
           </a:p>
@@ -459,7 +459,7 @@
           <a:p>
             <a:fld id="{AA2D0EFA-EDED-452F-90DB-937F921993A5}" type="datetimeFigureOut">
               <a:rPr lang="zh-TW" altLang="en-US" smtClean="0"/>
-              <a:t>2021/1/20</a:t>
+              <a:t>2021/1/27</a:t>
             </a:fld>
             <a:endParaRPr lang="zh-TW" altLang="en-US"/>
           </a:p>
@@ -667,7 +667,7 @@
           <a:p>
             <a:fld id="{AA2D0EFA-EDED-452F-90DB-937F921993A5}" type="datetimeFigureOut">
               <a:rPr lang="zh-TW" altLang="en-US" smtClean="0"/>
-              <a:t>2021/1/20</a:t>
+              <a:t>2021/1/27</a:t>
             </a:fld>
             <a:endParaRPr lang="zh-TW" altLang="en-US"/>
           </a:p>
@@ -865,7 +865,7 @@
           <a:p>
             <a:fld id="{AA2D0EFA-EDED-452F-90DB-937F921993A5}" type="datetimeFigureOut">
               <a:rPr lang="zh-TW" altLang="en-US" smtClean="0"/>
-              <a:t>2021/1/20</a:t>
+              <a:t>2021/1/27</a:t>
             </a:fld>
             <a:endParaRPr lang="zh-TW" altLang="en-US"/>
           </a:p>
@@ -1140,7 +1140,7 @@
           <a:p>
             <a:fld id="{AA2D0EFA-EDED-452F-90DB-937F921993A5}" type="datetimeFigureOut">
               <a:rPr lang="zh-TW" altLang="en-US" smtClean="0"/>
-              <a:t>2021/1/20</a:t>
+              <a:t>2021/1/27</a:t>
             </a:fld>
             <a:endParaRPr lang="zh-TW" altLang="en-US"/>
           </a:p>
@@ -1405,7 +1405,7 @@
           <a:p>
             <a:fld id="{AA2D0EFA-EDED-452F-90DB-937F921993A5}" type="datetimeFigureOut">
               <a:rPr lang="zh-TW" altLang="en-US" smtClean="0"/>
-              <a:t>2021/1/20</a:t>
+              <a:t>2021/1/27</a:t>
             </a:fld>
             <a:endParaRPr lang="zh-TW" altLang="en-US"/>
           </a:p>
@@ -1817,7 +1817,7 @@
           <a:p>
             <a:fld id="{AA2D0EFA-EDED-452F-90DB-937F921993A5}" type="datetimeFigureOut">
               <a:rPr lang="zh-TW" altLang="en-US" smtClean="0"/>
-              <a:t>2021/1/20</a:t>
+              <a:t>2021/1/27</a:t>
             </a:fld>
             <a:endParaRPr lang="zh-TW" altLang="en-US"/>
           </a:p>
@@ -1958,7 +1958,7 @@
           <a:p>
             <a:fld id="{AA2D0EFA-EDED-452F-90DB-937F921993A5}" type="datetimeFigureOut">
               <a:rPr lang="zh-TW" altLang="en-US" smtClean="0"/>
-              <a:t>2021/1/20</a:t>
+              <a:t>2021/1/27</a:t>
             </a:fld>
             <a:endParaRPr lang="zh-TW" altLang="en-US"/>
           </a:p>
@@ -2071,7 +2071,7 @@
           <a:p>
             <a:fld id="{AA2D0EFA-EDED-452F-90DB-937F921993A5}" type="datetimeFigureOut">
               <a:rPr lang="zh-TW" altLang="en-US" smtClean="0"/>
-              <a:t>2021/1/20</a:t>
+              <a:t>2021/1/27</a:t>
             </a:fld>
             <a:endParaRPr lang="zh-TW" altLang="en-US"/>
           </a:p>
@@ -2382,7 +2382,7 @@
           <a:p>
             <a:fld id="{AA2D0EFA-EDED-452F-90DB-937F921993A5}" type="datetimeFigureOut">
               <a:rPr lang="zh-TW" altLang="en-US" smtClean="0"/>
-              <a:t>2021/1/20</a:t>
+              <a:t>2021/1/27</a:t>
             </a:fld>
             <a:endParaRPr lang="zh-TW" altLang="en-US"/>
           </a:p>
@@ -2670,7 +2670,7 @@
           <a:p>
             <a:fld id="{AA2D0EFA-EDED-452F-90DB-937F921993A5}" type="datetimeFigureOut">
               <a:rPr lang="zh-TW" altLang="en-US" smtClean="0"/>
-              <a:t>2021/1/20</a:t>
+              <a:t>2021/1/27</a:t>
             </a:fld>
             <a:endParaRPr lang="zh-TW" altLang="en-US"/>
           </a:p>
@@ -2911,7 +2911,7 @@
           <a:p>
             <a:fld id="{AA2D0EFA-EDED-452F-90DB-937F921993A5}" type="datetimeFigureOut">
               <a:rPr lang="zh-TW" altLang="en-US" smtClean="0"/>
-              <a:t>2021/1/20</a:t>
+              <a:t>2021/1/27</a:t>
             </a:fld>
             <a:endParaRPr lang="zh-TW" altLang="en-US"/>
           </a:p>
@@ -10118,14 +10118,14 @@
             <a:r>
               <a:rPr lang="en-US" altLang="zh-TW" dirty="0">
                 <a:solidFill>
-                  <a:srgbClr val="00B050"/>
+                  <a:srgbClr val="0070C0"/>
                 </a:solidFill>
               </a:rPr>
-              <a:t>Post back -&gt;  Message</a:t>
+              <a:t>Post back -&gt;  Post back</a:t>
             </a:r>
             <a:endParaRPr lang="zh-TW" altLang="en-US" dirty="0">
               <a:solidFill>
-                <a:srgbClr val="00B050"/>
+                <a:srgbClr val="0070C0"/>
               </a:solidFill>
             </a:endParaRPr>
           </a:p>
@@ -10152,11 +10152,11 @@
             <a:avLst/>
           </a:prstGeom>
           <a:solidFill>
-            <a:srgbClr val="00B050"/>
+            <a:srgbClr val="0070C0"/>
           </a:solidFill>
           <a:ln>
             <a:solidFill>
-              <a:srgbClr val="00B050"/>
+              <a:srgbClr val="0070C0"/>
             </a:solidFill>
           </a:ln>
         </p:spPr>

--- a/Linebot flow chart.pptx
+++ b/Linebot flow chart.pptx
@@ -4,10 +4,14 @@
   <p:sldMasterIdLst>
     <p:sldMasterId id="2147483648" r:id="rId1"/>
   </p:sldMasterIdLst>
+  <p:notesMasterIdLst>
+    <p:notesMasterId r:id="rId6"/>
+  </p:notesMasterIdLst>
   <p:sldIdLst>
     <p:sldId id="256" r:id="rId2"/>
     <p:sldId id="257" r:id="rId3"/>
-    <p:sldId id="258" r:id="rId4"/>
+    <p:sldId id="259" r:id="rId4"/>
+    <p:sldId id="258" r:id="rId5"/>
   </p:sldIdLst>
   <p:sldSz cx="12192000" cy="6858000"/>
   <p:notesSz cx="6858000" cy="9144000"/>
@@ -114,6 +118,439 @@
 </p:presentation>
 </file>
 
+<file path=ppt/notesMasters/notesMaster1.xml><?xml version="1.0" encoding="utf-8"?>
+<p:notesMaster xmlns:a="http://schemas.openxmlformats.org/drawingml/2006/main" xmlns:r="http://schemas.openxmlformats.org/officeDocument/2006/relationships" xmlns:p="http://schemas.openxmlformats.org/presentationml/2006/main">
+  <p:cSld>
+    <p:bg>
+      <p:bgRef idx="1001">
+        <a:schemeClr val="bg1"/>
+      </p:bgRef>
+    </p:bg>
+    <p:spTree>
+      <p:nvGrpSpPr>
+        <p:cNvPr id="1" name=""/>
+        <p:cNvGrpSpPr/>
+        <p:nvPr/>
+      </p:nvGrpSpPr>
+      <p:grpSpPr>
+        <a:xfrm>
+          <a:off x="0" y="0"/>
+          <a:ext cx="0" cy="0"/>
+          <a:chOff x="0" y="0"/>
+          <a:chExt cx="0" cy="0"/>
+        </a:xfrm>
+      </p:grpSpPr>
+      <p:sp>
+        <p:nvSpPr>
+          <p:cNvPr id="2" name="頁首版面配置區 1"/>
+          <p:cNvSpPr>
+            <a:spLocks noGrp="1"/>
+          </p:cNvSpPr>
+          <p:nvPr>
+            <p:ph type="hdr" sz="quarter"/>
+          </p:nvPr>
+        </p:nvSpPr>
+        <p:spPr>
+          <a:xfrm>
+            <a:off x="0" y="0"/>
+            <a:ext cx="2971800" cy="458788"/>
+          </a:xfrm>
+          <a:prstGeom prst="rect">
+            <a:avLst/>
+          </a:prstGeom>
+        </p:spPr>
+        <p:txBody>
+          <a:bodyPr vert="horz" lIns="91440" tIns="45720" rIns="91440" bIns="45720" rtlCol="0"/>
+          <a:lstStyle>
+            <a:lvl1pPr algn="l">
+              <a:defRPr sz="1200"/>
+            </a:lvl1pPr>
+          </a:lstStyle>
+          <a:p>
+            <a:endParaRPr lang="zh-TW" altLang="en-US"/>
+          </a:p>
+        </p:txBody>
+      </p:sp>
+      <p:sp>
+        <p:nvSpPr>
+          <p:cNvPr id="3" name="日期版面配置區 2"/>
+          <p:cNvSpPr>
+            <a:spLocks noGrp="1"/>
+          </p:cNvSpPr>
+          <p:nvPr>
+            <p:ph type="dt" idx="1"/>
+          </p:nvPr>
+        </p:nvSpPr>
+        <p:spPr>
+          <a:xfrm>
+            <a:off x="3884613" y="0"/>
+            <a:ext cx="2971800" cy="458788"/>
+          </a:xfrm>
+          <a:prstGeom prst="rect">
+            <a:avLst/>
+          </a:prstGeom>
+        </p:spPr>
+        <p:txBody>
+          <a:bodyPr vert="horz" lIns="91440" tIns="45720" rIns="91440" bIns="45720" rtlCol="0"/>
+          <a:lstStyle>
+            <a:lvl1pPr algn="r">
+              <a:defRPr sz="1200"/>
+            </a:lvl1pPr>
+          </a:lstStyle>
+          <a:p>
+            <a:fld id="{2B7FA985-6E2C-4519-A432-E90CC75E28DD}" type="datetimeFigureOut">
+              <a:rPr lang="zh-TW" altLang="en-US" smtClean="0"/>
+              <a:t>2021/2/2</a:t>
+            </a:fld>
+            <a:endParaRPr lang="zh-TW" altLang="en-US"/>
+          </a:p>
+        </p:txBody>
+      </p:sp>
+      <p:sp>
+        <p:nvSpPr>
+          <p:cNvPr id="4" name="投影片影像版面配置區 3"/>
+          <p:cNvSpPr>
+            <a:spLocks noGrp="1" noRot="1" noChangeAspect="1"/>
+          </p:cNvSpPr>
+          <p:nvPr>
+            <p:ph type="sldImg" idx="2"/>
+          </p:nvPr>
+        </p:nvSpPr>
+        <p:spPr>
+          <a:xfrm>
+            <a:off x="685800" y="1143000"/>
+            <a:ext cx="5486400" cy="3086100"/>
+          </a:xfrm>
+          <a:prstGeom prst="rect">
+            <a:avLst/>
+          </a:prstGeom>
+          <a:noFill/>
+          <a:ln w="12700">
+            <a:solidFill>
+              <a:prstClr val="black"/>
+            </a:solidFill>
+          </a:ln>
+        </p:spPr>
+        <p:txBody>
+          <a:bodyPr vert="horz" lIns="91440" tIns="45720" rIns="91440" bIns="45720" rtlCol="0" anchor="ctr"/>
+          <a:lstStyle/>
+          <a:p>
+            <a:endParaRPr lang="zh-TW" altLang="en-US"/>
+          </a:p>
+        </p:txBody>
+      </p:sp>
+      <p:sp>
+        <p:nvSpPr>
+          <p:cNvPr id="5" name="備忘稿版面配置區 4"/>
+          <p:cNvSpPr>
+            <a:spLocks noGrp="1"/>
+          </p:cNvSpPr>
+          <p:nvPr>
+            <p:ph type="body" sz="quarter" idx="3"/>
+          </p:nvPr>
+        </p:nvSpPr>
+        <p:spPr>
+          <a:xfrm>
+            <a:off x="685800" y="4400550"/>
+            <a:ext cx="5486400" cy="3600450"/>
+          </a:xfrm>
+          <a:prstGeom prst="rect">
+            <a:avLst/>
+          </a:prstGeom>
+        </p:spPr>
+        <p:txBody>
+          <a:bodyPr vert="horz" lIns="91440" tIns="45720" rIns="91440" bIns="45720" rtlCol="0"/>
+          <a:lstStyle/>
+          <a:p>
+            <a:pPr lvl="0"/>
+            <a:r>
+              <a:rPr lang="zh-TW" altLang="en-US"/>
+              <a:t>按一下以編輯母片文字樣式</a:t>
+            </a:r>
+          </a:p>
+          <a:p>
+            <a:pPr lvl="1"/>
+            <a:r>
+              <a:rPr lang="zh-TW" altLang="en-US"/>
+              <a:t>第二層</a:t>
+            </a:r>
+          </a:p>
+          <a:p>
+            <a:pPr lvl="2"/>
+            <a:r>
+              <a:rPr lang="zh-TW" altLang="en-US"/>
+              <a:t>第三層</a:t>
+            </a:r>
+          </a:p>
+          <a:p>
+            <a:pPr lvl="3"/>
+            <a:r>
+              <a:rPr lang="zh-TW" altLang="en-US"/>
+              <a:t>第四層</a:t>
+            </a:r>
+          </a:p>
+          <a:p>
+            <a:pPr lvl="4"/>
+            <a:r>
+              <a:rPr lang="zh-TW" altLang="en-US"/>
+              <a:t>第五層</a:t>
+            </a:r>
+          </a:p>
+        </p:txBody>
+      </p:sp>
+      <p:sp>
+        <p:nvSpPr>
+          <p:cNvPr id="6" name="頁尾版面配置區 5"/>
+          <p:cNvSpPr>
+            <a:spLocks noGrp="1"/>
+          </p:cNvSpPr>
+          <p:nvPr>
+            <p:ph type="ftr" sz="quarter" idx="4"/>
+          </p:nvPr>
+        </p:nvSpPr>
+        <p:spPr>
+          <a:xfrm>
+            <a:off x="0" y="8685213"/>
+            <a:ext cx="2971800" cy="458787"/>
+          </a:xfrm>
+          <a:prstGeom prst="rect">
+            <a:avLst/>
+          </a:prstGeom>
+        </p:spPr>
+        <p:txBody>
+          <a:bodyPr vert="horz" lIns="91440" tIns="45720" rIns="91440" bIns="45720" rtlCol="0" anchor="b"/>
+          <a:lstStyle>
+            <a:lvl1pPr algn="l">
+              <a:defRPr sz="1200"/>
+            </a:lvl1pPr>
+          </a:lstStyle>
+          <a:p>
+            <a:endParaRPr lang="zh-TW" altLang="en-US"/>
+          </a:p>
+        </p:txBody>
+      </p:sp>
+      <p:sp>
+        <p:nvSpPr>
+          <p:cNvPr id="7" name="投影片編號版面配置區 6"/>
+          <p:cNvSpPr>
+            <a:spLocks noGrp="1"/>
+          </p:cNvSpPr>
+          <p:nvPr>
+            <p:ph type="sldNum" sz="quarter" idx="5"/>
+          </p:nvPr>
+        </p:nvSpPr>
+        <p:spPr>
+          <a:xfrm>
+            <a:off x="3884613" y="8685213"/>
+            <a:ext cx="2971800" cy="458787"/>
+          </a:xfrm>
+          <a:prstGeom prst="rect">
+            <a:avLst/>
+          </a:prstGeom>
+        </p:spPr>
+        <p:txBody>
+          <a:bodyPr vert="horz" lIns="91440" tIns="45720" rIns="91440" bIns="45720" rtlCol="0" anchor="b"/>
+          <a:lstStyle>
+            <a:lvl1pPr algn="r">
+              <a:defRPr sz="1200"/>
+            </a:lvl1pPr>
+          </a:lstStyle>
+          <a:p>
+            <a:fld id="{0A5A7F08-1293-4ED9-BD5B-2F2AE97F55D5}" type="slidenum">
+              <a:rPr lang="zh-TW" altLang="en-US" smtClean="0"/>
+              <a:t>‹#›</a:t>
+            </a:fld>
+            <a:endParaRPr lang="zh-TW" altLang="en-US"/>
+          </a:p>
+        </p:txBody>
+      </p:sp>
+    </p:spTree>
+    <p:extLst>
+      <p:ext uri="{BB962C8B-B14F-4D97-AF65-F5344CB8AC3E}">
+        <p14:creationId xmlns:p14="http://schemas.microsoft.com/office/powerpoint/2010/main" val="1976858716"/>
+      </p:ext>
+    </p:extLst>
+  </p:cSld>
+  <p:clrMap bg1="lt1" tx1="dk1" bg2="lt2" tx2="dk2" accent1="accent1" accent2="accent2" accent3="accent3" accent4="accent4" accent5="accent5" accent6="accent6" hlink="hlink" folHlink="folHlink"/>
+  <p:notesStyle>
+    <a:lvl1pPr marL="0" algn="l" defTabSz="914400" rtl="0" eaLnBrk="1" latinLnBrk="0" hangingPunct="1">
+      <a:defRPr sz="1200" kern="1200">
+        <a:solidFill>
+          <a:schemeClr val="tx1"/>
+        </a:solidFill>
+        <a:latin typeface="+mn-lt"/>
+        <a:ea typeface="+mn-ea"/>
+        <a:cs typeface="+mn-cs"/>
+      </a:defRPr>
+    </a:lvl1pPr>
+    <a:lvl2pPr marL="457200" algn="l" defTabSz="914400" rtl="0" eaLnBrk="1" latinLnBrk="0" hangingPunct="1">
+      <a:defRPr sz="1200" kern="1200">
+        <a:solidFill>
+          <a:schemeClr val="tx1"/>
+        </a:solidFill>
+        <a:latin typeface="+mn-lt"/>
+        <a:ea typeface="+mn-ea"/>
+        <a:cs typeface="+mn-cs"/>
+      </a:defRPr>
+    </a:lvl2pPr>
+    <a:lvl3pPr marL="914400" algn="l" defTabSz="914400" rtl="0" eaLnBrk="1" latinLnBrk="0" hangingPunct="1">
+      <a:defRPr sz="1200" kern="1200">
+        <a:solidFill>
+          <a:schemeClr val="tx1"/>
+        </a:solidFill>
+        <a:latin typeface="+mn-lt"/>
+        <a:ea typeface="+mn-ea"/>
+        <a:cs typeface="+mn-cs"/>
+      </a:defRPr>
+    </a:lvl3pPr>
+    <a:lvl4pPr marL="1371600" algn="l" defTabSz="914400" rtl="0" eaLnBrk="1" latinLnBrk="0" hangingPunct="1">
+      <a:defRPr sz="1200" kern="1200">
+        <a:solidFill>
+          <a:schemeClr val="tx1"/>
+        </a:solidFill>
+        <a:latin typeface="+mn-lt"/>
+        <a:ea typeface="+mn-ea"/>
+        <a:cs typeface="+mn-cs"/>
+      </a:defRPr>
+    </a:lvl4pPr>
+    <a:lvl5pPr marL="1828800" algn="l" defTabSz="914400" rtl="0" eaLnBrk="1" latinLnBrk="0" hangingPunct="1">
+      <a:defRPr sz="1200" kern="1200">
+        <a:solidFill>
+          <a:schemeClr val="tx1"/>
+        </a:solidFill>
+        <a:latin typeface="+mn-lt"/>
+        <a:ea typeface="+mn-ea"/>
+        <a:cs typeface="+mn-cs"/>
+      </a:defRPr>
+    </a:lvl5pPr>
+    <a:lvl6pPr marL="2286000" algn="l" defTabSz="914400" rtl="0" eaLnBrk="1" latinLnBrk="0" hangingPunct="1">
+      <a:defRPr sz="1200" kern="1200">
+        <a:solidFill>
+          <a:schemeClr val="tx1"/>
+        </a:solidFill>
+        <a:latin typeface="+mn-lt"/>
+        <a:ea typeface="+mn-ea"/>
+        <a:cs typeface="+mn-cs"/>
+      </a:defRPr>
+    </a:lvl6pPr>
+    <a:lvl7pPr marL="2743200" algn="l" defTabSz="914400" rtl="0" eaLnBrk="1" latinLnBrk="0" hangingPunct="1">
+      <a:defRPr sz="1200" kern="1200">
+        <a:solidFill>
+          <a:schemeClr val="tx1"/>
+        </a:solidFill>
+        <a:latin typeface="+mn-lt"/>
+        <a:ea typeface="+mn-ea"/>
+        <a:cs typeface="+mn-cs"/>
+      </a:defRPr>
+    </a:lvl7pPr>
+    <a:lvl8pPr marL="3200400" algn="l" defTabSz="914400" rtl="0" eaLnBrk="1" latinLnBrk="0" hangingPunct="1">
+      <a:defRPr sz="1200" kern="1200">
+        <a:solidFill>
+          <a:schemeClr val="tx1"/>
+        </a:solidFill>
+        <a:latin typeface="+mn-lt"/>
+        <a:ea typeface="+mn-ea"/>
+        <a:cs typeface="+mn-cs"/>
+      </a:defRPr>
+    </a:lvl8pPr>
+    <a:lvl9pPr marL="3657600" algn="l" defTabSz="914400" rtl="0" eaLnBrk="1" latinLnBrk="0" hangingPunct="1">
+      <a:defRPr sz="1200" kern="1200">
+        <a:solidFill>
+          <a:schemeClr val="tx1"/>
+        </a:solidFill>
+        <a:latin typeface="+mn-lt"/>
+        <a:ea typeface="+mn-ea"/>
+        <a:cs typeface="+mn-cs"/>
+      </a:defRPr>
+    </a:lvl9pPr>
+  </p:notesStyle>
+</p:notesMaster>
+</file>
+
+<file path=ppt/notesSlides/notesSlide1.xml><?xml version="1.0" encoding="utf-8"?>
+<p:notes xmlns:a="http://schemas.openxmlformats.org/drawingml/2006/main" xmlns:r="http://schemas.openxmlformats.org/officeDocument/2006/relationships" xmlns:p="http://schemas.openxmlformats.org/presentationml/2006/main">
+  <p:cSld>
+    <p:spTree>
+      <p:nvGrpSpPr>
+        <p:cNvPr id="1" name=""/>
+        <p:cNvGrpSpPr/>
+        <p:nvPr/>
+      </p:nvGrpSpPr>
+      <p:grpSpPr>
+        <a:xfrm>
+          <a:off x="0" y="0"/>
+          <a:ext cx="0" cy="0"/>
+          <a:chOff x="0" y="0"/>
+          <a:chExt cx="0" cy="0"/>
+        </a:xfrm>
+      </p:grpSpPr>
+      <p:sp>
+        <p:nvSpPr>
+          <p:cNvPr id="2" name="投影片影像版面配置區 1"/>
+          <p:cNvSpPr>
+            <a:spLocks noGrp="1" noRot="1" noChangeAspect="1"/>
+          </p:cNvSpPr>
+          <p:nvPr>
+            <p:ph type="sldImg"/>
+          </p:nvPr>
+        </p:nvSpPr>
+        <p:spPr/>
+      </p:sp>
+      <p:sp>
+        <p:nvSpPr>
+          <p:cNvPr id="3" name="備忘稿版面配置區 2"/>
+          <p:cNvSpPr>
+            <a:spLocks noGrp="1"/>
+          </p:cNvSpPr>
+          <p:nvPr>
+            <p:ph type="body" idx="1"/>
+          </p:nvPr>
+        </p:nvSpPr>
+        <p:spPr/>
+        <p:txBody>
+          <a:bodyPr/>
+          <a:lstStyle/>
+          <a:p>
+            <a:endParaRPr lang="zh-TW" altLang="en-US" dirty="0"/>
+          </a:p>
+        </p:txBody>
+      </p:sp>
+      <p:sp>
+        <p:nvSpPr>
+          <p:cNvPr id="4" name="投影片編號版面配置區 3"/>
+          <p:cNvSpPr>
+            <a:spLocks noGrp="1"/>
+          </p:cNvSpPr>
+          <p:nvPr>
+            <p:ph type="sldNum" sz="quarter" idx="5"/>
+          </p:nvPr>
+        </p:nvSpPr>
+        <p:spPr/>
+        <p:txBody>
+          <a:bodyPr/>
+          <a:lstStyle/>
+          <a:p>
+            <a:fld id="{0A5A7F08-1293-4ED9-BD5B-2F2AE97F55D5}" type="slidenum">
+              <a:rPr lang="zh-TW" altLang="en-US" smtClean="0"/>
+              <a:t>3</a:t>
+            </a:fld>
+            <a:endParaRPr lang="zh-TW" altLang="en-US"/>
+          </a:p>
+        </p:txBody>
+      </p:sp>
+    </p:spTree>
+    <p:extLst>
+      <p:ext uri="{BB962C8B-B14F-4D97-AF65-F5344CB8AC3E}">
+        <p14:creationId xmlns:p14="http://schemas.microsoft.com/office/powerpoint/2010/main" val="840253057"/>
+      </p:ext>
+    </p:extLst>
+  </p:cSld>
+  <p:clrMapOvr>
+    <a:masterClrMapping/>
+  </p:clrMapOvr>
+</p:notes>
+</file>
+
 <file path=ppt/slideLayouts/slideLayout1.xml><?xml version="1.0" encoding="utf-8"?>
 <p:sldLayout xmlns:a="http://schemas.openxmlformats.org/drawingml/2006/main" xmlns:r="http://schemas.openxmlformats.org/officeDocument/2006/relationships" xmlns:p="http://schemas.openxmlformats.org/presentationml/2006/main" type="title" preserve="1">
   <p:cSld name="標題投影片">
@@ -261,7 +698,7 @@
           <a:p>
             <a:fld id="{AA2D0EFA-EDED-452F-90DB-937F921993A5}" type="datetimeFigureOut">
               <a:rPr lang="zh-TW" altLang="en-US" smtClean="0"/>
-              <a:t>2021/1/27</a:t>
+              <a:t>2021/2/2</a:t>
             </a:fld>
             <a:endParaRPr lang="zh-TW" altLang="en-US"/>
           </a:p>
@@ -459,7 +896,7 @@
           <a:p>
             <a:fld id="{AA2D0EFA-EDED-452F-90DB-937F921993A5}" type="datetimeFigureOut">
               <a:rPr lang="zh-TW" altLang="en-US" smtClean="0"/>
-              <a:t>2021/1/27</a:t>
+              <a:t>2021/2/2</a:t>
             </a:fld>
             <a:endParaRPr lang="zh-TW" altLang="en-US"/>
           </a:p>
@@ -667,7 +1104,7 @@
           <a:p>
             <a:fld id="{AA2D0EFA-EDED-452F-90DB-937F921993A5}" type="datetimeFigureOut">
               <a:rPr lang="zh-TW" altLang="en-US" smtClean="0"/>
-              <a:t>2021/1/27</a:t>
+              <a:t>2021/2/2</a:t>
             </a:fld>
             <a:endParaRPr lang="zh-TW" altLang="en-US"/>
           </a:p>
@@ -865,7 +1302,7 @@
           <a:p>
             <a:fld id="{AA2D0EFA-EDED-452F-90DB-937F921993A5}" type="datetimeFigureOut">
               <a:rPr lang="zh-TW" altLang="en-US" smtClean="0"/>
-              <a:t>2021/1/27</a:t>
+              <a:t>2021/2/2</a:t>
             </a:fld>
             <a:endParaRPr lang="zh-TW" altLang="en-US"/>
           </a:p>
@@ -1140,7 +1577,7 @@
           <a:p>
             <a:fld id="{AA2D0EFA-EDED-452F-90DB-937F921993A5}" type="datetimeFigureOut">
               <a:rPr lang="zh-TW" altLang="en-US" smtClean="0"/>
-              <a:t>2021/1/27</a:t>
+              <a:t>2021/2/2</a:t>
             </a:fld>
             <a:endParaRPr lang="zh-TW" altLang="en-US"/>
           </a:p>
@@ -1405,7 +1842,7 @@
           <a:p>
             <a:fld id="{AA2D0EFA-EDED-452F-90DB-937F921993A5}" type="datetimeFigureOut">
               <a:rPr lang="zh-TW" altLang="en-US" smtClean="0"/>
-              <a:t>2021/1/27</a:t>
+              <a:t>2021/2/2</a:t>
             </a:fld>
             <a:endParaRPr lang="zh-TW" altLang="en-US"/>
           </a:p>
@@ -1817,7 +2254,7 @@
           <a:p>
             <a:fld id="{AA2D0EFA-EDED-452F-90DB-937F921993A5}" type="datetimeFigureOut">
               <a:rPr lang="zh-TW" altLang="en-US" smtClean="0"/>
-              <a:t>2021/1/27</a:t>
+              <a:t>2021/2/2</a:t>
             </a:fld>
             <a:endParaRPr lang="zh-TW" altLang="en-US"/>
           </a:p>
@@ -1958,7 +2395,7 @@
           <a:p>
             <a:fld id="{AA2D0EFA-EDED-452F-90DB-937F921993A5}" type="datetimeFigureOut">
               <a:rPr lang="zh-TW" altLang="en-US" smtClean="0"/>
-              <a:t>2021/1/27</a:t>
+              <a:t>2021/2/2</a:t>
             </a:fld>
             <a:endParaRPr lang="zh-TW" altLang="en-US"/>
           </a:p>
@@ -2071,7 +2508,7 @@
           <a:p>
             <a:fld id="{AA2D0EFA-EDED-452F-90DB-937F921993A5}" type="datetimeFigureOut">
               <a:rPr lang="zh-TW" altLang="en-US" smtClean="0"/>
-              <a:t>2021/1/27</a:t>
+              <a:t>2021/2/2</a:t>
             </a:fld>
             <a:endParaRPr lang="zh-TW" altLang="en-US"/>
           </a:p>
@@ -2382,7 +2819,7 @@
           <a:p>
             <a:fld id="{AA2D0EFA-EDED-452F-90DB-937F921993A5}" type="datetimeFigureOut">
               <a:rPr lang="zh-TW" altLang="en-US" smtClean="0"/>
-              <a:t>2021/1/27</a:t>
+              <a:t>2021/2/2</a:t>
             </a:fld>
             <a:endParaRPr lang="zh-TW" altLang="en-US"/>
           </a:p>
@@ -2670,7 +3107,7 @@
           <a:p>
             <a:fld id="{AA2D0EFA-EDED-452F-90DB-937F921993A5}" type="datetimeFigureOut">
               <a:rPr lang="zh-TW" altLang="en-US" smtClean="0"/>
-              <a:t>2021/1/27</a:t>
+              <a:t>2021/2/2</a:t>
             </a:fld>
             <a:endParaRPr lang="zh-TW" altLang="en-US"/>
           </a:p>
@@ -2911,7 +3348,7 @@
           <a:p>
             <a:fld id="{AA2D0EFA-EDED-452F-90DB-937F921993A5}" type="datetimeFigureOut">
               <a:rPr lang="zh-TW" altLang="en-US" smtClean="0"/>
-              <a:t>2021/1/27</a:t>
+              <a:t>2021/2/2</a:t>
             </a:fld>
             <a:endParaRPr lang="zh-TW" altLang="en-US"/>
           </a:p>
@@ -7731,2021 +8168,2000 @@
           <a:chExt cx="0" cy="0"/>
         </a:xfrm>
       </p:grpSpPr>
-      <p:grpSp>
-        <p:nvGrpSpPr>
-          <p:cNvPr id="55" name="群組 54">
-            <a:extLst>
-              <a:ext uri="{FF2B5EF4-FFF2-40B4-BE49-F238E27FC236}">
-                <a16:creationId xmlns:a16="http://schemas.microsoft.com/office/drawing/2014/main" id="{2E19D31E-C36E-4150-9D2B-59F56D3F3010}"/>
-              </a:ext>
-            </a:extLst>
-          </p:cNvPr>
-          <p:cNvGrpSpPr/>
-          <p:nvPr/>
-        </p:nvGrpSpPr>
-        <p:grpSpPr>
-          <a:xfrm>
-            <a:off x="94669" y="86476"/>
-            <a:ext cx="11325249" cy="6680433"/>
-            <a:chOff x="-280889" y="94641"/>
-            <a:chExt cx="11325249" cy="6680433"/>
-          </a:xfrm>
-        </p:grpSpPr>
-        <p:sp>
-          <p:nvSpPr>
-            <p:cNvPr id="5" name="文字方塊 4">
-              <a:extLst>
-                <a:ext uri="{FF2B5EF4-FFF2-40B4-BE49-F238E27FC236}">
-                  <a16:creationId xmlns:a16="http://schemas.microsoft.com/office/drawing/2014/main" id="{C6F294D5-EDF2-4FC7-ADF6-8AD0F7FF6AD7}"/>
-                </a:ext>
-              </a:extLst>
-            </p:cNvPr>
-            <p:cNvSpPr txBox="1"/>
-            <p:nvPr/>
-          </p:nvSpPr>
-          <p:spPr>
-            <a:xfrm>
-              <a:off x="5231959" y="182102"/>
-              <a:ext cx="3029447" cy="369332"/>
-            </a:xfrm>
-            <a:prstGeom prst="rect">
-              <a:avLst/>
-            </a:prstGeom>
-            <a:noFill/>
-            <a:ln w="19050">
-              <a:solidFill>
-                <a:schemeClr val="accent2">
-                  <a:lumMod val="60000"/>
-                  <a:lumOff val="40000"/>
-                </a:schemeClr>
-              </a:solidFill>
-            </a:ln>
-          </p:spPr>
-          <p:txBody>
-            <a:bodyPr wrap="square" rtlCol="0">
-              <a:spAutoFit/>
-            </a:bodyPr>
-            <a:lstStyle/>
-            <a:p>
-              <a:pPr algn="ctr"/>
-              <a:r>
-                <a:rPr lang="en-US" altLang="zh-TW" dirty="0"/>
-                <a:t>Entering message</a:t>
-              </a:r>
-              <a:endParaRPr lang="zh-TW" altLang="en-US" dirty="0"/>
-            </a:p>
-          </p:txBody>
-        </p:sp>
-        <p:sp>
-          <p:nvSpPr>
-            <p:cNvPr id="6" name="文字方塊 5">
-              <a:extLst>
-                <a:ext uri="{FF2B5EF4-FFF2-40B4-BE49-F238E27FC236}">
-                  <a16:creationId xmlns:a16="http://schemas.microsoft.com/office/drawing/2014/main" id="{58238BAE-B2C8-45AC-A633-F44EFDF0DD86}"/>
-                </a:ext>
-              </a:extLst>
-            </p:cNvPr>
-            <p:cNvSpPr txBox="1"/>
-            <p:nvPr/>
-          </p:nvSpPr>
-          <p:spPr>
-            <a:xfrm>
-              <a:off x="5231958" y="803629"/>
-              <a:ext cx="3029447" cy="369332"/>
-            </a:xfrm>
-            <a:prstGeom prst="rect">
-              <a:avLst/>
-            </a:prstGeom>
-            <a:noFill/>
-            <a:ln w="19050">
-              <a:solidFill>
-                <a:schemeClr val="accent2">
-                  <a:lumMod val="60000"/>
-                  <a:lumOff val="40000"/>
-                </a:schemeClr>
-              </a:solidFill>
-            </a:ln>
-          </p:spPr>
-          <p:txBody>
-            <a:bodyPr wrap="square" rtlCol="0">
-              <a:spAutoFit/>
-            </a:bodyPr>
-            <a:lstStyle/>
-            <a:p>
-              <a:pPr algn="ctr"/>
-              <a:r>
-                <a:rPr lang="en-US" altLang="zh-TW" dirty="0"/>
-                <a:t>Admin area</a:t>
-              </a:r>
-              <a:endParaRPr lang="zh-TW" altLang="en-US" dirty="0"/>
-            </a:p>
-          </p:txBody>
-        </p:sp>
-        <p:sp>
-          <p:nvSpPr>
-            <p:cNvPr id="7" name="文字方塊 6">
-              <a:extLst>
-                <a:ext uri="{FF2B5EF4-FFF2-40B4-BE49-F238E27FC236}">
-                  <a16:creationId xmlns:a16="http://schemas.microsoft.com/office/drawing/2014/main" id="{582F9695-35B5-4B60-B695-58373D024C0F}"/>
-                </a:ext>
-              </a:extLst>
-            </p:cNvPr>
-            <p:cNvSpPr txBox="1"/>
-            <p:nvPr/>
-          </p:nvSpPr>
-          <p:spPr>
-            <a:xfrm>
-              <a:off x="5231957" y="1436219"/>
-              <a:ext cx="3029447" cy="369332"/>
-            </a:xfrm>
-            <a:prstGeom prst="rect">
-              <a:avLst/>
-            </a:prstGeom>
-            <a:noFill/>
-            <a:ln w="19050">
-              <a:solidFill>
-                <a:schemeClr val="accent2">
-                  <a:lumMod val="60000"/>
-                  <a:lumOff val="40000"/>
-                </a:schemeClr>
-              </a:solidFill>
-            </a:ln>
-          </p:spPr>
-          <p:txBody>
-            <a:bodyPr wrap="square" rtlCol="0">
-              <a:spAutoFit/>
-            </a:bodyPr>
-            <a:lstStyle/>
-            <a:p>
-              <a:pPr algn="ctr"/>
-              <a:r>
-                <a:rPr lang="en-US" altLang="zh-TW" dirty="0"/>
-                <a:t>Datetime</a:t>
-              </a:r>
-              <a:endParaRPr lang="zh-TW" altLang="en-US" dirty="0"/>
-            </a:p>
-          </p:txBody>
-        </p:sp>
-        <p:sp>
-          <p:nvSpPr>
-            <p:cNvPr id="8" name="文字方塊 7">
-              <a:extLst>
-                <a:ext uri="{FF2B5EF4-FFF2-40B4-BE49-F238E27FC236}">
-                  <a16:creationId xmlns:a16="http://schemas.microsoft.com/office/drawing/2014/main" id="{9F0FC33C-9FEB-45CB-933D-0F5057A4A58D}"/>
-                </a:ext>
-              </a:extLst>
-            </p:cNvPr>
-            <p:cNvSpPr txBox="1"/>
-            <p:nvPr/>
-          </p:nvSpPr>
-          <p:spPr>
-            <a:xfrm>
-              <a:off x="5231956" y="2073648"/>
-              <a:ext cx="3029447" cy="369332"/>
-            </a:xfrm>
-            <a:prstGeom prst="rect">
-              <a:avLst/>
-            </a:prstGeom>
-            <a:noFill/>
-            <a:ln w="19050">
-              <a:solidFill>
-                <a:schemeClr val="accent2">
-                  <a:lumMod val="60000"/>
-                  <a:lumOff val="40000"/>
-                </a:schemeClr>
-              </a:solidFill>
-            </a:ln>
-          </p:spPr>
-          <p:txBody>
-            <a:bodyPr wrap="square" rtlCol="0">
-              <a:spAutoFit/>
-            </a:bodyPr>
-            <a:lstStyle/>
-            <a:p>
-              <a:pPr algn="ctr"/>
-              <a:r>
-                <a:rPr lang="en-US" altLang="zh-TW" dirty="0"/>
-                <a:t>Num people</a:t>
-              </a:r>
-              <a:endParaRPr lang="zh-TW" altLang="en-US" dirty="0"/>
-            </a:p>
-          </p:txBody>
-        </p:sp>
-        <p:sp>
-          <p:nvSpPr>
-            <p:cNvPr id="9" name="文字方塊 8">
-              <a:extLst>
-                <a:ext uri="{FF2B5EF4-FFF2-40B4-BE49-F238E27FC236}">
-                  <a16:creationId xmlns:a16="http://schemas.microsoft.com/office/drawing/2014/main" id="{D0190EF1-0F6E-47A6-B19A-ED7666455F45}"/>
-                </a:ext>
-              </a:extLst>
-            </p:cNvPr>
-            <p:cNvSpPr txBox="1"/>
-            <p:nvPr/>
-          </p:nvSpPr>
-          <p:spPr>
-            <a:xfrm>
-              <a:off x="5231955" y="2690336"/>
-              <a:ext cx="3029447" cy="369332"/>
-            </a:xfrm>
-            <a:prstGeom prst="rect">
-              <a:avLst/>
-            </a:prstGeom>
-            <a:noFill/>
-            <a:ln w="19050">
-              <a:solidFill>
-                <a:schemeClr val="accent2">
-                  <a:lumMod val="60000"/>
-                  <a:lumOff val="40000"/>
-                </a:schemeClr>
-              </a:solidFill>
-            </a:ln>
-          </p:spPr>
-          <p:txBody>
-            <a:bodyPr wrap="square" rtlCol="0">
-              <a:spAutoFit/>
-            </a:bodyPr>
-            <a:lstStyle/>
-            <a:p>
-              <a:pPr algn="ctr"/>
-              <a:r>
-                <a:rPr lang="en-US" altLang="zh-TW" dirty="0"/>
-                <a:t>Num rooms</a:t>
-              </a:r>
-              <a:endParaRPr lang="zh-TW" altLang="en-US" dirty="0"/>
-            </a:p>
-          </p:txBody>
-        </p:sp>
-        <p:sp>
-          <p:nvSpPr>
-            <p:cNvPr id="10" name="文字方塊 9">
-              <a:extLst>
-                <a:ext uri="{FF2B5EF4-FFF2-40B4-BE49-F238E27FC236}">
-                  <a16:creationId xmlns:a16="http://schemas.microsoft.com/office/drawing/2014/main" id="{F69C763A-443B-4014-BE06-C67DB3E53A8F}"/>
-                </a:ext>
-              </a:extLst>
-            </p:cNvPr>
-            <p:cNvSpPr txBox="1"/>
-            <p:nvPr/>
-          </p:nvSpPr>
-          <p:spPr>
-            <a:xfrm>
-              <a:off x="5231955" y="3293050"/>
-              <a:ext cx="3029447" cy="369332"/>
-            </a:xfrm>
-            <a:prstGeom prst="rect">
-              <a:avLst/>
-            </a:prstGeom>
-            <a:noFill/>
-            <a:ln w="19050">
-              <a:solidFill>
-                <a:schemeClr val="accent2">
-                  <a:lumMod val="60000"/>
-                  <a:lumOff val="40000"/>
-                </a:schemeClr>
-              </a:solidFill>
-            </a:ln>
-          </p:spPr>
-          <p:txBody>
-            <a:bodyPr wrap="square" rtlCol="0">
-              <a:spAutoFit/>
-            </a:bodyPr>
-            <a:lstStyle/>
-            <a:p>
-              <a:pPr algn="ctr"/>
-              <a:r>
-                <a:rPr lang="en-US" altLang="zh-TW" dirty="0"/>
-                <a:t>Need Recommend Or Not</a:t>
-              </a:r>
-              <a:endParaRPr lang="zh-TW" altLang="en-US" dirty="0"/>
-            </a:p>
-          </p:txBody>
-        </p:sp>
-        <p:sp>
-          <p:nvSpPr>
-            <p:cNvPr id="11" name="文字方塊 10">
-              <a:extLst>
-                <a:ext uri="{FF2B5EF4-FFF2-40B4-BE49-F238E27FC236}">
-                  <a16:creationId xmlns:a16="http://schemas.microsoft.com/office/drawing/2014/main" id="{F9A050C7-EB69-4F1D-AC80-C780659D1CBA}"/>
-                </a:ext>
-              </a:extLst>
-            </p:cNvPr>
-            <p:cNvSpPr txBox="1"/>
-            <p:nvPr/>
-          </p:nvSpPr>
-          <p:spPr>
-            <a:xfrm>
-              <a:off x="5231954" y="3944453"/>
-              <a:ext cx="3029447" cy="369332"/>
-            </a:xfrm>
-            <a:prstGeom prst="rect">
-              <a:avLst/>
-            </a:prstGeom>
-            <a:noFill/>
-            <a:ln w="19050">
-              <a:solidFill>
-                <a:schemeClr val="accent2">
-                  <a:lumMod val="60000"/>
-                  <a:lumOff val="40000"/>
-                </a:schemeClr>
-              </a:solidFill>
-            </a:ln>
-          </p:spPr>
-          <p:txBody>
-            <a:bodyPr wrap="square" rtlCol="0">
-              <a:spAutoFit/>
-            </a:bodyPr>
-            <a:lstStyle/>
-            <a:p>
-              <a:pPr algn="ctr"/>
-              <a:r>
-                <a:rPr lang="en-US" altLang="zh-TW" dirty="0"/>
-                <a:t>Silence</a:t>
-              </a:r>
-              <a:endParaRPr lang="zh-TW" altLang="en-US" dirty="0"/>
-            </a:p>
-          </p:txBody>
-        </p:sp>
-        <p:sp>
-          <p:nvSpPr>
-            <p:cNvPr id="12" name="文字方塊 11">
-              <a:extLst>
-                <a:ext uri="{FF2B5EF4-FFF2-40B4-BE49-F238E27FC236}">
-                  <a16:creationId xmlns:a16="http://schemas.microsoft.com/office/drawing/2014/main" id="{BBD94B2F-459A-442E-AF93-8C24AFBB0C74}"/>
-                </a:ext>
-              </a:extLst>
-            </p:cNvPr>
-            <p:cNvSpPr txBox="1"/>
-            <p:nvPr/>
-          </p:nvSpPr>
-          <p:spPr>
-            <a:xfrm>
-              <a:off x="5231953" y="4561141"/>
-              <a:ext cx="3029447" cy="369332"/>
-            </a:xfrm>
-            <a:prstGeom prst="rect">
-              <a:avLst/>
-            </a:prstGeom>
-            <a:noFill/>
-            <a:ln w="19050">
-              <a:solidFill>
-                <a:schemeClr val="accent2">
-                  <a:lumMod val="60000"/>
-                  <a:lumOff val="40000"/>
-                </a:schemeClr>
-              </a:solidFill>
-            </a:ln>
-          </p:spPr>
-          <p:txBody>
-            <a:bodyPr wrap="square" rtlCol="0">
-              <a:spAutoFit/>
-            </a:bodyPr>
-            <a:lstStyle/>
-            <a:p>
-              <a:pPr algn="ctr"/>
-              <a:r>
-                <a:rPr lang="en-US" altLang="zh-TW" dirty="0"/>
-                <a:t>Food</a:t>
-              </a:r>
-              <a:endParaRPr lang="zh-TW" altLang="en-US" dirty="0"/>
-            </a:p>
-          </p:txBody>
-        </p:sp>
-        <p:sp>
-          <p:nvSpPr>
-            <p:cNvPr id="13" name="文字方塊 12">
-              <a:extLst>
-                <a:ext uri="{FF2B5EF4-FFF2-40B4-BE49-F238E27FC236}">
-                  <a16:creationId xmlns:a16="http://schemas.microsoft.com/office/drawing/2014/main" id="{20FB6048-873B-4AB9-A43D-8519A75B0130}"/>
-                </a:ext>
-              </a:extLst>
-            </p:cNvPr>
-            <p:cNvSpPr txBox="1"/>
-            <p:nvPr/>
-          </p:nvSpPr>
-          <p:spPr>
-            <a:xfrm>
-              <a:off x="5231952" y="5193731"/>
-              <a:ext cx="3029447" cy="369332"/>
-            </a:xfrm>
-            <a:prstGeom prst="rect">
-              <a:avLst/>
-            </a:prstGeom>
-            <a:noFill/>
-            <a:ln w="19050">
-              <a:solidFill>
-                <a:schemeClr val="accent2">
-                  <a:lumMod val="60000"/>
-                  <a:lumOff val="40000"/>
-                </a:schemeClr>
-              </a:solidFill>
-            </a:ln>
-          </p:spPr>
-          <p:txBody>
-            <a:bodyPr wrap="square" rtlCol="0">
-              <a:spAutoFit/>
-            </a:bodyPr>
-            <a:lstStyle/>
-            <a:p>
-              <a:pPr algn="ctr"/>
-              <a:r>
-                <a:rPr lang="en-US" altLang="zh-TW" dirty="0"/>
-                <a:t>Sightseeing</a:t>
-              </a:r>
-              <a:endParaRPr lang="zh-TW" altLang="en-US" dirty="0"/>
-            </a:p>
-          </p:txBody>
-        </p:sp>
-        <p:sp>
-          <p:nvSpPr>
-            <p:cNvPr id="14" name="文字方塊 13">
-              <a:extLst>
-                <a:ext uri="{FF2B5EF4-FFF2-40B4-BE49-F238E27FC236}">
-                  <a16:creationId xmlns:a16="http://schemas.microsoft.com/office/drawing/2014/main" id="{7569A53A-E7D0-47E4-872D-B6B0B3EC2066}"/>
-                </a:ext>
-              </a:extLst>
-            </p:cNvPr>
-            <p:cNvSpPr txBox="1"/>
-            <p:nvPr/>
-          </p:nvSpPr>
-          <p:spPr>
-            <a:xfrm>
-              <a:off x="5231952" y="5805118"/>
-              <a:ext cx="3029447" cy="369332"/>
-            </a:xfrm>
-            <a:prstGeom prst="rect">
-              <a:avLst/>
-            </a:prstGeom>
-            <a:noFill/>
-            <a:ln w="19050">
-              <a:solidFill>
-                <a:schemeClr val="accent2">
-                  <a:lumMod val="60000"/>
-                  <a:lumOff val="40000"/>
-                </a:schemeClr>
-              </a:solidFill>
-            </a:ln>
-          </p:spPr>
-          <p:txBody>
-            <a:bodyPr wrap="square" rtlCol="0">
-              <a:spAutoFit/>
-            </a:bodyPr>
-            <a:lstStyle/>
-            <a:p>
-              <a:pPr algn="ctr"/>
-              <a:r>
-                <a:rPr lang="en-US" altLang="zh-TW" dirty="0"/>
-                <a:t>Recommend</a:t>
-              </a:r>
-              <a:endParaRPr lang="zh-TW" altLang="en-US" dirty="0"/>
-            </a:p>
-          </p:txBody>
-        </p:sp>
-        <p:sp>
-          <p:nvSpPr>
-            <p:cNvPr id="15" name="箭號: 弧形左彎 14">
-              <a:extLst>
-                <a:ext uri="{FF2B5EF4-FFF2-40B4-BE49-F238E27FC236}">
-                  <a16:creationId xmlns:a16="http://schemas.microsoft.com/office/drawing/2014/main" id="{EF688E1F-0616-4BFA-8620-08A34B40004A}"/>
-                </a:ext>
-              </a:extLst>
-            </p:cNvPr>
-            <p:cNvSpPr/>
-            <p:nvPr/>
-          </p:nvSpPr>
-          <p:spPr>
-            <a:xfrm>
-              <a:off x="8261399" y="279307"/>
-              <a:ext cx="270350" cy="656269"/>
-            </a:xfrm>
-            <a:prstGeom prst="curvedLeftArrow">
-              <a:avLst/>
-            </a:prstGeom>
+      <p:sp>
+        <p:nvSpPr>
+          <p:cNvPr id="5" name="文字方塊 4">
+            <a:extLst>
+              <a:ext uri="{FF2B5EF4-FFF2-40B4-BE49-F238E27FC236}">
+                <a16:creationId xmlns:a16="http://schemas.microsoft.com/office/drawing/2014/main" id="{C6F294D5-EDF2-4FC7-ADF6-8AD0F7FF6AD7}"/>
+              </a:ext>
+            </a:extLst>
+          </p:cNvPr>
+          <p:cNvSpPr txBox="1"/>
+          <p:nvPr/>
+        </p:nvSpPr>
+        <p:spPr>
+          <a:xfrm>
+            <a:off x="5607517" y="173937"/>
+            <a:ext cx="3029447" cy="369332"/>
+          </a:xfrm>
+          <a:prstGeom prst="rect">
+            <a:avLst/>
+          </a:prstGeom>
+          <a:noFill/>
+          <a:ln w="19050">
+            <a:solidFill>
+              <a:schemeClr val="accent2">
+                <a:lumMod val="60000"/>
+                <a:lumOff val="40000"/>
+              </a:schemeClr>
+            </a:solidFill>
+          </a:ln>
+        </p:spPr>
+        <p:txBody>
+          <a:bodyPr wrap="square" rtlCol="0">
+            <a:spAutoFit/>
+          </a:bodyPr>
+          <a:lstStyle/>
+          <a:p>
+            <a:pPr algn="ctr"/>
+            <a:r>
+              <a:rPr lang="en-US" altLang="zh-TW" dirty="0"/>
+              <a:t>Entering message</a:t>
+            </a:r>
+            <a:endParaRPr lang="zh-TW" altLang="en-US" dirty="0"/>
+          </a:p>
+        </p:txBody>
+      </p:sp>
+      <p:sp>
+        <p:nvSpPr>
+          <p:cNvPr id="6" name="文字方塊 5">
+            <a:extLst>
+              <a:ext uri="{FF2B5EF4-FFF2-40B4-BE49-F238E27FC236}">
+                <a16:creationId xmlns:a16="http://schemas.microsoft.com/office/drawing/2014/main" id="{58238BAE-B2C8-45AC-A633-F44EFDF0DD86}"/>
+              </a:ext>
+            </a:extLst>
+          </p:cNvPr>
+          <p:cNvSpPr txBox="1"/>
+          <p:nvPr/>
+        </p:nvSpPr>
+        <p:spPr>
+          <a:xfrm>
+            <a:off x="5607516" y="795464"/>
+            <a:ext cx="3029447" cy="369332"/>
+          </a:xfrm>
+          <a:prstGeom prst="rect">
+            <a:avLst/>
+          </a:prstGeom>
+          <a:noFill/>
+          <a:ln w="19050">
+            <a:solidFill>
+              <a:schemeClr val="accent2">
+                <a:lumMod val="60000"/>
+                <a:lumOff val="40000"/>
+              </a:schemeClr>
+            </a:solidFill>
+          </a:ln>
+        </p:spPr>
+        <p:txBody>
+          <a:bodyPr wrap="square" rtlCol="0">
+            <a:spAutoFit/>
+          </a:bodyPr>
+          <a:lstStyle/>
+          <a:p>
+            <a:pPr algn="ctr"/>
+            <a:r>
+              <a:rPr lang="en-US" altLang="zh-TW" dirty="0"/>
+              <a:t>Admin area</a:t>
+            </a:r>
+            <a:endParaRPr lang="zh-TW" altLang="en-US" dirty="0"/>
+          </a:p>
+        </p:txBody>
+      </p:sp>
+      <p:sp>
+        <p:nvSpPr>
+          <p:cNvPr id="7" name="文字方塊 6">
+            <a:extLst>
+              <a:ext uri="{FF2B5EF4-FFF2-40B4-BE49-F238E27FC236}">
+                <a16:creationId xmlns:a16="http://schemas.microsoft.com/office/drawing/2014/main" id="{582F9695-35B5-4B60-B695-58373D024C0F}"/>
+              </a:ext>
+            </a:extLst>
+          </p:cNvPr>
+          <p:cNvSpPr txBox="1"/>
+          <p:nvPr/>
+        </p:nvSpPr>
+        <p:spPr>
+          <a:xfrm>
+            <a:off x="5607515" y="1428054"/>
+            <a:ext cx="3029447" cy="369332"/>
+          </a:xfrm>
+          <a:prstGeom prst="rect">
+            <a:avLst/>
+          </a:prstGeom>
+          <a:noFill/>
+          <a:ln w="19050">
+            <a:solidFill>
+              <a:schemeClr val="accent2">
+                <a:lumMod val="60000"/>
+                <a:lumOff val="40000"/>
+              </a:schemeClr>
+            </a:solidFill>
+          </a:ln>
+        </p:spPr>
+        <p:txBody>
+          <a:bodyPr wrap="square" rtlCol="0">
+            <a:spAutoFit/>
+          </a:bodyPr>
+          <a:lstStyle/>
+          <a:p>
+            <a:pPr algn="ctr"/>
+            <a:r>
+              <a:rPr lang="en-US" altLang="zh-TW" dirty="0"/>
+              <a:t>Datetime</a:t>
+            </a:r>
+            <a:endParaRPr lang="zh-TW" altLang="en-US" dirty="0"/>
+          </a:p>
+        </p:txBody>
+      </p:sp>
+      <p:sp>
+        <p:nvSpPr>
+          <p:cNvPr id="8" name="文字方塊 7">
+            <a:extLst>
+              <a:ext uri="{FF2B5EF4-FFF2-40B4-BE49-F238E27FC236}">
+                <a16:creationId xmlns:a16="http://schemas.microsoft.com/office/drawing/2014/main" id="{9F0FC33C-9FEB-45CB-933D-0F5057A4A58D}"/>
+              </a:ext>
+            </a:extLst>
+          </p:cNvPr>
+          <p:cNvSpPr txBox="1"/>
+          <p:nvPr/>
+        </p:nvSpPr>
+        <p:spPr>
+          <a:xfrm>
+            <a:off x="5607514" y="2065483"/>
+            <a:ext cx="3029447" cy="369332"/>
+          </a:xfrm>
+          <a:prstGeom prst="rect">
+            <a:avLst/>
+          </a:prstGeom>
+          <a:noFill/>
+          <a:ln w="19050">
+            <a:solidFill>
+              <a:schemeClr val="accent2">
+                <a:lumMod val="60000"/>
+                <a:lumOff val="40000"/>
+              </a:schemeClr>
+            </a:solidFill>
+          </a:ln>
+        </p:spPr>
+        <p:txBody>
+          <a:bodyPr wrap="square" rtlCol="0">
+            <a:spAutoFit/>
+          </a:bodyPr>
+          <a:lstStyle/>
+          <a:p>
+            <a:pPr algn="ctr"/>
+            <a:r>
+              <a:rPr lang="en-US" altLang="zh-TW" dirty="0"/>
+              <a:t>Num people</a:t>
+            </a:r>
+            <a:endParaRPr lang="zh-TW" altLang="en-US" dirty="0"/>
+          </a:p>
+        </p:txBody>
+      </p:sp>
+      <p:sp>
+        <p:nvSpPr>
+          <p:cNvPr id="9" name="文字方塊 8">
+            <a:extLst>
+              <a:ext uri="{FF2B5EF4-FFF2-40B4-BE49-F238E27FC236}">
+                <a16:creationId xmlns:a16="http://schemas.microsoft.com/office/drawing/2014/main" id="{D0190EF1-0F6E-47A6-B19A-ED7666455F45}"/>
+              </a:ext>
+            </a:extLst>
+          </p:cNvPr>
+          <p:cNvSpPr txBox="1"/>
+          <p:nvPr/>
+        </p:nvSpPr>
+        <p:spPr>
+          <a:xfrm>
+            <a:off x="5607513" y="2682171"/>
+            <a:ext cx="3029447" cy="369332"/>
+          </a:xfrm>
+          <a:prstGeom prst="rect">
+            <a:avLst/>
+          </a:prstGeom>
+          <a:noFill/>
+          <a:ln w="19050">
+            <a:solidFill>
+              <a:schemeClr val="accent2">
+                <a:lumMod val="60000"/>
+                <a:lumOff val="40000"/>
+              </a:schemeClr>
+            </a:solidFill>
+          </a:ln>
+        </p:spPr>
+        <p:txBody>
+          <a:bodyPr wrap="square" rtlCol="0">
+            <a:spAutoFit/>
+          </a:bodyPr>
+          <a:lstStyle/>
+          <a:p>
+            <a:pPr algn="ctr"/>
+            <a:r>
+              <a:rPr lang="en-US" altLang="zh-TW" dirty="0"/>
+              <a:t>Num rooms</a:t>
+            </a:r>
+            <a:endParaRPr lang="zh-TW" altLang="en-US" dirty="0"/>
+          </a:p>
+        </p:txBody>
+      </p:sp>
+      <p:sp>
+        <p:nvSpPr>
+          <p:cNvPr id="10" name="文字方塊 9">
+            <a:extLst>
+              <a:ext uri="{FF2B5EF4-FFF2-40B4-BE49-F238E27FC236}">
+                <a16:creationId xmlns:a16="http://schemas.microsoft.com/office/drawing/2014/main" id="{F69C763A-443B-4014-BE06-C67DB3E53A8F}"/>
+              </a:ext>
+            </a:extLst>
+          </p:cNvPr>
+          <p:cNvSpPr txBox="1"/>
+          <p:nvPr/>
+        </p:nvSpPr>
+        <p:spPr>
+          <a:xfrm>
+            <a:off x="5607513" y="3284885"/>
+            <a:ext cx="3029447" cy="369332"/>
+          </a:xfrm>
+          <a:prstGeom prst="rect">
+            <a:avLst/>
+          </a:prstGeom>
+          <a:noFill/>
+          <a:ln w="19050">
+            <a:solidFill>
+              <a:schemeClr val="accent2">
+                <a:lumMod val="60000"/>
+                <a:lumOff val="40000"/>
+              </a:schemeClr>
+            </a:solidFill>
+          </a:ln>
+        </p:spPr>
+        <p:txBody>
+          <a:bodyPr wrap="square" rtlCol="0">
+            <a:spAutoFit/>
+          </a:bodyPr>
+          <a:lstStyle/>
+          <a:p>
+            <a:pPr algn="ctr"/>
+            <a:r>
+              <a:rPr lang="en-US" altLang="zh-TW" dirty="0"/>
+              <a:t>Need Recommend Or Not</a:t>
+            </a:r>
+            <a:endParaRPr lang="zh-TW" altLang="en-US" dirty="0"/>
+          </a:p>
+        </p:txBody>
+      </p:sp>
+      <p:sp>
+        <p:nvSpPr>
+          <p:cNvPr id="11" name="文字方塊 10">
+            <a:extLst>
+              <a:ext uri="{FF2B5EF4-FFF2-40B4-BE49-F238E27FC236}">
+                <a16:creationId xmlns:a16="http://schemas.microsoft.com/office/drawing/2014/main" id="{F9A050C7-EB69-4F1D-AC80-C780659D1CBA}"/>
+              </a:ext>
+            </a:extLst>
+          </p:cNvPr>
+          <p:cNvSpPr txBox="1"/>
+          <p:nvPr/>
+        </p:nvSpPr>
+        <p:spPr>
+          <a:xfrm>
+            <a:off x="5607512" y="3936288"/>
+            <a:ext cx="3029447" cy="369332"/>
+          </a:xfrm>
+          <a:prstGeom prst="rect">
+            <a:avLst/>
+          </a:prstGeom>
+          <a:noFill/>
+          <a:ln w="19050">
+            <a:solidFill>
+              <a:schemeClr val="accent2">
+                <a:lumMod val="60000"/>
+                <a:lumOff val="40000"/>
+              </a:schemeClr>
+            </a:solidFill>
+          </a:ln>
+        </p:spPr>
+        <p:txBody>
+          <a:bodyPr wrap="square" rtlCol="0">
+            <a:spAutoFit/>
+          </a:bodyPr>
+          <a:lstStyle/>
+          <a:p>
+            <a:pPr algn="ctr"/>
+            <a:r>
+              <a:rPr lang="en-US" altLang="zh-TW" dirty="0"/>
+              <a:t>Silence</a:t>
+            </a:r>
+            <a:endParaRPr lang="zh-TW" altLang="en-US" dirty="0"/>
+          </a:p>
+        </p:txBody>
+      </p:sp>
+      <p:sp>
+        <p:nvSpPr>
+          <p:cNvPr id="12" name="文字方塊 11">
+            <a:extLst>
+              <a:ext uri="{FF2B5EF4-FFF2-40B4-BE49-F238E27FC236}">
+                <a16:creationId xmlns:a16="http://schemas.microsoft.com/office/drawing/2014/main" id="{BBD94B2F-459A-442E-AF93-8C24AFBB0C74}"/>
+              </a:ext>
+            </a:extLst>
+          </p:cNvPr>
+          <p:cNvSpPr txBox="1"/>
+          <p:nvPr/>
+        </p:nvSpPr>
+        <p:spPr>
+          <a:xfrm>
+            <a:off x="5607511" y="4552976"/>
+            <a:ext cx="3029447" cy="369332"/>
+          </a:xfrm>
+          <a:prstGeom prst="rect">
+            <a:avLst/>
+          </a:prstGeom>
+          <a:noFill/>
+          <a:ln w="19050">
+            <a:solidFill>
+              <a:schemeClr val="accent2">
+                <a:lumMod val="60000"/>
+                <a:lumOff val="40000"/>
+              </a:schemeClr>
+            </a:solidFill>
+          </a:ln>
+        </p:spPr>
+        <p:txBody>
+          <a:bodyPr wrap="square" rtlCol="0">
+            <a:spAutoFit/>
+          </a:bodyPr>
+          <a:lstStyle/>
+          <a:p>
+            <a:pPr algn="ctr"/>
+            <a:r>
+              <a:rPr lang="en-US" altLang="zh-TW" dirty="0"/>
+              <a:t>Food</a:t>
+            </a:r>
+            <a:endParaRPr lang="zh-TW" altLang="en-US" dirty="0"/>
+          </a:p>
+        </p:txBody>
+      </p:sp>
+      <p:sp>
+        <p:nvSpPr>
+          <p:cNvPr id="13" name="文字方塊 12">
+            <a:extLst>
+              <a:ext uri="{FF2B5EF4-FFF2-40B4-BE49-F238E27FC236}">
+                <a16:creationId xmlns:a16="http://schemas.microsoft.com/office/drawing/2014/main" id="{20FB6048-873B-4AB9-A43D-8519A75B0130}"/>
+              </a:ext>
+            </a:extLst>
+          </p:cNvPr>
+          <p:cNvSpPr txBox="1"/>
+          <p:nvPr/>
+        </p:nvSpPr>
+        <p:spPr>
+          <a:xfrm>
+            <a:off x="5607510" y="5185566"/>
+            <a:ext cx="3029447" cy="369332"/>
+          </a:xfrm>
+          <a:prstGeom prst="rect">
+            <a:avLst/>
+          </a:prstGeom>
+          <a:noFill/>
+          <a:ln w="19050">
+            <a:solidFill>
+              <a:schemeClr val="accent2">
+                <a:lumMod val="60000"/>
+                <a:lumOff val="40000"/>
+              </a:schemeClr>
+            </a:solidFill>
+          </a:ln>
+        </p:spPr>
+        <p:txBody>
+          <a:bodyPr wrap="square" rtlCol="0">
+            <a:spAutoFit/>
+          </a:bodyPr>
+          <a:lstStyle/>
+          <a:p>
+            <a:pPr algn="ctr"/>
+            <a:r>
+              <a:rPr lang="en-US" altLang="zh-TW" dirty="0"/>
+              <a:t>Sightseeing</a:t>
+            </a:r>
+            <a:endParaRPr lang="zh-TW" altLang="en-US" dirty="0"/>
+          </a:p>
+        </p:txBody>
+      </p:sp>
+      <p:sp>
+        <p:nvSpPr>
+          <p:cNvPr id="14" name="文字方塊 13">
+            <a:extLst>
+              <a:ext uri="{FF2B5EF4-FFF2-40B4-BE49-F238E27FC236}">
+                <a16:creationId xmlns:a16="http://schemas.microsoft.com/office/drawing/2014/main" id="{7569A53A-E7D0-47E4-872D-B6B0B3EC2066}"/>
+              </a:ext>
+            </a:extLst>
+          </p:cNvPr>
+          <p:cNvSpPr txBox="1"/>
+          <p:nvPr/>
+        </p:nvSpPr>
+        <p:spPr>
+          <a:xfrm>
+            <a:off x="5607510" y="5796953"/>
+            <a:ext cx="3029447" cy="369332"/>
+          </a:xfrm>
+          <a:prstGeom prst="rect">
+            <a:avLst/>
+          </a:prstGeom>
+          <a:noFill/>
+          <a:ln w="19050">
+            <a:solidFill>
+              <a:schemeClr val="accent2">
+                <a:lumMod val="60000"/>
+                <a:lumOff val="40000"/>
+              </a:schemeClr>
+            </a:solidFill>
+          </a:ln>
+        </p:spPr>
+        <p:txBody>
+          <a:bodyPr wrap="square" rtlCol="0">
+            <a:spAutoFit/>
+          </a:bodyPr>
+          <a:lstStyle/>
+          <a:p>
+            <a:pPr algn="ctr"/>
+            <a:r>
+              <a:rPr lang="en-US" altLang="zh-TW" dirty="0"/>
+              <a:t>Recommend</a:t>
+            </a:r>
+            <a:endParaRPr lang="zh-TW" altLang="en-US" dirty="0"/>
+          </a:p>
+        </p:txBody>
+      </p:sp>
+      <p:sp>
+        <p:nvSpPr>
+          <p:cNvPr id="15" name="箭號: 弧形左彎 14">
+            <a:extLst>
+              <a:ext uri="{FF2B5EF4-FFF2-40B4-BE49-F238E27FC236}">
+                <a16:creationId xmlns:a16="http://schemas.microsoft.com/office/drawing/2014/main" id="{EF688E1F-0616-4BFA-8620-08A34B40004A}"/>
+              </a:ext>
+            </a:extLst>
+          </p:cNvPr>
+          <p:cNvSpPr/>
+          <p:nvPr/>
+        </p:nvSpPr>
+        <p:spPr>
+          <a:xfrm>
+            <a:off x="8636957" y="271142"/>
+            <a:ext cx="270350" cy="656269"/>
+          </a:xfrm>
+          <a:prstGeom prst="curvedLeftArrow">
+            <a:avLst/>
+          </a:prstGeom>
+          <a:solidFill>
+            <a:srgbClr val="FF0000"/>
+          </a:solidFill>
+          <a:ln>
             <a:solidFill>
               <a:srgbClr val="FF0000"/>
             </a:solidFill>
-            <a:ln>
+          </a:ln>
+        </p:spPr>
+        <p:style>
+          <a:lnRef idx="2">
+            <a:schemeClr val="accent1">
+              <a:shade val="50000"/>
+            </a:schemeClr>
+          </a:lnRef>
+          <a:fillRef idx="1">
+            <a:schemeClr val="accent1"/>
+          </a:fillRef>
+          <a:effectRef idx="0">
+            <a:schemeClr val="accent1"/>
+          </a:effectRef>
+          <a:fontRef idx="minor">
+            <a:schemeClr val="lt1"/>
+          </a:fontRef>
+        </p:style>
+        <p:txBody>
+          <a:bodyPr rtlCol="0" anchor="ctr"/>
+          <a:lstStyle/>
+          <a:p>
+            <a:pPr algn="ctr"/>
+            <a:endParaRPr lang="zh-TW" altLang="en-US">
+              <a:solidFill>
+                <a:schemeClr val="tx1"/>
+              </a:solidFill>
+            </a:endParaRPr>
+          </a:p>
+        </p:txBody>
+      </p:sp>
+      <p:sp>
+        <p:nvSpPr>
+          <p:cNvPr id="16" name="箭號: 弧形左彎 15">
+            <a:extLst>
+              <a:ext uri="{FF2B5EF4-FFF2-40B4-BE49-F238E27FC236}">
+                <a16:creationId xmlns:a16="http://schemas.microsoft.com/office/drawing/2014/main" id="{FD1AA389-4093-4184-86B3-9AD8F595063F}"/>
+              </a:ext>
+            </a:extLst>
+          </p:cNvPr>
+          <p:cNvSpPr/>
+          <p:nvPr/>
+        </p:nvSpPr>
+        <p:spPr>
+          <a:xfrm>
+            <a:off x="8653522" y="953225"/>
+            <a:ext cx="205418" cy="656269"/>
+          </a:xfrm>
+          <a:prstGeom prst="curvedLeftArrow">
+            <a:avLst/>
+          </a:prstGeom>
+          <a:solidFill>
+            <a:srgbClr val="0070C0"/>
+          </a:solidFill>
+          <a:ln>
+            <a:solidFill>
+              <a:srgbClr val="0070C0"/>
+            </a:solidFill>
+          </a:ln>
+        </p:spPr>
+        <p:style>
+          <a:lnRef idx="2">
+            <a:schemeClr val="accent1">
+              <a:shade val="50000"/>
+            </a:schemeClr>
+          </a:lnRef>
+          <a:fillRef idx="1">
+            <a:schemeClr val="accent1"/>
+          </a:fillRef>
+          <a:effectRef idx="0">
+            <a:schemeClr val="accent1"/>
+          </a:effectRef>
+          <a:fontRef idx="minor">
+            <a:schemeClr val="lt1"/>
+          </a:fontRef>
+        </p:style>
+        <p:txBody>
+          <a:bodyPr rtlCol="0" anchor="ctr"/>
+          <a:lstStyle/>
+          <a:p>
+            <a:pPr algn="ctr"/>
+            <a:endParaRPr lang="zh-TW" altLang="en-US">
+              <a:solidFill>
+                <a:schemeClr val="tx1"/>
+              </a:solidFill>
+            </a:endParaRPr>
+          </a:p>
+        </p:txBody>
+      </p:sp>
+      <p:sp>
+        <p:nvSpPr>
+          <p:cNvPr id="17" name="箭號: 弧形左彎 16">
+            <a:extLst>
+              <a:ext uri="{FF2B5EF4-FFF2-40B4-BE49-F238E27FC236}">
+                <a16:creationId xmlns:a16="http://schemas.microsoft.com/office/drawing/2014/main" id="{FCF9DB81-20F1-44A0-A5FA-A8A7DE8B8FF6}"/>
+              </a:ext>
+            </a:extLst>
+          </p:cNvPr>
+          <p:cNvSpPr/>
+          <p:nvPr/>
+        </p:nvSpPr>
+        <p:spPr>
+          <a:xfrm>
+            <a:off x="8654182" y="1602176"/>
+            <a:ext cx="205418" cy="656269"/>
+          </a:xfrm>
+          <a:prstGeom prst="curvedLeftArrow">
+            <a:avLst/>
+          </a:prstGeom>
+          <a:solidFill>
+            <a:srgbClr val="0070C0"/>
+          </a:solidFill>
+          <a:ln>
+            <a:solidFill>
+              <a:srgbClr val="0070C0"/>
+            </a:solidFill>
+          </a:ln>
+        </p:spPr>
+        <p:style>
+          <a:lnRef idx="2">
+            <a:schemeClr val="accent1">
+              <a:shade val="50000"/>
+            </a:schemeClr>
+          </a:lnRef>
+          <a:fillRef idx="1">
+            <a:schemeClr val="accent1"/>
+          </a:fillRef>
+          <a:effectRef idx="0">
+            <a:schemeClr val="accent1"/>
+          </a:effectRef>
+          <a:fontRef idx="minor">
+            <a:schemeClr val="lt1"/>
+          </a:fontRef>
+        </p:style>
+        <p:txBody>
+          <a:bodyPr rtlCol="0" anchor="ctr"/>
+          <a:lstStyle/>
+          <a:p>
+            <a:pPr algn="ctr"/>
+            <a:endParaRPr lang="zh-TW" altLang="en-US">
+              <a:solidFill>
+                <a:schemeClr val="tx1"/>
+              </a:solidFill>
+            </a:endParaRPr>
+          </a:p>
+        </p:txBody>
+      </p:sp>
+      <p:sp>
+        <p:nvSpPr>
+          <p:cNvPr id="19" name="箭號: 弧形左彎 18">
+            <a:extLst>
+              <a:ext uri="{FF2B5EF4-FFF2-40B4-BE49-F238E27FC236}">
+                <a16:creationId xmlns:a16="http://schemas.microsoft.com/office/drawing/2014/main" id="{7AE74526-87DE-43C1-B73A-BF580EA20ED6}"/>
+              </a:ext>
+            </a:extLst>
+          </p:cNvPr>
+          <p:cNvSpPr/>
+          <p:nvPr/>
+        </p:nvSpPr>
+        <p:spPr>
+          <a:xfrm>
+            <a:off x="8653522" y="2258445"/>
+            <a:ext cx="205418" cy="656269"/>
+          </a:xfrm>
+          <a:prstGeom prst="curvedLeftArrow">
+            <a:avLst/>
+          </a:prstGeom>
+          <a:solidFill>
+            <a:srgbClr val="0070C0"/>
+          </a:solidFill>
+          <a:ln>
+            <a:solidFill>
+              <a:srgbClr val="0070C0"/>
+            </a:solidFill>
+          </a:ln>
+        </p:spPr>
+        <p:style>
+          <a:lnRef idx="2">
+            <a:schemeClr val="accent1">
+              <a:shade val="50000"/>
+            </a:schemeClr>
+          </a:lnRef>
+          <a:fillRef idx="1">
+            <a:schemeClr val="accent1"/>
+          </a:fillRef>
+          <a:effectRef idx="0">
+            <a:schemeClr val="accent1"/>
+          </a:effectRef>
+          <a:fontRef idx="minor">
+            <a:schemeClr val="lt1"/>
+          </a:fontRef>
+        </p:style>
+        <p:txBody>
+          <a:bodyPr rtlCol="0" anchor="ctr"/>
+          <a:lstStyle/>
+          <a:p>
+            <a:pPr algn="ctr"/>
+            <a:endParaRPr lang="zh-TW" altLang="en-US">
+              <a:solidFill>
+                <a:schemeClr val="tx1"/>
+              </a:solidFill>
+            </a:endParaRPr>
+          </a:p>
+        </p:txBody>
+      </p:sp>
+      <p:sp>
+        <p:nvSpPr>
+          <p:cNvPr id="20" name="箭號: 弧形左彎 19">
+            <a:extLst>
+              <a:ext uri="{FF2B5EF4-FFF2-40B4-BE49-F238E27FC236}">
+                <a16:creationId xmlns:a16="http://schemas.microsoft.com/office/drawing/2014/main" id="{0C938102-48F9-4AAB-98D5-5D452A28024A}"/>
+              </a:ext>
+            </a:extLst>
+          </p:cNvPr>
+          <p:cNvSpPr/>
+          <p:nvPr/>
+        </p:nvSpPr>
+        <p:spPr>
+          <a:xfrm>
+            <a:off x="8653522" y="2936608"/>
+            <a:ext cx="205418" cy="627058"/>
+          </a:xfrm>
+          <a:prstGeom prst="curvedLeftArrow">
+            <a:avLst/>
+          </a:prstGeom>
+          <a:solidFill>
+            <a:srgbClr val="0070C0"/>
+          </a:solidFill>
+          <a:ln>
+            <a:solidFill>
+              <a:srgbClr val="0070C0"/>
+            </a:solidFill>
+          </a:ln>
+        </p:spPr>
+        <p:style>
+          <a:lnRef idx="2">
+            <a:schemeClr val="accent1">
+              <a:shade val="50000"/>
+            </a:schemeClr>
+          </a:lnRef>
+          <a:fillRef idx="1">
+            <a:schemeClr val="accent1"/>
+          </a:fillRef>
+          <a:effectRef idx="0">
+            <a:schemeClr val="accent1"/>
+          </a:effectRef>
+          <a:fontRef idx="minor">
+            <a:schemeClr val="lt1"/>
+          </a:fontRef>
+        </p:style>
+        <p:txBody>
+          <a:bodyPr rtlCol="0" anchor="ctr"/>
+          <a:lstStyle/>
+          <a:p>
+            <a:pPr algn="ctr"/>
+            <a:endParaRPr lang="zh-TW" altLang="en-US">
+              <a:solidFill>
+                <a:schemeClr val="tx1"/>
+              </a:solidFill>
+            </a:endParaRPr>
+          </a:p>
+        </p:txBody>
+      </p:sp>
+      <p:sp>
+        <p:nvSpPr>
+          <p:cNvPr id="21" name="箭號: 弧形左彎 20">
+            <a:extLst>
+              <a:ext uri="{FF2B5EF4-FFF2-40B4-BE49-F238E27FC236}">
+                <a16:creationId xmlns:a16="http://schemas.microsoft.com/office/drawing/2014/main" id="{AC402D5D-AA85-4609-80F4-665158F761B5}"/>
+              </a:ext>
+            </a:extLst>
+          </p:cNvPr>
+          <p:cNvSpPr/>
+          <p:nvPr/>
+        </p:nvSpPr>
+        <p:spPr>
+          <a:xfrm>
+            <a:off x="8643589" y="5370986"/>
+            <a:ext cx="238545" cy="656269"/>
+          </a:xfrm>
+          <a:prstGeom prst="curvedLeftArrow">
+            <a:avLst/>
+          </a:prstGeom>
+          <a:solidFill>
+            <a:srgbClr val="FF0000"/>
+          </a:solidFill>
+          <a:ln>
+            <a:solidFill>
+              <a:srgbClr val="FF0000"/>
+            </a:solidFill>
+          </a:ln>
+        </p:spPr>
+        <p:style>
+          <a:lnRef idx="2">
+            <a:schemeClr val="accent1">
+              <a:shade val="50000"/>
+            </a:schemeClr>
+          </a:lnRef>
+          <a:fillRef idx="1">
+            <a:schemeClr val="accent1"/>
+          </a:fillRef>
+          <a:effectRef idx="0">
+            <a:schemeClr val="accent1"/>
+          </a:effectRef>
+          <a:fontRef idx="minor">
+            <a:schemeClr val="lt1"/>
+          </a:fontRef>
+        </p:style>
+        <p:txBody>
+          <a:bodyPr rtlCol="0" anchor="ctr"/>
+          <a:lstStyle/>
+          <a:p>
+            <a:pPr algn="ctr"/>
+            <a:endParaRPr lang="zh-TW" altLang="en-US">
+              <a:solidFill>
+                <a:schemeClr val="tx1"/>
+              </a:solidFill>
+            </a:endParaRPr>
+          </a:p>
+        </p:txBody>
+      </p:sp>
+      <p:sp>
+        <p:nvSpPr>
+          <p:cNvPr id="22" name="箭號: 弧形左彎 21">
+            <a:extLst>
+              <a:ext uri="{FF2B5EF4-FFF2-40B4-BE49-F238E27FC236}">
+                <a16:creationId xmlns:a16="http://schemas.microsoft.com/office/drawing/2014/main" id="{9E3DBB8D-74DC-4916-947F-8B40920D8E5A}"/>
+              </a:ext>
+            </a:extLst>
+          </p:cNvPr>
+          <p:cNvSpPr/>
+          <p:nvPr/>
+        </p:nvSpPr>
+        <p:spPr>
+          <a:xfrm>
+            <a:off x="8643589" y="4713963"/>
+            <a:ext cx="238545" cy="656269"/>
+          </a:xfrm>
+          <a:prstGeom prst="curvedLeftArrow">
+            <a:avLst/>
+          </a:prstGeom>
+          <a:solidFill>
+            <a:srgbClr val="00B050"/>
+          </a:solidFill>
+          <a:ln>
+            <a:solidFill>
+              <a:srgbClr val="00B050"/>
+            </a:solidFill>
+          </a:ln>
+        </p:spPr>
+        <p:style>
+          <a:lnRef idx="2">
+            <a:schemeClr val="accent1">
+              <a:shade val="50000"/>
+            </a:schemeClr>
+          </a:lnRef>
+          <a:fillRef idx="1">
+            <a:schemeClr val="accent1"/>
+          </a:fillRef>
+          <a:effectRef idx="0">
+            <a:schemeClr val="accent1"/>
+          </a:effectRef>
+          <a:fontRef idx="minor">
+            <a:schemeClr val="lt1"/>
+          </a:fontRef>
+        </p:style>
+        <p:txBody>
+          <a:bodyPr rtlCol="0" anchor="ctr"/>
+          <a:lstStyle/>
+          <a:p>
+            <a:pPr algn="ctr"/>
+            <a:endParaRPr lang="zh-TW" altLang="en-US">
+              <a:solidFill>
+                <a:schemeClr val="tx1"/>
+              </a:solidFill>
+            </a:endParaRPr>
+          </a:p>
+        </p:txBody>
+      </p:sp>
+      <p:sp>
+        <p:nvSpPr>
+          <p:cNvPr id="23" name="箭號: 弧形左彎 22">
+            <a:extLst>
+              <a:ext uri="{FF2B5EF4-FFF2-40B4-BE49-F238E27FC236}">
+                <a16:creationId xmlns:a16="http://schemas.microsoft.com/office/drawing/2014/main" id="{98E46689-7682-43F7-96EC-6B32C3A2291D}"/>
+              </a:ext>
+            </a:extLst>
+          </p:cNvPr>
+          <p:cNvSpPr/>
+          <p:nvPr/>
+        </p:nvSpPr>
+        <p:spPr>
+          <a:xfrm>
+            <a:off x="8648890" y="3533848"/>
+            <a:ext cx="205418" cy="627058"/>
+          </a:xfrm>
+          <a:prstGeom prst="curvedLeftArrow">
+            <a:avLst/>
+          </a:prstGeom>
+          <a:solidFill>
+            <a:srgbClr val="0070C0"/>
+          </a:solidFill>
+          <a:ln>
+            <a:solidFill>
+              <a:srgbClr val="0070C0"/>
+            </a:solidFill>
+          </a:ln>
+        </p:spPr>
+        <p:style>
+          <a:lnRef idx="2">
+            <a:schemeClr val="accent1">
+              <a:shade val="50000"/>
+            </a:schemeClr>
+          </a:lnRef>
+          <a:fillRef idx="1">
+            <a:schemeClr val="accent1"/>
+          </a:fillRef>
+          <a:effectRef idx="0">
+            <a:schemeClr val="accent1"/>
+          </a:effectRef>
+          <a:fontRef idx="minor">
+            <a:schemeClr val="lt1"/>
+          </a:fontRef>
+        </p:style>
+        <p:txBody>
+          <a:bodyPr rtlCol="0" anchor="ctr"/>
+          <a:lstStyle/>
+          <a:p>
+            <a:pPr algn="ctr"/>
+            <a:endParaRPr lang="zh-TW" altLang="en-US">
+              <a:solidFill>
+                <a:schemeClr val="tx1"/>
+              </a:solidFill>
+            </a:endParaRPr>
+          </a:p>
+        </p:txBody>
+      </p:sp>
+      <p:sp>
+        <p:nvSpPr>
+          <p:cNvPr id="24" name="箭號: 弧形左彎 23">
+            <a:extLst>
+              <a:ext uri="{FF2B5EF4-FFF2-40B4-BE49-F238E27FC236}">
+                <a16:creationId xmlns:a16="http://schemas.microsoft.com/office/drawing/2014/main" id="{1C9E98B1-7C64-4398-9FA2-FEF512E8EAA9}"/>
+              </a:ext>
+            </a:extLst>
+          </p:cNvPr>
+          <p:cNvSpPr/>
+          <p:nvPr/>
+        </p:nvSpPr>
+        <p:spPr>
+          <a:xfrm>
+            <a:off x="8648890" y="4131088"/>
+            <a:ext cx="205418" cy="627058"/>
+          </a:xfrm>
+          <a:prstGeom prst="curvedLeftArrow">
+            <a:avLst/>
+          </a:prstGeom>
+          <a:solidFill>
+            <a:srgbClr val="0070C0"/>
+          </a:solidFill>
+          <a:ln>
+            <a:solidFill>
+              <a:srgbClr val="0070C0"/>
+            </a:solidFill>
+          </a:ln>
+        </p:spPr>
+        <p:style>
+          <a:lnRef idx="2">
+            <a:schemeClr val="accent1">
+              <a:shade val="50000"/>
+            </a:schemeClr>
+          </a:lnRef>
+          <a:fillRef idx="1">
+            <a:schemeClr val="accent1"/>
+          </a:fillRef>
+          <a:effectRef idx="0">
+            <a:schemeClr val="accent1"/>
+          </a:effectRef>
+          <a:fontRef idx="minor">
+            <a:schemeClr val="lt1"/>
+          </a:fontRef>
+        </p:style>
+        <p:txBody>
+          <a:bodyPr rtlCol="0" anchor="ctr"/>
+          <a:lstStyle/>
+          <a:p>
+            <a:pPr algn="ctr"/>
+            <a:endParaRPr lang="zh-TW" altLang="en-US">
+              <a:solidFill>
+                <a:schemeClr val="tx1"/>
+              </a:solidFill>
+            </a:endParaRPr>
+          </a:p>
+        </p:txBody>
+      </p:sp>
+      <p:sp>
+        <p:nvSpPr>
+          <p:cNvPr id="25" name="文字方塊 24">
+            <a:extLst>
+              <a:ext uri="{FF2B5EF4-FFF2-40B4-BE49-F238E27FC236}">
+                <a16:creationId xmlns:a16="http://schemas.microsoft.com/office/drawing/2014/main" id="{91EBBA11-4D0F-4CF6-A71D-C51D767EB418}"/>
+              </a:ext>
+            </a:extLst>
+          </p:cNvPr>
+          <p:cNvSpPr txBox="1"/>
+          <p:nvPr/>
+        </p:nvSpPr>
+        <p:spPr>
+          <a:xfrm>
+            <a:off x="8984169" y="358603"/>
+            <a:ext cx="2427799" cy="369332"/>
+          </a:xfrm>
+          <a:prstGeom prst="rect">
+            <a:avLst/>
+          </a:prstGeom>
+          <a:noFill/>
+        </p:spPr>
+        <p:txBody>
+          <a:bodyPr wrap="square" rtlCol="0">
+            <a:spAutoFit/>
+          </a:bodyPr>
+          <a:lstStyle/>
+          <a:p>
+            <a:r>
+              <a:rPr lang="en-US" altLang="zh-TW" dirty="0">
+                <a:solidFill>
+                  <a:srgbClr val="FF0000"/>
+                </a:solidFill>
+              </a:rPr>
+              <a:t>Message -&gt; Post back</a:t>
+            </a:r>
+            <a:endParaRPr lang="zh-TW" altLang="en-US" dirty="0">
               <a:solidFill>
                 <a:srgbClr val="FF0000"/>
               </a:solidFill>
-            </a:ln>
-          </p:spPr>
-          <p:style>
-            <a:lnRef idx="2">
-              <a:schemeClr val="accent1">
-                <a:shade val="50000"/>
+            </a:endParaRPr>
+          </a:p>
+        </p:txBody>
+      </p:sp>
+      <p:sp>
+        <p:nvSpPr>
+          <p:cNvPr id="26" name="文字方塊 25">
+            <a:extLst>
+              <a:ext uri="{FF2B5EF4-FFF2-40B4-BE49-F238E27FC236}">
+                <a16:creationId xmlns:a16="http://schemas.microsoft.com/office/drawing/2014/main" id="{3C54E01C-9337-4AD5-B28D-CE94C056A3DA}"/>
+              </a:ext>
+            </a:extLst>
+          </p:cNvPr>
+          <p:cNvSpPr txBox="1"/>
+          <p:nvPr/>
+        </p:nvSpPr>
+        <p:spPr>
+          <a:xfrm>
+            <a:off x="8992119" y="5514454"/>
+            <a:ext cx="2427799" cy="369332"/>
+          </a:xfrm>
+          <a:prstGeom prst="rect">
+            <a:avLst/>
+          </a:prstGeom>
+          <a:noFill/>
+        </p:spPr>
+        <p:txBody>
+          <a:bodyPr wrap="square" rtlCol="0">
+            <a:spAutoFit/>
+          </a:bodyPr>
+          <a:lstStyle/>
+          <a:p>
+            <a:r>
+              <a:rPr lang="en-US" altLang="zh-TW" dirty="0">
+                <a:solidFill>
+                  <a:srgbClr val="FF0000"/>
+                </a:solidFill>
+              </a:rPr>
+              <a:t>Message  -&gt; Post back</a:t>
+            </a:r>
+            <a:endParaRPr lang="zh-TW" altLang="en-US" dirty="0">
+              <a:solidFill>
+                <a:srgbClr val="FF0000"/>
+              </a:solidFill>
+            </a:endParaRPr>
+          </a:p>
+        </p:txBody>
+      </p:sp>
+      <p:sp>
+        <p:nvSpPr>
+          <p:cNvPr id="27" name="文字方塊 26">
+            <a:extLst>
+              <a:ext uri="{FF2B5EF4-FFF2-40B4-BE49-F238E27FC236}">
+                <a16:creationId xmlns:a16="http://schemas.microsoft.com/office/drawing/2014/main" id="{C6687804-965E-41DE-95C4-6D68FEF0DD55}"/>
+              </a:ext>
+            </a:extLst>
+          </p:cNvPr>
+          <p:cNvSpPr txBox="1"/>
+          <p:nvPr/>
+        </p:nvSpPr>
+        <p:spPr>
+          <a:xfrm>
+            <a:off x="8984168" y="1031410"/>
+            <a:ext cx="2427799" cy="369332"/>
+          </a:xfrm>
+          <a:prstGeom prst="rect">
+            <a:avLst/>
+          </a:prstGeom>
+          <a:noFill/>
+        </p:spPr>
+        <p:txBody>
+          <a:bodyPr wrap="square" rtlCol="0">
+            <a:spAutoFit/>
+          </a:bodyPr>
+          <a:lstStyle/>
+          <a:p>
+            <a:r>
+              <a:rPr lang="en-US" altLang="zh-TW" dirty="0">
+                <a:solidFill>
+                  <a:srgbClr val="0070C0"/>
+                </a:solidFill>
+              </a:rPr>
+              <a:t>Post back -&gt; Post back </a:t>
+            </a:r>
+            <a:endParaRPr lang="zh-TW" altLang="en-US" dirty="0">
+              <a:solidFill>
+                <a:srgbClr val="0070C0"/>
+              </a:solidFill>
+            </a:endParaRPr>
+          </a:p>
+        </p:txBody>
+      </p:sp>
+      <p:sp>
+        <p:nvSpPr>
+          <p:cNvPr id="28" name="文字方塊 27">
+            <a:extLst>
+              <a:ext uri="{FF2B5EF4-FFF2-40B4-BE49-F238E27FC236}">
+                <a16:creationId xmlns:a16="http://schemas.microsoft.com/office/drawing/2014/main" id="{BA14E271-E3A4-40C0-BC6D-1726D75C89A8}"/>
+              </a:ext>
+            </a:extLst>
+          </p:cNvPr>
+          <p:cNvSpPr txBox="1"/>
+          <p:nvPr/>
+        </p:nvSpPr>
+        <p:spPr>
+          <a:xfrm>
+            <a:off x="8984168" y="1745644"/>
+            <a:ext cx="2427799" cy="369332"/>
+          </a:xfrm>
+          <a:prstGeom prst="rect">
+            <a:avLst/>
+          </a:prstGeom>
+          <a:noFill/>
+        </p:spPr>
+        <p:txBody>
+          <a:bodyPr wrap="square" rtlCol="0">
+            <a:spAutoFit/>
+          </a:bodyPr>
+          <a:lstStyle/>
+          <a:p>
+            <a:r>
+              <a:rPr lang="en-US" altLang="zh-TW" dirty="0">
+                <a:solidFill>
+                  <a:srgbClr val="0070C0"/>
+                </a:solidFill>
+              </a:rPr>
+              <a:t>Post back -&gt; Post back </a:t>
+            </a:r>
+            <a:endParaRPr lang="zh-TW" altLang="en-US" dirty="0">
+              <a:solidFill>
+                <a:srgbClr val="0070C0"/>
+              </a:solidFill>
+            </a:endParaRPr>
+          </a:p>
+        </p:txBody>
+      </p:sp>
+      <p:sp>
+        <p:nvSpPr>
+          <p:cNvPr id="29" name="文字方塊 28">
+            <a:extLst>
+              <a:ext uri="{FF2B5EF4-FFF2-40B4-BE49-F238E27FC236}">
+                <a16:creationId xmlns:a16="http://schemas.microsoft.com/office/drawing/2014/main" id="{CD42300E-1877-4C54-B9ED-ACDA70CFB1BE}"/>
+              </a:ext>
+            </a:extLst>
+          </p:cNvPr>
+          <p:cNvSpPr txBox="1"/>
+          <p:nvPr/>
+        </p:nvSpPr>
+        <p:spPr>
+          <a:xfrm>
+            <a:off x="8984168" y="2401913"/>
+            <a:ext cx="2427799" cy="369332"/>
+          </a:xfrm>
+          <a:prstGeom prst="rect">
+            <a:avLst/>
+          </a:prstGeom>
+          <a:noFill/>
+        </p:spPr>
+        <p:txBody>
+          <a:bodyPr wrap="square" rtlCol="0">
+            <a:spAutoFit/>
+          </a:bodyPr>
+          <a:lstStyle/>
+          <a:p>
+            <a:r>
+              <a:rPr lang="en-US" altLang="zh-TW" dirty="0">
+                <a:solidFill>
+                  <a:srgbClr val="0070C0"/>
+                </a:solidFill>
+              </a:rPr>
+              <a:t>Post back -&gt; Post back </a:t>
+            </a:r>
+            <a:endParaRPr lang="zh-TW" altLang="en-US" dirty="0">
+              <a:solidFill>
+                <a:srgbClr val="0070C0"/>
+              </a:solidFill>
+            </a:endParaRPr>
+          </a:p>
+        </p:txBody>
+      </p:sp>
+      <p:sp>
+        <p:nvSpPr>
+          <p:cNvPr id="30" name="文字方塊 29">
+            <a:extLst>
+              <a:ext uri="{FF2B5EF4-FFF2-40B4-BE49-F238E27FC236}">
+                <a16:creationId xmlns:a16="http://schemas.microsoft.com/office/drawing/2014/main" id="{5184FDE6-67C9-490D-B042-40A545E3DA7E}"/>
+              </a:ext>
+            </a:extLst>
+          </p:cNvPr>
+          <p:cNvSpPr txBox="1"/>
+          <p:nvPr/>
+        </p:nvSpPr>
+        <p:spPr>
+          <a:xfrm>
+            <a:off x="8984168" y="3051503"/>
+            <a:ext cx="2427799" cy="369332"/>
+          </a:xfrm>
+          <a:prstGeom prst="rect">
+            <a:avLst/>
+          </a:prstGeom>
+          <a:noFill/>
+        </p:spPr>
+        <p:txBody>
+          <a:bodyPr wrap="square" rtlCol="0">
+            <a:spAutoFit/>
+          </a:bodyPr>
+          <a:lstStyle/>
+          <a:p>
+            <a:r>
+              <a:rPr lang="en-US" altLang="zh-TW" dirty="0">
+                <a:solidFill>
+                  <a:srgbClr val="0070C0"/>
+                </a:solidFill>
+              </a:rPr>
+              <a:t>Post back -&gt; Post back </a:t>
+            </a:r>
+            <a:endParaRPr lang="zh-TW" altLang="en-US" dirty="0">
+              <a:solidFill>
+                <a:srgbClr val="0070C0"/>
+              </a:solidFill>
+            </a:endParaRPr>
+          </a:p>
+        </p:txBody>
+      </p:sp>
+      <p:sp>
+        <p:nvSpPr>
+          <p:cNvPr id="31" name="文字方塊 30">
+            <a:extLst>
+              <a:ext uri="{FF2B5EF4-FFF2-40B4-BE49-F238E27FC236}">
+                <a16:creationId xmlns:a16="http://schemas.microsoft.com/office/drawing/2014/main" id="{5AD979F6-32EA-4B66-8E72-1159E8E2ACB3}"/>
+              </a:ext>
+            </a:extLst>
+          </p:cNvPr>
+          <p:cNvSpPr txBox="1"/>
+          <p:nvPr/>
+        </p:nvSpPr>
+        <p:spPr>
+          <a:xfrm>
+            <a:off x="8984168" y="3654217"/>
+            <a:ext cx="2427799" cy="369332"/>
+          </a:xfrm>
+          <a:prstGeom prst="rect">
+            <a:avLst/>
+          </a:prstGeom>
+          <a:noFill/>
+        </p:spPr>
+        <p:txBody>
+          <a:bodyPr wrap="square" rtlCol="0">
+            <a:spAutoFit/>
+          </a:bodyPr>
+          <a:lstStyle/>
+          <a:p>
+            <a:r>
+              <a:rPr lang="en-US" altLang="zh-TW" dirty="0">
+                <a:solidFill>
+                  <a:srgbClr val="0070C0"/>
+                </a:solidFill>
+              </a:rPr>
+              <a:t>Post back -&gt; Post back </a:t>
+            </a:r>
+            <a:endParaRPr lang="zh-TW" altLang="en-US" dirty="0">
+              <a:solidFill>
+                <a:srgbClr val="0070C0"/>
+              </a:solidFill>
+            </a:endParaRPr>
+          </a:p>
+        </p:txBody>
+      </p:sp>
+      <p:sp>
+        <p:nvSpPr>
+          <p:cNvPr id="32" name="文字方塊 31">
+            <a:extLst>
+              <a:ext uri="{FF2B5EF4-FFF2-40B4-BE49-F238E27FC236}">
+                <a16:creationId xmlns:a16="http://schemas.microsoft.com/office/drawing/2014/main" id="{476B573B-8334-4F82-9C2C-41CE693E2A66}"/>
+              </a:ext>
+            </a:extLst>
+          </p:cNvPr>
+          <p:cNvSpPr txBox="1"/>
+          <p:nvPr/>
+        </p:nvSpPr>
+        <p:spPr>
+          <a:xfrm>
+            <a:off x="8984168" y="4239822"/>
+            <a:ext cx="2427799" cy="369332"/>
+          </a:xfrm>
+          <a:prstGeom prst="rect">
+            <a:avLst/>
+          </a:prstGeom>
+          <a:noFill/>
+        </p:spPr>
+        <p:txBody>
+          <a:bodyPr wrap="square" rtlCol="0">
+            <a:spAutoFit/>
+          </a:bodyPr>
+          <a:lstStyle/>
+          <a:p>
+            <a:r>
+              <a:rPr lang="en-US" altLang="zh-TW" dirty="0">
+                <a:solidFill>
+                  <a:srgbClr val="0070C0"/>
+                </a:solidFill>
+              </a:rPr>
+              <a:t>Post back -&gt; Post back </a:t>
+            </a:r>
+            <a:endParaRPr lang="zh-TW" altLang="en-US" dirty="0">
+              <a:solidFill>
+                <a:srgbClr val="0070C0"/>
+              </a:solidFill>
+            </a:endParaRPr>
+          </a:p>
+        </p:txBody>
+      </p:sp>
+      <p:sp>
+        <p:nvSpPr>
+          <p:cNvPr id="33" name="文字方塊 32">
+            <a:extLst>
+              <a:ext uri="{FF2B5EF4-FFF2-40B4-BE49-F238E27FC236}">
+                <a16:creationId xmlns:a16="http://schemas.microsoft.com/office/drawing/2014/main" id="{B04657D7-AAF5-409D-BA17-1A0CDAE87B9D}"/>
+              </a:ext>
+            </a:extLst>
+          </p:cNvPr>
+          <p:cNvSpPr txBox="1"/>
+          <p:nvPr/>
+        </p:nvSpPr>
+        <p:spPr>
+          <a:xfrm>
+            <a:off x="8984168" y="4852594"/>
+            <a:ext cx="2427799" cy="369332"/>
+          </a:xfrm>
+          <a:prstGeom prst="rect">
+            <a:avLst/>
+          </a:prstGeom>
+          <a:noFill/>
+        </p:spPr>
+        <p:txBody>
+          <a:bodyPr wrap="square" rtlCol="0">
+            <a:spAutoFit/>
+          </a:bodyPr>
+          <a:lstStyle/>
+          <a:p>
+            <a:r>
+              <a:rPr lang="en-US" altLang="zh-TW" dirty="0">
+                <a:solidFill>
+                  <a:srgbClr val="00B050"/>
+                </a:solidFill>
+              </a:rPr>
+              <a:t>Post back -&gt;  Message</a:t>
+            </a:r>
+            <a:endParaRPr lang="zh-TW" altLang="en-US" dirty="0">
+              <a:solidFill>
+                <a:srgbClr val="00B050"/>
+              </a:solidFill>
+            </a:endParaRPr>
+          </a:p>
+        </p:txBody>
+      </p:sp>
+      <p:sp>
+        <p:nvSpPr>
+          <p:cNvPr id="34" name="文字方塊 33">
+            <a:extLst>
+              <a:ext uri="{FF2B5EF4-FFF2-40B4-BE49-F238E27FC236}">
+                <a16:creationId xmlns:a16="http://schemas.microsoft.com/office/drawing/2014/main" id="{62E6F71E-0786-406C-8257-69F0EACBA331}"/>
+              </a:ext>
+            </a:extLst>
+          </p:cNvPr>
+          <p:cNvSpPr txBox="1"/>
+          <p:nvPr/>
+        </p:nvSpPr>
+        <p:spPr>
+          <a:xfrm>
+            <a:off x="5607509" y="6397577"/>
+            <a:ext cx="3029447" cy="369332"/>
+          </a:xfrm>
+          <a:prstGeom prst="rect">
+            <a:avLst/>
+          </a:prstGeom>
+          <a:noFill/>
+          <a:ln w="19050">
+            <a:solidFill>
+              <a:schemeClr val="bg1">
+                <a:lumMod val="75000"/>
               </a:schemeClr>
-            </a:lnRef>
-            <a:fillRef idx="1">
-              <a:schemeClr val="accent1"/>
-            </a:fillRef>
-            <a:effectRef idx="0">
-              <a:schemeClr val="accent1"/>
-            </a:effectRef>
-            <a:fontRef idx="minor">
-              <a:schemeClr val="lt1"/>
-            </a:fontRef>
-          </p:style>
-          <p:txBody>
-            <a:bodyPr rtlCol="0" anchor="ctr"/>
-            <a:lstStyle/>
-            <a:p>
-              <a:pPr algn="ctr"/>
-              <a:endParaRPr lang="zh-TW" altLang="en-US">
-                <a:solidFill>
-                  <a:schemeClr val="tx1"/>
-                </a:solidFill>
-              </a:endParaRPr>
-            </a:p>
-          </p:txBody>
-        </p:sp>
-        <p:sp>
-          <p:nvSpPr>
-            <p:cNvPr id="16" name="箭號: 弧形左彎 15">
-              <a:extLst>
-                <a:ext uri="{FF2B5EF4-FFF2-40B4-BE49-F238E27FC236}">
-                  <a16:creationId xmlns:a16="http://schemas.microsoft.com/office/drawing/2014/main" id="{FD1AA389-4093-4184-86B3-9AD8F595063F}"/>
-                </a:ext>
-              </a:extLst>
-            </p:cNvPr>
-            <p:cNvSpPr/>
-            <p:nvPr/>
-          </p:nvSpPr>
-          <p:spPr>
-            <a:xfrm>
-              <a:off x="8277964" y="961390"/>
-              <a:ext cx="205418" cy="656269"/>
-            </a:xfrm>
-            <a:prstGeom prst="curvedLeftArrow">
-              <a:avLst/>
-            </a:prstGeom>
+            </a:solidFill>
+          </a:ln>
+        </p:spPr>
+        <p:txBody>
+          <a:bodyPr wrap="square" rtlCol="0">
+            <a:spAutoFit/>
+          </a:bodyPr>
+          <a:lstStyle/>
+          <a:p>
+            <a:pPr algn="ctr"/>
+            <a:r>
+              <a:rPr lang="en-US" altLang="zh-TW" dirty="0"/>
+              <a:t>Instance</a:t>
+            </a:r>
+            <a:endParaRPr lang="zh-TW" altLang="en-US" dirty="0"/>
+          </a:p>
+        </p:txBody>
+      </p:sp>
+      <p:sp>
+        <p:nvSpPr>
+          <p:cNvPr id="35" name="箭號: 弧形左彎 34">
+            <a:extLst>
+              <a:ext uri="{FF2B5EF4-FFF2-40B4-BE49-F238E27FC236}">
+                <a16:creationId xmlns:a16="http://schemas.microsoft.com/office/drawing/2014/main" id="{4CF1034A-FDBE-4794-A585-6367753E6CD0}"/>
+              </a:ext>
+            </a:extLst>
+          </p:cNvPr>
+          <p:cNvSpPr/>
+          <p:nvPr/>
+        </p:nvSpPr>
+        <p:spPr>
+          <a:xfrm>
+            <a:off x="8652863" y="6032457"/>
+            <a:ext cx="205418" cy="627058"/>
+          </a:xfrm>
+          <a:prstGeom prst="curvedLeftArrow">
+            <a:avLst/>
+          </a:prstGeom>
+          <a:solidFill>
+            <a:srgbClr val="0070C0"/>
+          </a:solidFill>
+          <a:ln>
             <a:solidFill>
               <a:srgbClr val="0070C0"/>
             </a:solidFill>
-            <a:ln>
+          </a:ln>
+        </p:spPr>
+        <p:style>
+          <a:lnRef idx="2">
+            <a:schemeClr val="accent1">
+              <a:shade val="50000"/>
+            </a:schemeClr>
+          </a:lnRef>
+          <a:fillRef idx="1">
+            <a:schemeClr val="accent1"/>
+          </a:fillRef>
+          <a:effectRef idx="0">
+            <a:schemeClr val="accent1"/>
+          </a:effectRef>
+          <a:fontRef idx="minor">
+            <a:schemeClr val="lt1"/>
+          </a:fontRef>
+        </p:style>
+        <p:txBody>
+          <a:bodyPr rtlCol="0" anchor="ctr"/>
+          <a:lstStyle/>
+          <a:p>
+            <a:pPr algn="ctr"/>
+            <a:endParaRPr lang="zh-TW" altLang="en-US">
+              <a:solidFill>
+                <a:schemeClr val="tx1"/>
+              </a:solidFill>
+            </a:endParaRPr>
+          </a:p>
+        </p:txBody>
+      </p:sp>
+      <p:sp>
+        <p:nvSpPr>
+          <p:cNvPr id="36" name="文字方塊 35">
+            <a:extLst>
+              <a:ext uri="{FF2B5EF4-FFF2-40B4-BE49-F238E27FC236}">
+                <a16:creationId xmlns:a16="http://schemas.microsoft.com/office/drawing/2014/main" id="{DC3CCEDA-4A46-4162-80F5-A04C8F1C496F}"/>
+              </a:ext>
+            </a:extLst>
+          </p:cNvPr>
+          <p:cNvSpPr txBox="1"/>
+          <p:nvPr/>
+        </p:nvSpPr>
+        <p:spPr>
+          <a:xfrm>
+            <a:off x="8992119" y="6164044"/>
+            <a:ext cx="2427799" cy="369332"/>
+          </a:xfrm>
+          <a:prstGeom prst="rect">
+            <a:avLst/>
+          </a:prstGeom>
+          <a:noFill/>
+        </p:spPr>
+        <p:txBody>
+          <a:bodyPr wrap="square" rtlCol="0">
+            <a:spAutoFit/>
+          </a:bodyPr>
+          <a:lstStyle/>
+          <a:p>
+            <a:r>
+              <a:rPr lang="en-US" altLang="zh-TW" dirty="0">
+                <a:solidFill>
+                  <a:srgbClr val="0070C0"/>
+                </a:solidFill>
+              </a:rPr>
+              <a:t>Post back -&gt; Post back </a:t>
+            </a:r>
+            <a:endParaRPr lang="zh-TW" altLang="en-US" dirty="0">
               <a:solidFill>
                 <a:srgbClr val="0070C0"/>
               </a:solidFill>
-            </a:ln>
-          </p:spPr>
-          <p:style>
-            <a:lnRef idx="2">
-              <a:schemeClr val="accent1">
-                <a:shade val="50000"/>
+            </a:endParaRPr>
+          </a:p>
+        </p:txBody>
+      </p:sp>
+      <p:sp>
+        <p:nvSpPr>
+          <p:cNvPr id="37" name="文字方塊 36">
+            <a:extLst>
+              <a:ext uri="{FF2B5EF4-FFF2-40B4-BE49-F238E27FC236}">
+                <a16:creationId xmlns:a16="http://schemas.microsoft.com/office/drawing/2014/main" id="{AFFCF6A1-BAA2-45E2-BA5B-086AB6960B53}"/>
+              </a:ext>
+            </a:extLst>
+          </p:cNvPr>
+          <p:cNvSpPr txBox="1"/>
+          <p:nvPr/>
+        </p:nvSpPr>
+        <p:spPr>
+          <a:xfrm>
+            <a:off x="94669" y="86476"/>
+            <a:ext cx="2353585" cy="369332"/>
+          </a:xfrm>
+          <a:prstGeom prst="rect">
+            <a:avLst/>
+          </a:prstGeom>
+          <a:noFill/>
+          <a:ln>
+            <a:solidFill>
+              <a:schemeClr val="tx1"/>
+            </a:solidFill>
+          </a:ln>
+        </p:spPr>
+        <p:txBody>
+          <a:bodyPr wrap="square" rtlCol="0">
+            <a:spAutoFit/>
+          </a:bodyPr>
+          <a:lstStyle/>
+          <a:p>
+            <a:pPr algn="ctr"/>
+            <a:r>
+              <a:rPr lang="en-US" altLang="zh-TW" dirty="0"/>
+              <a:t>Function apply process</a:t>
+            </a:r>
+            <a:endParaRPr lang="zh-TW" altLang="en-US" dirty="0"/>
+          </a:p>
+        </p:txBody>
+      </p:sp>
+      <p:sp>
+        <p:nvSpPr>
+          <p:cNvPr id="38" name="文字方塊 37">
+            <a:extLst>
+              <a:ext uri="{FF2B5EF4-FFF2-40B4-BE49-F238E27FC236}">
+                <a16:creationId xmlns:a16="http://schemas.microsoft.com/office/drawing/2014/main" id="{9E405450-2428-4D5B-B622-87201A78C419}"/>
+              </a:ext>
+            </a:extLst>
+          </p:cNvPr>
+          <p:cNvSpPr txBox="1"/>
+          <p:nvPr/>
+        </p:nvSpPr>
+        <p:spPr>
+          <a:xfrm>
+            <a:off x="2315018" y="3284885"/>
+            <a:ext cx="2353586" cy="369332"/>
+          </a:xfrm>
+          <a:prstGeom prst="rect">
+            <a:avLst/>
+          </a:prstGeom>
+          <a:noFill/>
+          <a:ln w="19050">
+            <a:solidFill>
+              <a:schemeClr val="accent2">
+                <a:lumMod val="60000"/>
+                <a:lumOff val="40000"/>
               </a:schemeClr>
-            </a:lnRef>
-            <a:fillRef idx="1">
-              <a:schemeClr val="accent1"/>
-            </a:fillRef>
-            <a:effectRef idx="0">
-              <a:schemeClr val="accent1"/>
-            </a:effectRef>
-            <a:fontRef idx="minor">
-              <a:schemeClr val="lt1"/>
-            </a:fontRef>
-          </p:style>
-          <p:txBody>
-            <a:bodyPr rtlCol="0" anchor="ctr"/>
-            <a:lstStyle/>
-            <a:p>
-              <a:pPr algn="ctr"/>
-              <a:endParaRPr lang="zh-TW" altLang="en-US">
+            </a:solidFill>
+          </a:ln>
+        </p:spPr>
+        <p:txBody>
+          <a:bodyPr wrap="square" rtlCol="0">
+            <a:spAutoFit/>
+          </a:bodyPr>
+          <a:lstStyle/>
+          <a:p>
+            <a:pPr algn="ctr"/>
+            <a:r>
+              <a:rPr lang="en-US" altLang="zh-TW" dirty="0"/>
+              <a:t>Hotel Name Input</a:t>
+            </a:r>
+            <a:endParaRPr lang="zh-TW" altLang="en-US" dirty="0"/>
+          </a:p>
+        </p:txBody>
+      </p:sp>
+      <p:sp>
+        <p:nvSpPr>
+          <p:cNvPr id="42" name="文字方塊 41">
+            <a:extLst>
+              <a:ext uri="{FF2B5EF4-FFF2-40B4-BE49-F238E27FC236}">
+                <a16:creationId xmlns:a16="http://schemas.microsoft.com/office/drawing/2014/main" id="{1E116764-5710-4020-B475-0D93E4A26A18}"/>
+              </a:ext>
+            </a:extLst>
+          </p:cNvPr>
+          <p:cNvSpPr txBox="1"/>
+          <p:nvPr/>
+        </p:nvSpPr>
+        <p:spPr>
+          <a:xfrm>
+            <a:off x="4832923" y="3425921"/>
+            <a:ext cx="741461" cy="369332"/>
+          </a:xfrm>
+          <a:prstGeom prst="rect">
+            <a:avLst/>
+          </a:prstGeom>
+          <a:noFill/>
+        </p:spPr>
+        <p:txBody>
+          <a:bodyPr wrap="square" rtlCol="0">
+            <a:spAutoFit/>
+          </a:bodyPr>
+          <a:lstStyle/>
+          <a:p>
+            <a:r>
+              <a:rPr lang="en-US" altLang="zh-TW" dirty="0">
                 <a:solidFill>
-                  <a:schemeClr val="tx1"/>
+                  <a:schemeClr val="bg1">
+                    <a:lumMod val="75000"/>
+                  </a:schemeClr>
                 </a:solidFill>
-              </a:endParaRPr>
-            </a:p>
-          </p:txBody>
-        </p:sp>
-        <p:sp>
-          <p:nvSpPr>
-            <p:cNvPr id="17" name="箭號: 弧形左彎 16">
-              <a:extLst>
-                <a:ext uri="{FF2B5EF4-FFF2-40B4-BE49-F238E27FC236}">
-                  <a16:creationId xmlns:a16="http://schemas.microsoft.com/office/drawing/2014/main" id="{FCF9DB81-20F1-44A0-A5FA-A8A7DE8B8FF6}"/>
-                </a:ext>
-              </a:extLst>
-            </p:cNvPr>
-            <p:cNvSpPr/>
-            <p:nvPr/>
-          </p:nvSpPr>
-          <p:spPr>
-            <a:xfrm>
-              <a:off x="8278624" y="1610341"/>
-              <a:ext cx="205418" cy="656269"/>
-            </a:xfrm>
-            <a:prstGeom prst="curvedLeftArrow">
-              <a:avLst/>
-            </a:prstGeom>
-            <a:solidFill>
-              <a:srgbClr val="0070C0"/>
-            </a:solidFill>
-            <a:ln>
-              <a:solidFill>
-                <a:srgbClr val="0070C0"/>
-              </a:solidFill>
-            </a:ln>
-          </p:spPr>
-          <p:style>
-            <a:lnRef idx="2">
-              <a:schemeClr val="accent1">
-                <a:shade val="50000"/>
-              </a:schemeClr>
-            </a:lnRef>
-            <a:fillRef idx="1">
-              <a:schemeClr val="accent1"/>
-            </a:fillRef>
-            <a:effectRef idx="0">
-              <a:schemeClr val="accent1"/>
-            </a:effectRef>
-            <a:fontRef idx="minor">
-              <a:schemeClr val="lt1"/>
-            </a:fontRef>
-          </p:style>
-          <p:txBody>
-            <a:bodyPr rtlCol="0" anchor="ctr"/>
-            <a:lstStyle/>
-            <a:p>
-              <a:pPr algn="ctr"/>
-              <a:endParaRPr lang="zh-TW" altLang="en-US">
-                <a:solidFill>
-                  <a:schemeClr val="tx1"/>
-                </a:solidFill>
-              </a:endParaRPr>
-            </a:p>
-          </p:txBody>
-        </p:sp>
-        <p:sp>
-          <p:nvSpPr>
-            <p:cNvPr id="19" name="箭號: 弧形左彎 18">
-              <a:extLst>
-                <a:ext uri="{FF2B5EF4-FFF2-40B4-BE49-F238E27FC236}">
-                  <a16:creationId xmlns:a16="http://schemas.microsoft.com/office/drawing/2014/main" id="{7AE74526-87DE-43C1-B73A-BF580EA20ED6}"/>
-                </a:ext>
-              </a:extLst>
-            </p:cNvPr>
-            <p:cNvSpPr/>
-            <p:nvPr/>
-          </p:nvSpPr>
-          <p:spPr>
-            <a:xfrm>
-              <a:off x="8277964" y="2266610"/>
-              <a:ext cx="205418" cy="656269"/>
-            </a:xfrm>
-            <a:prstGeom prst="curvedLeftArrow">
-              <a:avLst/>
-            </a:prstGeom>
-            <a:solidFill>
-              <a:srgbClr val="0070C0"/>
-            </a:solidFill>
-            <a:ln>
-              <a:solidFill>
-                <a:srgbClr val="0070C0"/>
-              </a:solidFill>
-            </a:ln>
-          </p:spPr>
-          <p:style>
-            <a:lnRef idx="2">
-              <a:schemeClr val="accent1">
-                <a:shade val="50000"/>
-              </a:schemeClr>
-            </a:lnRef>
-            <a:fillRef idx="1">
-              <a:schemeClr val="accent1"/>
-            </a:fillRef>
-            <a:effectRef idx="0">
-              <a:schemeClr val="accent1"/>
-            </a:effectRef>
-            <a:fontRef idx="minor">
-              <a:schemeClr val="lt1"/>
-            </a:fontRef>
-          </p:style>
-          <p:txBody>
-            <a:bodyPr rtlCol="0" anchor="ctr"/>
-            <a:lstStyle/>
-            <a:p>
-              <a:pPr algn="ctr"/>
-              <a:endParaRPr lang="zh-TW" altLang="en-US">
-                <a:solidFill>
-                  <a:schemeClr val="tx1"/>
-                </a:solidFill>
-              </a:endParaRPr>
-            </a:p>
-          </p:txBody>
-        </p:sp>
-        <p:sp>
-          <p:nvSpPr>
-            <p:cNvPr id="20" name="箭號: 弧形左彎 19">
-              <a:extLst>
-                <a:ext uri="{FF2B5EF4-FFF2-40B4-BE49-F238E27FC236}">
-                  <a16:creationId xmlns:a16="http://schemas.microsoft.com/office/drawing/2014/main" id="{0C938102-48F9-4AAB-98D5-5D452A28024A}"/>
-                </a:ext>
-              </a:extLst>
-            </p:cNvPr>
-            <p:cNvSpPr/>
-            <p:nvPr/>
-          </p:nvSpPr>
-          <p:spPr>
-            <a:xfrm>
-              <a:off x="8277964" y="2944773"/>
-              <a:ext cx="205418" cy="627058"/>
-            </a:xfrm>
-            <a:prstGeom prst="curvedLeftArrow">
-              <a:avLst/>
-            </a:prstGeom>
-            <a:solidFill>
-              <a:srgbClr val="0070C0"/>
-            </a:solidFill>
-            <a:ln>
-              <a:solidFill>
-                <a:srgbClr val="0070C0"/>
-              </a:solidFill>
-            </a:ln>
-          </p:spPr>
-          <p:style>
-            <a:lnRef idx="2">
-              <a:schemeClr val="accent1">
-                <a:shade val="50000"/>
-              </a:schemeClr>
-            </a:lnRef>
-            <a:fillRef idx="1">
-              <a:schemeClr val="accent1"/>
-            </a:fillRef>
-            <a:effectRef idx="0">
-              <a:schemeClr val="accent1"/>
-            </a:effectRef>
-            <a:fontRef idx="minor">
-              <a:schemeClr val="lt1"/>
-            </a:fontRef>
-          </p:style>
-          <p:txBody>
-            <a:bodyPr rtlCol="0" anchor="ctr"/>
-            <a:lstStyle/>
-            <a:p>
-              <a:pPr algn="ctr"/>
-              <a:endParaRPr lang="zh-TW" altLang="en-US">
-                <a:solidFill>
-                  <a:schemeClr val="tx1"/>
-                </a:solidFill>
-              </a:endParaRPr>
-            </a:p>
-          </p:txBody>
-        </p:sp>
-        <p:sp>
-          <p:nvSpPr>
-            <p:cNvPr id="21" name="箭號: 弧形左彎 20">
-              <a:extLst>
-                <a:ext uri="{FF2B5EF4-FFF2-40B4-BE49-F238E27FC236}">
-                  <a16:creationId xmlns:a16="http://schemas.microsoft.com/office/drawing/2014/main" id="{AC402D5D-AA85-4609-80F4-665158F761B5}"/>
-                </a:ext>
-              </a:extLst>
-            </p:cNvPr>
-            <p:cNvSpPr/>
-            <p:nvPr/>
-          </p:nvSpPr>
-          <p:spPr>
-            <a:xfrm>
-              <a:off x="8268031" y="5379151"/>
-              <a:ext cx="238545" cy="656269"/>
-            </a:xfrm>
-            <a:prstGeom prst="curvedLeftArrow">
-              <a:avLst/>
-            </a:prstGeom>
-            <a:solidFill>
-              <a:srgbClr val="FF0000"/>
-            </a:solidFill>
-            <a:ln>
-              <a:solidFill>
-                <a:srgbClr val="FF0000"/>
-              </a:solidFill>
-            </a:ln>
-          </p:spPr>
-          <p:style>
-            <a:lnRef idx="2">
-              <a:schemeClr val="accent1">
-                <a:shade val="50000"/>
-              </a:schemeClr>
-            </a:lnRef>
-            <a:fillRef idx="1">
-              <a:schemeClr val="accent1"/>
-            </a:fillRef>
-            <a:effectRef idx="0">
-              <a:schemeClr val="accent1"/>
-            </a:effectRef>
-            <a:fontRef idx="minor">
-              <a:schemeClr val="lt1"/>
-            </a:fontRef>
-          </p:style>
-          <p:txBody>
-            <a:bodyPr rtlCol="0" anchor="ctr"/>
-            <a:lstStyle/>
-            <a:p>
-              <a:pPr algn="ctr"/>
-              <a:endParaRPr lang="zh-TW" altLang="en-US">
-                <a:solidFill>
-                  <a:schemeClr val="tx1"/>
-                </a:solidFill>
-              </a:endParaRPr>
-            </a:p>
-          </p:txBody>
-        </p:sp>
-        <p:sp>
-          <p:nvSpPr>
-            <p:cNvPr id="22" name="箭號: 弧形左彎 21">
-              <a:extLst>
-                <a:ext uri="{FF2B5EF4-FFF2-40B4-BE49-F238E27FC236}">
-                  <a16:creationId xmlns:a16="http://schemas.microsoft.com/office/drawing/2014/main" id="{9E3DBB8D-74DC-4916-947F-8B40920D8E5A}"/>
-                </a:ext>
-              </a:extLst>
-            </p:cNvPr>
-            <p:cNvSpPr/>
-            <p:nvPr/>
-          </p:nvSpPr>
-          <p:spPr>
-            <a:xfrm>
-              <a:off x="8268031" y="4722128"/>
-              <a:ext cx="238545" cy="656269"/>
-            </a:xfrm>
-            <a:prstGeom prst="curvedLeftArrow">
-              <a:avLst/>
-            </a:prstGeom>
-            <a:solidFill>
-              <a:srgbClr val="00B050"/>
-            </a:solidFill>
-            <a:ln>
-              <a:solidFill>
-                <a:srgbClr val="00B050"/>
-              </a:solidFill>
-            </a:ln>
-          </p:spPr>
-          <p:style>
-            <a:lnRef idx="2">
-              <a:schemeClr val="accent1">
-                <a:shade val="50000"/>
-              </a:schemeClr>
-            </a:lnRef>
-            <a:fillRef idx="1">
-              <a:schemeClr val="accent1"/>
-            </a:fillRef>
-            <a:effectRef idx="0">
-              <a:schemeClr val="accent1"/>
-            </a:effectRef>
-            <a:fontRef idx="minor">
-              <a:schemeClr val="lt1"/>
-            </a:fontRef>
-          </p:style>
-          <p:txBody>
-            <a:bodyPr rtlCol="0" anchor="ctr"/>
-            <a:lstStyle/>
-            <a:p>
-              <a:pPr algn="ctr"/>
-              <a:endParaRPr lang="zh-TW" altLang="en-US">
-                <a:solidFill>
-                  <a:schemeClr val="tx1"/>
-                </a:solidFill>
-              </a:endParaRPr>
-            </a:p>
-          </p:txBody>
-        </p:sp>
-        <p:sp>
-          <p:nvSpPr>
-            <p:cNvPr id="23" name="箭號: 弧形左彎 22">
-              <a:extLst>
-                <a:ext uri="{FF2B5EF4-FFF2-40B4-BE49-F238E27FC236}">
-                  <a16:creationId xmlns:a16="http://schemas.microsoft.com/office/drawing/2014/main" id="{98E46689-7682-43F7-96EC-6B32C3A2291D}"/>
-                </a:ext>
-              </a:extLst>
-            </p:cNvPr>
-            <p:cNvSpPr/>
-            <p:nvPr/>
-          </p:nvSpPr>
-          <p:spPr>
-            <a:xfrm>
-              <a:off x="8273332" y="3542013"/>
-              <a:ext cx="205418" cy="627058"/>
-            </a:xfrm>
-            <a:prstGeom prst="curvedLeftArrow">
-              <a:avLst/>
-            </a:prstGeom>
-            <a:solidFill>
-              <a:srgbClr val="0070C0"/>
-            </a:solidFill>
-            <a:ln>
-              <a:solidFill>
-                <a:srgbClr val="0070C0"/>
-              </a:solidFill>
-            </a:ln>
-          </p:spPr>
-          <p:style>
-            <a:lnRef idx="2">
-              <a:schemeClr val="accent1">
-                <a:shade val="50000"/>
-              </a:schemeClr>
-            </a:lnRef>
-            <a:fillRef idx="1">
-              <a:schemeClr val="accent1"/>
-            </a:fillRef>
-            <a:effectRef idx="0">
-              <a:schemeClr val="accent1"/>
-            </a:effectRef>
-            <a:fontRef idx="minor">
-              <a:schemeClr val="lt1"/>
-            </a:fontRef>
-          </p:style>
-          <p:txBody>
-            <a:bodyPr rtlCol="0" anchor="ctr"/>
-            <a:lstStyle/>
-            <a:p>
-              <a:pPr algn="ctr"/>
-              <a:endParaRPr lang="zh-TW" altLang="en-US">
-                <a:solidFill>
-                  <a:schemeClr val="tx1"/>
-                </a:solidFill>
-              </a:endParaRPr>
-            </a:p>
-          </p:txBody>
-        </p:sp>
-        <p:sp>
-          <p:nvSpPr>
-            <p:cNvPr id="24" name="箭號: 弧形左彎 23">
-              <a:extLst>
-                <a:ext uri="{FF2B5EF4-FFF2-40B4-BE49-F238E27FC236}">
-                  <a16:creationId xmlns:a16="http://schemas.microsoft.com/office/drawing/2014/main" id="{1C9E98B1-7C64-4398-9FA2-FEF512E8EAA9}"/>
-                </a:ext>
-              </a:extLst>
-            </p:cNvPr>
-            <p:cNvSpPr/>
-            <p:nvPr/>
-          </p:nvSpPr>
-          <p:spPr>
-            <a:xfrm>
-              <a:off x="8273332" y="4139253"/>
-              <a:ext cx="205418" cy="627058"/>
-            </a:xfrm>
-            <a:prstGeom prst="curvedLeftArrow">
-              <a:avLst/>
-            </a:prstGeom>
-            <a:solidFill>
-              <a:srgbClr val="0070C0"/>
-            </a:solidFill>
-            <a:ln>
-              <a:solidFill>
-                <a:srgbClr val="0070C0"/>
-              </a:solidFill>
-            </a:ln>
-          </p:spPr>
-          <p:style>
-            <a:lnRef idx="2">
-              <a:schemeClr val="accent1">
-                <a:shade val="50000"/>
-              </a:schemeClr>
-            </a:lnRef>
-            <a:fillRef idx="1">
-              <a:schemeClr val="accent1"/>
-            </a:fillRef>
-            <a:effectRef idx="0">
-              <a:schemeClr val="accent1"/>
-            </a:effectRef>
-            <a:fontRef idx="minor">
-              <a:schemeClr val="lt1"/>
-            </a:fontRef>
-          </p:style>
-          <p:txBody>
-            <a:bodyPr rtlCol="0" anchor="ctr"/>
-            <a:lstStyle/>
-            <a:p>
-              <a:pPr algn="ctr"/>
-              <a:endParaRPr lang="zh-TW" altLang="en-US">
-                <a:solidFill>
-                  <a:schemeClr val="tx1"/>
-                </a:solidFill>
-              </a:endParaRPr>
-            </a:p>
-          </p:txBody>
-        </p:sp>
-        <p:sp>
-          <p:nvSpPr>
-            <p:cNvPr id="25" name="文字方塊 24">
-              <a:extLst>
-                <a:ext uri="{FF2B5EF4-FFF2-40B4-BE49-F238E27FC236}">
-                  <a16:creationId xmlns:a16="http://schemas.microsoft.com/office/drawing/2014/main" id="{91EBBA11-4D0F-4CF6-A71D-C51D767EB418}"/>
-                </a:ext>
-              </a:extLst>
-            </p:cNvPr>
-            <p:cNvSpPr txBox="1"/>
-            <p:nvPr/>
-          </p:nvSpPr>
-          <p:spPr>
-            <a:xfrm>
-              <a:off x="8608611" y="366768"/>
-              <a:ext cx="2427799" cy="369332"/>
-            </a:xfrm>
-            <a:prstGeom prst="rect">
-              <a:avLst/>
-            </a:prstGeom>
-            <a:noFill/>
-          </p:spPr>
-          <p:txBody>
-            <a:bodyPr wrap="square" rtlCol="0">
-              <a:spAutoFit/>
-            </a:bodyPr>
-            <a:lstStyle/>
-            <a:p>
-              <a:r>
-                <a:rPr lang="en-US" altLang="zh-TW" dirty="0">
-                  <a:solidFill>
-                    <a:srgbClr val="FF0000"/>
-                  </a:solidFill>
-                </a:rPr>
-                <a:t>Message -&gt; Post back</a:t>
-              </a:r>
-              <a:endParaRPr lang="zh-TW" altLang="en-US" dirty="0">
-                <a:solidFill>
-                  <a:srgbClr val="FF0000"/>
-                </a:solidFill>
-              </a:endParaRPr>
-            </a:p>
-          </p:txBody>
-        </p:sp>
-        <p:sp>
-          <p:nvSpPr>
-            <p:cNvPr id="26" name="文字方塊 25">
-              <a:extLst>
-                <a:ext uri="{FF2B5EF4-FFF2-40B4-BE49-F238E27FC236}">
-                  <a16:creationId xmlns:a16="http://schemas.microsoft.com/office/drawing/2014/main" id="{3C54E01C-9337-4AD5-B28D-CE94C056A3DA}"/>
-                </a:ext>
-              </a:extLst>
-            </p:cNvPr>
-            <p:cNvSpPr txBox="1"/>
-            <p:nvPr/>
-          </p:nvSpPr>
-          <p:spPr>
-            <a:xfrm>
-              <a:off x="8616561" y="5522619"/>
-              <a:ext cx="2427799" cy="369332"/>
-            </a:xfrm>
-            <a:prstGeom prst="rect">
-              <a:avLst/>
-            </a:prstGeom>
-            <a:noFill/>
-          </p:spPr>
-          <p:txBody>
-            <a:bodyPr wrap="square" rtlCol="0">
-              <a:spAutoFit/>
-            </a:bodyPr>
-            <a:lstStyle/>
-            <a:p>
-              <a:r>
-                <a:rPr lang="en-US" altLang="zh-TW" dirty="0">
-                  <a:solidFill>
-                    <a:srgbClr val="FF0000"/>
-                  </a:solidFill>
-                </a:rPr>
-                <a:t>Message  -&gt; Post back</a:t>
-              </a:r>
-              <a:endParaRPr lang="zh-TW" altLang="en-US" dirty="0">
-                <a:solidFill>
-                  <a:srgbClr val="FF0000"/>
-                </a:solidFill>
-              </a:endParaRPr>
-            </a:p>
-          </p:txBody>
-        </p:sp>
-        <p:sp>
-          <p:nvSpPr>
-            <p:cNvPr id="27" name="文字方塊 26">
-              <a:extLst>
-                <a:ext uri="{FF2B5EF4-FFF2-40B4-BE49-F238E27FC236}">
-                  <a16:creationId xmlns:a16="http://schemas.microsoft.com/office/drawing/2014/main" id="{C6687804-965E-41DE-95C4-6D68FEF0DD55}"/>
-                </a:ext>
-              </a:extLst>
-            </p:cNvPr>
-            <p:cNvSpPr txBox="1"/>
-            <p:nvPr/>
-          </p:nvSpPr>
-          <p:spPr>
-            <a:xfrm>
-              <a:off x="8608610" y="1039575"/>
-              <a:ext cx="2427799" cy="369332"/>
-            </a:xfrm>
-            <a:prstGeom prst="rect">
-              <a:avLst/>
-            </a:prstGeom>
-            <a:noFill/>
-          </p:spPr>
-          <p:txBody>
-            <a:bodyPr wrap="square" rtlCol="0">
-              <a:spAutoFit/>
-            </a:bodyPr>
-            <a:lstStyle/>
-            <a:p>
-              <a:r>
-                <a:rPr lang="en-US" altLang="zh-TW" dirty="0">
-                  <a:solidFill>
-                    <a:srgbClr val="0070C0"/>
-                  </a:solidFill>
-                </a:rPr>
-                <a:t>Post back -&gt; Post back </a:t>
-              </a:r>
-              <a:endParaRPr lang="zh-TW" altLang="en-US" dirty="0">
-                <a:solidFill>
-                  <a:srgbClr val="0070C0"/>
-                </a:solidFill>
-              </a:endParaRPr>
-            </a:p>
-          </p:txBody>
-        </p:sp>
-        <p:sp>
-          <p:nvSpPr>
-            <p:cNvPr id="28" name="文字方塊 27">
-              <a:extLst>
-                <a:ext uri="{FF2B5EF4-FFF2-40B4-BE49-F238E27FC236}">
-                  <a16:creationId xmlns:a16="http://schemas.microsoft.com/office/drawing/2014/main" id="{BA14E271-E3A4-40C0-BC6D-1726D75C89A8}"/>
-                </a:ext>
-              </a:extLst>
-            </p:cNvPr>
-            <p:cNvSpPr txBox="1"/>
-            <p:nvPr/>
-          </p:nvSpPr>
-          <p:spPr>
-            <a:xfrm>
-              <a:off x="8608610" y="1753809"/>
-              <a:ext cx="2427799" cy="369332"/>
-            </a:xfrm>
-            <a:prstGeom prst="rect">
-              <a:avLst/>
-            </a:prstGeom>
-            <a:noFill/>
-          </p:spPr>
-          <p:txBody>
-            <a:bodyPr wrap="square" rtlCol="0">
-              <a:spAutoFit/>
-            </a:bodyPr>
-            <a:lstStyle/>
-            <a:p>
-              <a:r>
-                <a:rPr lang="en-US" altLang="zh-TW" dirty="0">
-                  <a:solidFill>
-                    <a:srgbClr val="0070C0"/>
-                  </a:solidFill>
-                </a:rPr>
-                <a:t>Post back -&gt; Post back </a:t>
-              </a:r>
-              <a:endParaRPr lang="zh-TW" altLang="en-US" dirty="0">
-                <a:solidFill>
-                  <a:srgbClr val="0070C0"/>
-                </a:solidFill>
-              </a:endParaRPr>
-            </a:p>
-          </p:txBody>
-        </p:sp>
-        <p:sp>
-          <p:nvSpPr>
-            <p:cNvPr id="29" name="文字方塊 28">
-              <a:extLst>
-                <a:ext uri="{FF2B5EF4-FFF2-40B4-BE49-F238E27FC236}">
-                  <a16:creationId xmlns:a16="http://schemas.microsoft.com/office/drawing/2014/main" id="{CD42300E-1877-4C54-B9ED-ACDA70CFB1BE}"/>
-                </a:ext>
-              </a:extLst>
-            </p:cNvPr>
-            <p:cNvSpPr txBox="1"/>
-            <p:nvPr/>
-          </p:nvSpPr>
-          <p:spPr>
-            <a:xfrm>
-              <a:off x="8608610" y="2410078"/>
-              <a:ext cx="2427799" cy="369332"/>
-            </a:xfrm>
-            <a:prstGeom prst="rect">
-              <a:avLst/>
-            </a:prstGeom>
-            <a:noFill/>
-          </p:spPr>
-          <p:txBody>
-            <a:bodyPr wrap="square" rtlCol="0">
-              <a:spAutoFit/>
-            </a:bodyPr>
-            <a:lstStyle/>
-            <a:p>
-              <a:r>
-                <a:rPr lang="en-US" altLang="zh-TW" dirty="0">
-                  <a:solidFill>
-                    <a:srgbClr val="0070C0"/>
-                  </a:solidFill>
-                </a:rPr>
-                <a:t>Post back -&gt; Post back </a:t>
-              </a:r>
-              <a:endParaRPr lang="zh-TW" altLang="en-US" dirty="0">
-                <a:solidFill>
-                  <a:srgbClr val="0070C0"/>
-                </a:solidFill>
-              </a:endParaRPr>
-            </a:p>
-          </p:txBody>
-        </p:sp>
-        <p:sp>
-          <p:nvSpPr>
-            <p:cNvPr id="30" name="文字方塊 29">
-              <a:extLst>
-                <a:ext uri="{FF2B5EF4-FFF2-40B4-BE49-F238E27FC236}">
-                  <a16:creationId xmlns:a16="http://schemas.microsoft.com/office/drawing/2014/main" id="{5184FDE6-67C9-490D-B042-40A545E3DA7E}"/>
-                </a:ext>
-              </a:extLst>
-            </p:cNvPr>
-            <p:cNvSpPr txBox="1"/>
-            <p:nvPr/>
-          </p:nvSpPr>
-          <p:spPr>
-            <a:xfrm>
-              <a:off x="8608610" y="3059668"/>
-              <a:ext cx="2427799" cy="369332"/>
-            </a:xfrm>
-            <a:prstGeom prst="rect">
-              <a:avLst/>
-            </a:prstGeom>
-            <a:noFill/>
-          </p:spPr>
-          <p:txBody>
-            <a:bodyPr wrap="square" rtlCol="0">
-              <a:spAutoFit/>
-            </a:bodyPr>
-            <a:lstStyle/>
-            <a:p>
-              <a:r>
-                <a:rPr lang="en-US" altLang="zh-TW" dirty="0">
-                  <a:solidFill>
-                    <a:srgbClr val="0070C0"/>
-                  </a:solidFill>
-                </a:rPr>
-                <a:t>Post back -&gt; Post back </a:t>
-              </a:r>
-              <a:endParaRPr lang="zh-TW" altLang="en-US" dirty="0">
-                <a:solidFill>
-                  <a:srgbClr val="0070C0"/>
-                </a:solidFill>
-              </a:endParaRPr>
-            </a:p>
-          </p:txBody>
-        </p:sp>
-        <p:sp>
-          <p:nvSpPr>
-            <p:cNvPr id="31" name="文字方塊 30">
-              <a:extLst>
-                <a:ext uri="{FF2B5EF4-FFF2-40B4-BE49-F238E27FC236}">
-                  <a16:creationId xmlns:a16="http://schemas.microsoft.com/office/drawing/2014/main" id="{5AD979F6-32EA-4B66-8E72-1159E8E2ACB3}"/>
-                </a:ext>
-              </a:extLst>
-            </p:cNvPr>
-            <p:cNvSpPr txBox="1"/>
-            <p:nvPr/>
-          </p:nvSpPr>
-          <p:spPr>
-            <a:xfrm>
-              <a:off x="8608610" y="3662382"/>
-              <a:ext cx="2427799" cy="369332"/>
-            </a:xfrm>
-            <a:prstGeom prst="rect">
-              <a:avLst/>
-            </a:prstGeom>
-            <a:noFill/>
-          </p:spPr>
-          <p:txBody>
-            <a:bodyPr wrap="square" rtlCol="0">
-              <a:spAutoFit/>
-            </a:bodyPr>
-            <a:lstStyle/>
-            <a:p>
-              <a:r>
-                <a:rPr lang="en-US" altLang="zh-TW" dirty="0">
-                  <a:solidFill>
-                    <a:srgbClr val="0070C0"/>
-                  </a:solidFill>
-                </a:rPr>
-                <a:t>Post back -&gt; Post back </a:t>
-              </a:r>
-              <a:endParaRPr lang="zh-TW" altLang="en-US" dirty="0">
-                <a:solidFill>
-                  <a:srgbClr val="0070C0"/>
-                </a:solidFill>
-              </a:endParaRPr>
-            </a:p>
-          </p:txBody>
-        </p:sp>
-        <p:sp>
-          <p:nvSpPr>
-            <p:cNvPr id="32" name="文字方塊 31">
-              <a:extLst>
-                <a:ext uri="{FF2B5EF4-FFF2-40B4-BE49-F238E27FC236}">
-                  <a16:creationId xmlns:a16="http://schemas.microsoft.com/office/drawing/2014/main" id="{476B573B-8334-4F82-9C2C-41CE693E2A66}"/>
-                </a:ext>
-              </a:extLst>
-            </p:cNvPr>
-            <p:cNvSpPr txBox="1"/>
-            <p:nvPr/>
-          </p:nvSpPr>
-          <p:spPr>
-            <a:xfrm>
-              <a:off x="8608610" y="4247987"/>
-              <a:ext cx="2427799" cy="369332"/>
-            </a:xfrm>
-            <a:prstGeom prst="rect">
-              <a:avLst/>
-            </a:prstGeom>
-            <a:noFill/>
-          </p:spPr>
-          <p:txBody>
-            <a:bodyPr wrap="square" rtlCol="0">
-              <a:spAutoFit/>
-            </a:bodyPr>
-            <a:lstStyle/>
-            <a:p>
-              <a:r>
-                <a:rPr lang="en-US" altLang="zh-TW" dirty="0">
-                  <a:solidFill>
-                    <a:srgbClr val="0070C0"/>
-                  </a:solidFill>
-                </a:rPr>
-                <a:t>Post back -&gt; Post back </a:t>
-              </a:r>
-              <a:endParaRPr lang="zh-TW" altLang="en-US" dirty="0">
-                <a:solidFill>
-                  <a:srgbClr val="0070C0"/>
-                </a:solidFill>
-              </a:endParaRPr>
-            </a:p>
-          </p:txBody>
-        </p:sp>
-        <p:sp>
-          <p:nvSpPr>
-            <p:cNvPr id="33" name="文字方塊 32">
-              <a:extLst>
-                <a:ext uri="{FF2B5EF4-FFF2-40B4-BE49-F238E27FC236}">
-                  <a16:creationId xmlns:a16="http://schemas.microsoft.com/office/drawing/2014/main" id="{B04657D7-AAF5-409D-BA17-1A0CDAE87B9D}"/>
-                </a:ext>
-              </a:extLst>
-            </p:cNvPr>
-            <p:cNvSpPr txBox="1"/>
-            <p:nvPr/>
-          </p:nvSpPr>
-          <p:spPr>
-            <a:xfrm>
-              <a:off x="8608610" y="4860759"/>
-              <a:ext cx="2427799" cy="369332"/>
-            </a:xfrm>
-            <a:prstGeom prst="rect">
-              <a:avLst/>
-            </a:prstGeom>
-            <a:noFill/>
-          </p:spPr>
-          <p:txBody>
-            <a:bodyPr wrap="square" rtlCol="0">
-              <a:spAutoFit/>
-            </a:bodyPr>
-            <a:lstStyle/>
-            <a:p>
-              <a:r>
-                <a:rPr lang="en-US" altLang="zh-TW" dirty="0">
-                  <a:solidFill>
-                    <a:srgbClr val="00B050"/>
-                  </a:solidFill>
-                </a:rPr>
-                <a:t>Post back -&gt;  Message</a:t>
-              </a:r>
-              <a:endParaRPr lang="zh-TW" altLang="en-US" dirty="0">
-                <a:solidFill>
-                  <a:srgbClr val="00B050"/>
-                </a:solidFill>
-              </a:endParaRPr>
-            </a:p>
-          </p:txBody>
-        </p:sp>
-        <p:sp>
-          <p:nvSpPr>
-            <p:cNvPr id="34" name="文字方塊 33">
-              <a:extLst>
-                <a:ext uri="{FF2B5EF4-FFF2-40B4-BE49-F238E27FC236}">
-                  <a16:creationId xmlns:a16="http://schemas.microsoft.com/office/drawing/2014/main" id="{62E6F71E-0786-406C-8257-69F0EACBA331}"/>
-                </a:ext>
-              </a:extLst>
-            </p:cNvPr>
-            <p:cNvSpPr txBox="1"/>
-            <p:nvPr/>
-          </p:nvSpPr>
-          <p:spPr>
-            <a:xfrm>
-              <a:off x="5231951" y="6405742"/>
-              <a:ext cx="3029447" cy="369332"/>
-            </a:xfrm>
-            <a:prstGeom prst="rect">
-              <a:avLst/>
-            </a:prstGeom>
-            <a:noFill/>
-            <a:ln w="19050">
+              </a:rPr>
+              <a:t>If No</a:t>
+            </a:r>
+            <a:endParaRPr lang="zh-TW" altLang="en-US" dirty="0">
               <a:solidFill>
                 <a:schemeClr val="bg1">
                   <a:lumMod val="75000"/>
                 </a:schemeClr>
               </a:solidFill>
-            </a:ln>
-          </p:spPr>
-          <p:txBody>
-            <a:bodyPr wrap="square" rtlCol="0">
-              <a:spAutoFit/>
-            </a:bodyPr>
-            <a:lstStyle/>
-            <a:p>
-              <a:pPr algn="ctr"/>
-              <a:r>
-                <a:rPr lang="en-US" altLang="zh-TW" dirty="0"/>
-                <a:t>Instance</a:t>
-              </a:r>
-              <a:endParaRPr lang="zh-TW" altLang="en-US" dirty="0"/>
-            </a:p>
-          </p:txBody>
-        </p:sp>
-        <p:sp>
-          <p:nvSpPr>
-            <p:cNvPr id="35" name="箭號: 弧形左彎 34">
-              <a:extLst>
-                <a:ext uri="{FF2B5EF4-FFF2-40B4-BE49-F238E27FC236}">
-                  <a16:creationId xmlns:a16="http://schemas.microsoft.com/office/drawing/2014/main" id="{4CF1034A-FDBE-4794-A585-6367753E6CD0}"/>
-                </a:ext>
-              </a:extLst>
-            </p:cNvPr>
-            <p:cNvSpPr/>
-            <p:nvPr/>
-          </p:nvSpPr>
-          <p:spPr>
-            <a:xfrm>
-              <a:off x="8277305" y="6040622"/>
-              <a:ext cx="205418" cy="627058"/>
-            </a:xfrm>
-            <a:prstGeom prst="curvedLeftArrow">
-              <a:avLst/>
-            </a:prstGeom>
+            </a:endParaRPr>
+          </a:p>
+        </p:txBody>
+      </p:sp>
+      <p:cxnSp>
+        <p:nvCxnSpPr>
+          <p:cNvPr id="44" name="直線單箭頭接點 43">
+            <a:extLst>
+              <a:ext uri="{FF2B5EF4-FFF2-40B4-BE49-F238E27FC236}">
+                <a16:creationId xmlns:a16="http://schemas.microsoft.com/office/drawing/2014/main" id="{02D21FE3-BFBD-4DF7-974B-613049E7DF8F}"/>
+              </a:ext>
+            </a:extLst>
+          </p:cNvPr>
+          <p:cNvCxnSpPr>
+            <a:cxnSpLocks/>
+            <a:stCxn id="10" idx="1"/>
+            <a:endCxn id="38" idx="3"/>
+          </p:cNvCxnSpPr>
+          <p:nvPr/>
+        </p:nvCxnSpPr>
+        <p:spPr>
+          <a:xfrm flipH="1">
+            <a:off x="4668604" y="3469551"/>
+            <a:ext cx="938909" cy="0"/>
+          </a:xfrm>
+          <a:prstGeom prst="straightConnector1">
+            <a:avLst/>
+          </a:prstGeom>
+          <a:ln w="19050">
             <a:solidFill>
-              <a:srgbClr val="0070C0"/>
+              <a:schemeClr val="tx1"/>
             </a:solidFill>
-            <a:ln>
-              <a:solidFill>
-                <a:srgbClr val="0070C0"/>
-              </a:solidFill>
-            </a:ln>
-          </p:spPr>
-          <p:style>
-            <a:lnRef idx="2">
-              <a:schemeClr val="accent1">
-                <a:shade val="50000"/>
-              </a:schemeClr>
-            </a:lnRef>
-            <a:fillRef idx="1">
-              <a:schemeClr val="accent1"/>
-            </a:fillRef>
-            <a:effectRef idx="0">
-              <a:schemeClr val="accent1"/>
-            </a:effectRef>
-            <a:fontRef idx="minor">
-              <a:schemeClr val="lt1"/>
-            </a:fontRef>
-          </p:style>
-          <p:txBody>
-            <a:bodyPr rtlCol="0" anchor="ctr"/>
-            <a:lstStyle/>
-            <a:p>
-              <a:pPr algn="ctr"/>
-              <a:endParaRPr lang="zh-TW" altLang="en-US">
-                <a:solidFill>
-                  <a:schemeClr val="tx1"/>
-                </a:solidFill>
-              </a:endParaRPr>
-            </a:p>
-          </p:txBody>
-        </p:sp>
-        <p:sp>
-          <p:nvSpPr>
-            <p:cNvPr id="36" name="文字方塊 35">
-              <a:extLst>
-                <a:ext uri="{FF2B5EF4-FFF2-40B4-BE49-F238E27FC236}">
-                  <a16:creationId xmlns:a16="http://schemas.microsoft.com/office/drawing/2014/main" id="{DC3CCEDA-4A46-4162-80F5-A04C8F1C496F}"/>
-                </a:ext>
-              </a:extLst>
-            </p:cNvPr>
-            <p:cNvSpPr txBox="1"/>
-            <p:nvPr/>
-          </p:nvSpPr>
-          <p:spPr>
-            <a:xfrm>
-              <a:off x="8616561" y="6172209"/>
-              <a:ext cx="2427799" cy="369332"/>
-            </a:xfrm>
-            <a:prstGeom prst="rect">
-              <a:avLst/>
-            </a:prstGeom>
-            <a:noFill/>
-          </p:spPr>
-          <p:txBody>
-            <a:bodyPr wrap="square" rtlCol="0">
-              <a:spAutoFit/>
-            </a:bodyPr>
-            <a:lstStyle/>
-            <a:p>
-              <a:r>
-                <a:rPr lang="en-US" altLang="zh-TW" dirty="0">
-                  <a:solidFill>
-                    <a:srgbClr val="0070C0"/>
-                  </a:solidFill>
-                </a:rPr>
-                <a:t>Post back -&gt; Post back </a:t>
-              </a:r>
-              <a:endParaRPr lang="zh-TW" altLang="en-US" dirty="0">
-                <a:solidFill>
-                  <a:srgbClr val="0070C0"/>
-                </a:solidFill>
-              </a:endParaRPr>
-            </a:p>
-          </p:txBody>
-        </p:sp>
-        <p:sp>
-          <p:nvSpPr>
-            <p:cNvPr id="37" name="文字方塊 36">
-              <a:extLst>
-                <a:ext uri="{FF2B5EF4-FFF2-40B4-BE49-F238E27FC236}">
-                  <a16:creationId xmlns:a16="http://schemas.microsoft.com/office/drawing/2014/main" id="{AFFCF6A1-BAA2-45E2-BA5B-086AB6960B53}"/>
-                </a:ext>
-              </a:extLst>
-            </p:cNvPr>
-            <p:cNvSpPr txBox="1"/>
-            <p:nvPr/>
-          </p:nvSpPr>
-          <p:spPr>
-            <a:xfrm>
-              <a:off x="-280889" y="94641"/>
-              <a:ext cx="2353585" cy="369332"/>
-            </a:xfrm>
-            <a:prstGeom prst="rect">
-              <a:avLst/>
-            </a:prstGeom>
-            <a:noFill/>
-            <a:ln>
-              <a:solidFill>
-                <a:schemeClr val="tx1"/>
-              </a:solidFill>
-            </a:ln>
-          </p:spPr>
-          <p:txBody>
-            <a:bodyPr wrap="square" rtlCol="0">
-              <a:spAutoFit/>
-            </a:bodyPr>
-            <a:lstStyle/>
-            <a:p>
-              <a:pPr algn="ctr"/>
-              <a:r>
-                <a:rPr lang="en-US" altLang="zh-TW" dirty="0"/>
-                <a:t>Function apply process</a:t>
-              </a:r>
-              <a:endParaRPr lang="zh-TW" altLang="en-US" dirty="0"/>
-            </a:p>
-          </p:txBody>
-        </p:sp>
-        <p:sp>
-          <p:nvSpPr>
-            <p:cNvPr id="38" name="文字方塊 37">
-              <a:extLst>
-                <a:ext uri="{FF2B5EF4-FFF2-40B4-BE49-F238E27FC236}">
-                  <a16:creationId xmlns:a16="http://schemas.microsoft.com/office/drawing/2014/main" id="{9E405450-2428-4D5B-B622-87201A78C419}"/>
-                </a:ext>
-              </a:extLst>
-            </p:cNvPr>
-            <p:cNvSpPr txBox="1"/>
-            <p:nvPr/>
-          </p:nvSpPr>
-          <p:spPr>
-            <a:xfrm>
-              <a:off x="1939460" y="3293050"/>
-              <a:ext cx="2353586" cy="369332"/>
-            </a:xfrm>
-            <a:prstGeom prst="rect">
-              <a:avLst/>
-            </a:prstGeom>
-            <a:noFill/>
-            <a:ln w="19050">
-              <a:solidFill>
-                <a:schemeClr val="accent2">
-                  <a:lumMod val="60000"/>
-                  <a:lumOff val="40000"/>
-                </a:schemeClr>
-              </a:solidFill>
-            </a:ln>
-          </p:spPr>
-          <p:txBody>
-            <a:bodyPr wrap="square" rtlCol="0">
-              <a:spAutoFit/>
-            </a:bodyPr>
-            <a:lstStyle/>
-            <a:p>
-              <a:pPr algn="ctr"/>
-              <a:r>
-                <a:rPr lang="en-US" altLang="zh-TW" dirty="0"/>
-                <a:t>Hotel Name Input</a:t>
-              </a:r>
-              <a:endParaRPr lang="zh-TW" altLang="en-US" dirty="0"/>
-            </a:p>
-          </p:txBody>
-        </p:sp>
-        <p:sp>
-          <p:nvSpPr>
-            <p:cNvPr id="42" name="文字方塊 41">
-              <a:extLst>
-                <a:ext uri="{FF2B5EF4-FFF2-40B4-BE49-F238E27FC236}">
-                  <a16:creationId xmlns:a16="http://schemas.microsoft.com/office/drawing/2014/main" id="{1E116764-5710-4020-B475-0D93E4A26A18}"/>
-                </a:ext>
-              </a:extLst>
-            </p:cNvPr>
-            <p:cNvSpPr txBox="1"/>
-            <p:nvPr/>
-          </p:nvSpPr>
-          <p:spPr>
-            <a:xfrm>
-              <a:off x="4457365" y="3434086"/>
-              <a:ext cx="741461" cy="369332"/>
-            </a:xfrm>
-            <a:prstGeom prst="rect">
-              <a:avLst/>
-            </a:prstGeom>
-            <a:noFill/>
-          </p:spPr>
-          <p:txBody>
-            <a:bodyPr wrap="square" rtlCol="0">
-              <a:spAutoFit/>
-            </a:bodyPr>
-            <a:lstStyle/>
-            <a:p>
-              <a:r>
-                <a:rPr lang="en-US" altLang="zh-TW" dirty="0">
-                  <a:solidFill>
-                    <a:schemeClr val="bg1">
-                      <a:lumMod val="75000"/>
-                    </a:schemeClr>
-                  </a:solidFill>
-                </a:rPr>
-                <a:t>If No</a:t>
-              </a:r>
-              <a:endParaRPr lang="zh-TW" altLang="en-US" dirty="0">
+            <a:prstDash val="dash"/>
+            <a:tailEnd type="triangle"/>
+          </a:ln>
+        </p:spPr>
+        <p:style>
+          <a:lnRef idx="1">
+            <a:schemeClr val="accent1"/>
+          </a:lnRef>
+          <a:fillRef idx="0">
+            <a:schemeClr val="accent1"/>
+          </a:fillRef>
+          <a:effectRef idx="0">
+            <a:schemeClr val="accent1"/>
+          </a:effectRef>
+          <a:fontRef idx="minor">
+            <a:schemeClr val="tx1"/>
+          </a:fontRef>
+        </p:style>
+      </p:cxnSp>
+      <p:cxnSp>
+        <p:nvCxnSpPr>
+          <p:cNvPr id="45" name="直線單箭頭接點 44">
+            <a:extLst>
+              <a:ext uri="{FF2B5EF4-FFF2-40B4-BE49-F238E27FC236}">
+                <a16:creationId xmlns:a16="http://schemas.microsoft.com/office/drawing/2014/main" id="{0589F70C-DEC7-4C9D-AF63-5CD0998FA831}"/>
+              </a:ext>
+            </a:extLst>
+          </p:cNvPr>
+          <p:cNvCxnSpPr>
+            <a:cxnSpLocks/>
+            <a:endCxn id="11" idx="0"/>
+          </p:cNvCxnSpPr>
+          <p:nvPr/>
+        </p:nvCxnSpPr>
+        <p:spPr>
+          <a:xfrm>
+            <a:off x="7122234" y="3646861"/>
+            <a:ext cx="2" cy="289427"/>
+          </a:xfrm>
+          <a:prstGeom prst="straightConnector1">
+            <a:avLst/>
+          </a:prstGeom>
+          <a:ln w="19050">
+            <a:solidFill>
+              <a:schemeClr val="tx1"/>
+            </a:solidFill>
+            <a:prstDash val="dash"/>
+            <a:tailEnd type="triangle"/>
+          </a:ln>
+        </p:spPr>
+        <p:style>
+          <a:lnRef idx="1">
+            <a:schemeClr val="accent1"/>
+          </a:lnRef>
+          <a:fillRef idx="0">
+            <a:schemeClr val="accent1"/>
+          </a:fillRef>
+          <a:effectRef idx="0">
+            <a:schemeClr val="accent1"/>
+          </a:effectRef>
+          <a:fontRef idx="minor">
+            <a:schemeClr val="tx1"/>
+          </a:fontRef>
+        </p:style>
+      </p:cxnSp>
+      <p:sp>
+        <p:nvSpPr>
+          <p:cNvPr id="48" name="文字方塊 47">
+            <a:extLst>
+              <a:ext uri="{FF2B5EF4-FFF2-40B4-BE49-F238E27FC236}">
+                <a16:creationId xmlns:a16="http://schemas.microsoft.com/office/drawing/2014/main" id="{FF393782-ED93-4EF7-8468-870E34CA5659}"/>
+              </a:ext>
+            </a:extLst>
+          </p:cNvPr>
+          <p:cNvSpPr txBox="1"/>
+          <p:nvPr/>
+        </p:nvSpPr>
+        <p:spPr>
+          <a:xfrm>
+            <a:off x="6364211" y="3610587"/>
+            <a:ext cx="741461" cy="369332"/>
+          </a:xfrm>
+          <a:prstGeom prst="rect">
+            <a:avLst/>
+          </a:prstGeom>
+          <a:noFill/>
+        </p:spPr>
+        <p:txBody>
+          <a:bodyPr wrap="square" rtlCol="0">
+            <a:spAutoFit/>
+          </a:bodyPr>
+          <a:lstStyle/>
+          <a:p>
+            <a:r>
+              <a:rPr lang="en-US" altLang="zh-TW" dirty="0">
                 <a:solidFill>
                   <a:schemeClr val="bg1">
                     <a:lumMod val="75000"/>
                   </a:schemeClr>
                 </a:solidFill>
-              </a:endParaRPr>
-            </a:p>
-          </p:txBody>
-        </p:sp>
-        <p:cxnSp>
-          <p:nvCxnSpPr>
-            <p:cNvPr id="44" name="直線單箭頭接點 43">
-              <a:extLst>
-                <a:ext uri="{FF2B5EF4-FFF2-40B4-BE49-F238E27FC236}">
-                  <a16:creationId xmlns:a16="http://schemas.microsoft.com/office/drawing/2014/main" id="{02D21FE3-BFBD-4DF7-974B-613049E7DF8F}"/>
-                </a:ext>
-              </a:extLst>
-            </p:cNvPr>
-            <p:cNvCxnSpPr>
-              <a:cxnSpLocks/>
-              <a:stCxn id="10" idx="1"/>
-              <a:endCxn id="38" idx="3"/>
-            </p:cNvCxnSpPr>
-            <p:nvPr/>
-          </p:nvCxnSpPr>
-          <p:spPr>
-            <a:xfrm flipH="1">
-              <a:off x="4293046" y="3477716"/>
-              <a:ext cx="938909" cy="0"/>
-            </a:xfrm>
-            <a:prstGeom prst="straightConnector1">
-              <a:avLst/>
-            </a:prstGeom>
-            <a:ln w="19050">
-              <a:solidFill>
-                <a:schemeClr val="tx1"/>
-              </a:solidFill>
-              <a:prstDash val="dash"/>
-              <a:tailEnd type="triangle"/>
-            </a:ln>
-          </p:spPr>
-          <p:style>
-            <a:lnRef idx="1">
-              <a:schemeClr val="accent1"/>
-            </a:lnRef>
-            <a:fillRef idx="0">
-              <a:schemeClr val="accent1"/>
-            </a:fillRef>
-            <a:effectRef idx="0">
-              <a:schemeClr val="accent1"/>
-            </a:effectRef>
-            <a:fontRef idx="minor">
-              <a:schemeClr val="tx1"/>
-            </a:fontRef>
-          </p:style>
-        </p:cxnSp>
-        <p:cxnSp>
-          <p:nvCxnSpPr>
-            <p:cNvPr id="45" name="直線單箭頭接點 44">
-              <a:extLst>
-                <a:ext uri="{FF2B5EF4-FFF2-40B4-BE49-F238E27FC236}">
-                  <a16:creationId xmlns:a16="http://schemas.microsoft.com/office/drawing/2014/main" id="{0589F70C-DEC7-4C9D-AF63-5CD0998FA831}"/>
-                </a:ext>
-              </a:extLst>
-            </p:cNvPr>
-            <p:cNvCxnSpPr>
-              <a:cxnSpLocks/>
-              <a:endCxn id="11" idx="0"/>
-            </p:cNvCxnSpPr>
-            <p:nvPr/>
-          </p:nvCxnSpPr>
-          <p:spPr>
-            <a:xfrm>
-              <a:off x="6746676" y="3655026"/>
-              <a:ext cx="2" cy="289427"/>
-            </a:xfrm>
-            <a:prstGeom prst="straightConnector1">
-              <a:avLst/>
-            </a:prstGeom>
-            <a:ln w="19050">
-              <a:solidFill>
-                <a:schemeClr val="tx1"/>
-              </a:solidFill>
-              <a:prstDash val="dash"/>
-              <a:tailEnd type="triangle"/>
-            </a:ln>
-          </p:spPr>
-          <p:style>
-            <a:lnRef idx="1">
-              <a:schemeClr val="accent1"/>
-            </a:lnRef>
-            <a:fillRef idx="0">
-              <a:schemeClr val="accent1"/>
-            </a:fillRef>
-            <a:effectRef idx="0">
-              <a:schemeClr val="accent1"/>
-            </a:effectRef>
-            <a:fontRef idx="minor">
-              <a:schemeClr val="tx1"/>
-            </a:fontRef>
-          </p:style>
-        </p:cxnSp>
-        <p:sp>
-          <p:nvSpPr>
-            <p:cNvPr id="48" name="文字方塊 47">
-              <a:extLst>
-                <a:ext uri="{FF2B5EF4-FFF2-40B4-BE49-F238E27FC236}">
-                  <a16:creationId xmlns:a16="http://schemas.microsoft.com/office/drawing/2014/main" id="{FF393782-ED93-4EF7-8468-870E34CA5659}"/>
-                </a:ext>
-              </a:extLst>
-            </p:cNvPr>
-            <p:cNvSpPr txBox="1"/>
-            <p:nvPr/>
-          </p:nvSpPr>
-          <p:spPr>
-            <a:xfrm>
-              <a:off x="5988653" y="3618752"/>
-              <a:ext cx="741461" cy="369332"/>
-            </a:xfrm>
-            <a:prstGeom prst="rect">
-              <a:avLst/>
-            </a:prstGeom>
-            <a:noFill/>
-          </p:spPr>
-          <p:txBody>
-            <a:bodyPr wrap="square" rtlCol="0">
-              <a:spAutoFit/>
-            </a:bodyPr>
-            <a:lstStyle/>
-            <a:p>
-              <a:r>
-                <a:rPr lang="en-US" altLang="zh-TW" dirty="0">
-                  <a:solidFill>
-                    <a:schemeClr val="bg1">
-                      <a:lumMod val="75000"/>
-                    </a:schemeClr>
-                  </a:solidFill>
-                </a:rPr>
-                <a:t>If Yes</a:t>
-              </a:r>
-              <a:endParaRPr lang="zh-TW" altLang="en-US" dirty="0">
-                <a:solidFill>
-                  <a:schemeClr val="bg1">
-                    <a:lumMod val="75000"/>
-                  </a:schemeClr>
-                </a:solidFill>
-              </a:endParaRPr>
-            </a:p>
-          </p:txBody>
-        </p:sp>
-        <p:sp>
-          <p:nvSpPr>
-            <p:cNvPr id="49" name="文字方塊 48">
-              <a:extLst>
-                <a:ext uri="{FF2B5EF4-FFF2-40B4-BE49-F238E27FC236}">
-                  <a16:creationId xmlns:a16="http://schemas.microsoft.com/office/drawing/2014/main" id="{06FD5CB2-0D17-4E51-A798-AFA61B7DF646}"/>
-                </a:ext>
-              </a:extLst>
-            </p:cNvPr>
-            <p:cNvSpPr txBox="1"/>
-            <p:nvPr/>
-          </p:nvSpPr>
-          <p:spPr>
-            <a:xfrm>
-              <a:off x="3082719" y="2720314"/>
-              <a:ext cx="2427799" cy="369332"/>
-            </a:xfrm>
-            <a:prstGeom prst="rect">
-              <a:avLst/>
-            </a:prstGeom>
-            <a:noFill/>
-          </p:spPr>
-          <p:txBody>
-            <a:bodyPr wrap="square" rtlCol="0">
-              <a:spAutoFit/>
-            </a:bodyPr>
-            <a:lstStyle/>
-            <a:p>
-              <a:r>
-                <a:rPr lang="en-US" altLang="zh-TW" dirty="0">
-                  <a:solidFill>
-                    <a:srgbClr val="00B050"/>
-                  </a:solidFill>
-                </a:rPr>
-                <a:t>Post back -&gt;  Message</a:t>
-              </a:r>
-              <a:endParaRPr lang="zh-TW" altLang="en-US" dirty="0">
-                <a:solidFill>
-                  <a:srgbClr val="00B050"/>
-                </a:solidFill>
-              </a:endParaRPr>
-            </a:p>
-          </p:txBody>
-        </p:sp>
-        <p:sp>
-          <p:nvSpPr>
-            <p:cNvPr id="50" name="箭號: 弧形左彎 49">
-              <a:extLst>
-                <a:ext uri="{FF2B5EF4-FFF2-40B4-BE49-F238E27FC236}">
-                  <a16:creationId xmlns:a16="http://schemas.microsoft.com/office/drawing/2014/main" id="{B2C2A5C8-7C1E-4EB7-BB0E-770286FAB117}"/>
-                </a:ext>
-              </a:extLst>
-            </p:cNvPr>
-            <p:cNvSpPr/>
-            <p:nvPr/>
-          </p:nvSpPr>
-          <p:spPr>
-            <a:xfrm rot="5400000" flipH="1">
-              <a:off x="4557959" y="2587712"/>
-              <a:ext cx="250054" cy="1160226"/>
-            </a:xfrm>
-            <a:prstGeom prst="curvedLeftArrow">
-              <a:avLst/>
-            </a:prstGeom>
-            <a:solidFill>
-              <a:srgbClr val="00B050"/>
-            </a:solidFill>
-            <a:ln>
-              <a:solidFill>
-                <a:srgbClr val="00B050"/>
-              </a:solidFill>
-            </a:ln>
-          </p:spPr>
-          <p:style>
-            <a:lnRef idx="2">
-              <a:schemeClr val="accent1">
-                <a:shade val="50000"/>
-              </a:schemeClr>
-            </a:lnRef>
-            <a:fillRef idx="1">
-              <a:schemeClr val="accent1"/>
-            </a:fillRef>
-            <a:effectRef idx="0">
-              <a:schemeClr val="accent1"/>
-            </a:effectRef>
-            <a:fontRef idx="minor">
-              <a:schemeClr val="lt1"/>
-            </a:fontRef>
-          </p:style>
-          <p:txBody>
-            <a:bodyPr rtlCol="0" anchor="ctr"/>
-            <a:lstStyle/>
-            <a:p>
-              <a:pPr algn="ctr"/>
-              <a:endParaRPr lang="zh-TW" altLang="en-US">
-                <a:solidFill>
-                  <a:schemeClr val="tx1"/>
-                </a:solidFill>
-              </a:endParaRPr>
-            </a:p>
-          </p:txBody>
-        </p:sp>
-        <p:sp>
-          <p:nvSpPr>
-            <p:cNvPr id="51" name="文字方塊 50">
-              <a:extLst>
-                <a:ext uri="{FF2B5EF4-FFF2-40B4-BE49-F238E27FC236}">
-                  <a16:creationId xmlns:a16="http://schemas.microsoft.com/office/drawing/2014/main" id="{B096F272-56A8-410D-A97C-8CE2682117DB}"/>
-                </a:ext>
-              </a:extLst>
-            </p:cNvPr>
-            <p:cNvSpPr txBox="1"/>
-            <p:nvPr/>
-          </p:nvSpPr>
-          <p:spPr>
-            <a:xfrm>
-              <a:off x="1938787" y="3966193"/>
-              <a:ext cx="2353586" cy="369332"/>
-            </a:xfrm>
-            <a:prstGeom prst="rect">
-              <a:avLst/>
-            </a:prstGeom>
-            <a:noFill/>
-            <a:ln w="19050">
+              </a:rPr>
+              <a:t>If Yes</a:t>
+            </a:r>
+            <a:endParaRPr lang="zh-TW" altLang="en-US" dirty="0">
               <a:solidFill>
                 <a:schemeClr val="bg1">
                   <a:lumMod val="75000"/>
                 </a:schemeClr>
               </a:solidFill>
-            </a:ln>
-          </p:spPr>
-          <p:txBody>
-            <a:bodyPr wrap="square" rtlCol="0">
-              <a:spAutoFit/>
-            </a:bodyPr>
-            <a:lstStyle/>
-            <a:p>
-              <a:pPr algn="ctr"/>
-              <a:r>
-                <a:rPr lang="en-US" altLang="zh-TW"/>
-                <a:t>Instant</a:t>
-              </a:r>
-              <a:endParaRPr lang="zh-TW" altLang="en-US" dirty="0"/>
-            </a:p>
-          </p:txBody>
-        </p:sp>
-        <p:sp>
-          <p:nvSpPr>
-            <p:cNvPr id="53" name="箭號: 弧形左彎 52">
-              <a:extLst>
-                <a:ext uri="{FF2B5EF4-FFF2-40B4-BE49-F238E27FC236}">
-                  <a16:creationId xmlns:a16="http://schemas.microsoft.com/office/drawing/2014/main" id="{AB86B03C-BE6A-46DD-A85E-6176FBE4A7E9}"/>
-                </a:ext>
-              </a:extLst>
-            </p:cNvPr>
-            <p:cNvSpPr/>
-            <p:nvPr/>
-          </p:nvSpPr>
-          <p:spPr>
-            <a:xfrm flipH="1">
-              <a:off x="1717482" y="3456208"/>
-              <a:ext cx="225289" cy="656269"/>
-            </a:xfrm>
-            <a:prstGeom prst="curvedLeftArrow">
-              <a:avLst/>
-            </a:prstGeom>
+            </a:endParaRPr>
+          </a:p>
+        </p:txBody>
+      </p:sp>
+      <p:sp>
+        <p:nvSpPr>
+          <p:cNvPr id="49" name="文字方塊 48">
+            <a:extLst>
+              <a:ext uri="{FF2B5EF4-FFF2-40B4-BE49-F238E27FC236}">
+                <a16:creationId xmlns:a16="http://schemas.microsoft.com/office/drawing/2014/main" id="{06FD5CB2-0D17-4E51-A798-AFA61B7DF646}"/>
+              </a:ext>
+            </a:extLst>
+          </p:cNvPr>
+          <p:cNvSpPr txBox="1"/>
+          <p:nvPr/>
+        </p:nvSpPr>
+        <p:spPr>
+          <a:xfrm>
+            <a:off x="3458277" y="2712149"/>
+            <a:ext cx="2427799" cy="369332"/>
+          </a:xfrm>
+          <a:prstGeom prst="rect">
+            <a:avLst/>
+          </a:prstGeom>
+          <a:noFill/>
+        </p:spPr>
+        <p:txBody>
+          <a:bodyPr wrap="square" rtlCol="0">
+            <a:spAutoFit/>
+          </a:bodyPr>
+          <a:lstStyle/>
+          <a:p>
+            <a:r>
+              <a:rPr lang="en-US" altLang="zh-TW" dirty="0">
+                <a:solidFill>
+                  <a:srgbClr val="00B050"/>
+                </a:solidFill>
+              </a:rPr>
+              <a:t>Post back -&gt;  Message</a:t>
+            </a:r>
+            <a:endParaRPr lang="zh-TW" altLang="en-US" dirty="0">
+              <a:solidFill>
+                <a:srgbClr val="00B050"/>
+              </a:solidFill>
+            </a:endParaRPr>
+          </a:p>
+        </p:txBody>
+      </p:sp>
+      <p:sp>
+        <p:nvSpPr>
+          <p:cNvPr id="50" name="箭號: 弧形左彎 49">
+            <a:extLst>
+              <a:ext uri="{FF2B5EF4-FFF2-40B4-BE49-F238E27FC236}">
+                <a16:creationId xmlns:a16="http://schemas.microsoft.com/office/drawing/2014/main" id="{B2C2A5C8-7C1E-4EB7-BB0E-770286FAB117}"/>
+              </a:ext>
+            </a:extLst>
+          </p:cNvPr>
+          <p:cNvSpPr/>
+          <p:nvPr/>
+        </p:nvSpPr>
+        <p:spPr>
+          <a:xfrm rot="5400000" flipH="1">
+            <a:off x="4933517" y="2579547"/>
+            <a:ext cx="250054" cy="1160226"/>
+          </a:xfrm>
+          <a:prstGeom prst="curvedLeftArrow">
+            <a:avLst/>
+          </a:prstGeom>
+          <a:solidFill>
+            <a:srgbClr val="00B050"/>
+          </a:solidFill>
+          <a:ln>
+            <a:solidFill>
+              <a:srgbClr val="00B050"/>
+            </a:solidFill>
+          </a:ln>
+        </p:spPr>
+        <p:style>
+          <a:lnRef idx="2">
+            <a:schemeClr val="accent1">
+              <a:shade val="50000"/>
+            </a:schemeClr>
+          </a:lnRef>
+          <a:fillRef idx="1">
+            <a:schemeClr val="accent1"/>
+          </a:fillRef>
+          <a:effectRef idx="0">
+            <a:schemeClr val="accent1"/>
+          </a:effectRef>
+          <a:fontRef idx="minor">
+            <a:schemeClr val="lt1"/>
+          </a:fontRef>
+        </p:style>
+        <p:txBody>
+          <a:bodyPr rtlCol="0" anchor="ctr"/>
+          <a:lstStyle/>
+          <a:p>
+            <a:pPr algn="ctr"/>
+            <a:endParaRPr lang="zh-TW" altLang="en-US">
+              <a:solidFill>
+                <a:schemeClr val="tx1"/>
+              </a:solidFill>
+            </a:endParaRPr>
+          </a:p>
+        </p:txBody>
+      </p:sp>
+      <p:sp>
+        <p:nvSpPr>
+          <p:cNvPr id="51" name="文字方塊 50">
+            <a:extLst>
+              <a:ext uri="{FF2B5EF4-FFF2-40B4-BE49-F238E27FC236}">
+                <a16:creationId xmlns:a16="http://schemas.microsoft.com/office/drawing/2014/main" id="{B096F272-56A8-410D-A97C-8CE2682117DB}"/>
+              </a:ext>
+            </a:extLst>
+          </p:cNvPr>
+          <p:cNvSpPr txBox="1"/>
+          <p:nvPr/>
+        </p:nvSpPr>
+        <p:spPr>
+          <a:xfrm>
+            <a:off x="2314345" y="3958028"/>
+            <a:ext cx="2353586" cy="369332"/>
+          </a:xfrm>
+          <a:prstGeom prst="rect">
+            <a:avLst/>
+          </a:prstGeom>
+          <a:noFill/>
+          <a:ln w="19050">
+            <a:solidFill>
+              <a:schemeClr val="bg1">
+                <a:lumMod val="75000"/>
+              </a:schemeClr>
+            </a:solidFill>
+          </a:ln>
+        </p:spPr>
+        <p:txBody>
+          <a:bodyPr wrap="square" rtlCol="0">
+            <a:spAutoFit/>
+          </a:bodyPr>
+          <a:lstStyle/>
+          <a:p>
+            <a:pPr algn="ctr"/>
+            <a:r>
+              <a:rPr lang="en-US" altLang="zh-TW"/>
+              <a:t>Instant</a:t>
+            </a:r>
+            <a:endParaRPr lang="zh-TW" altLang="en-US" dirty="0"/>
+          </a:p>
+        </p:txBody>
+      </p:sp>
+      <p:sp>
+        <p:nvSpPr>
+          <p:cNvPr id="53" name="箭號: 弧形左彎 52">
+            <a:extLst>
+              <a:ext uri="{FF2B5EF4-FFF2-40B4-BE49-F238E27FC236}">
+                <a16:creationId xmlns:a16="http://schemas.microsoft.com/office/drawing/2014/main" id="{AB86B03C-BE6A-46DD-A85E-6176FBE4A7E9}"/>
+              </a:ext>
+            </a:extLst>
+          </p:cNvPr>
+          <p:cNvSpPr/>
+          <p:nvPr/>
+        </p:nvSpPr>
+        <p:spPr>
+          <a:xfrm flipH="1">
+            <a:off x="2093040" y="3448043"/>
+            <a:ext cx="225289" cy="656269"/>
+          </a:xfrm>
+          <a:prstGeom prst="curvedLeftArrow">
+            <a:avLst/>
+          </a:prstGeom>
+          <a:solidFill>
+            <a:srgbClr val="FF0000"/>
+          </a:solidFill>
+          <a:ln>
             <a:solidFill>
               <a:srgbClr val="FF0000"/>
             </a:solidFill>
-            <a:ln>
+          </a:ln>
+        </p:spPr>
+        <p:style>
+          <a:lnRef idx="2">
+            <a:schemeClr val="accent1">
+              <a:shade val="50000"/>
+            </a:schemeClr>
+          </a:lnRef>
+          <a:fillRef idx="1">
+            <a:schemeClr val="accent1"/>
+          </a:fillRef>
+          <a:effectRef idx="0">
+            <a:schemeClr val="accent1"/>
+          </a:effectRef>
+          <a:fontRef idx="minor">
+            <a:schemeClr val="lt1"/>
+          </a:fontRef>
+        </p:style>
+        <p:txBody>
+          <a:bodyPr rtlCol="0" anchor="ctr"/>
+          <a:lstStyle/>
+          <a:p>
+            <a:pPr algn="ctr"/>
+            <a:endParaRPr lang="zh-TW" altLang="en-US">
               <a:solidFill>
-                <a:srgbClr val="FF0000"/>
+                <a:schemeClr val="tx1"/>
               </a:solidFill>
-            </a:ln>
-          </p:spPr>
-          <p:style>
-            <a:lnRef idx="2">
-              <a:schemeClr val="accent1">
-                <a:shade val="50000"/>
-              </a:schemeClr>
-            </a:lnRef>
-            <a:fillRef idx="1">
-              <a:schemeClr val="accent1"/>
-            </a:fillRef>
-            <a:effectRef idx="0">
-              <a:schemeClr val="accent1"/>
-            </a:effectRef>
-            <a:fontRef idx="minor">
-              <a:schemeClr val="lt1"/>
-            </a:fontRef>
-          </p:style>
-          <p:txBody>
-            <a:bodyPr rtlCol="0" anchor="ctr"/>
-            <a:lstStyle/>
-            <a:p>
-              <a:pPr algn="ctr"/>
-              <a:endParaRPr lang="zh-TW" altLang="en-US">
-                <a:solidFill>
-                  <a:schemeClr val="tx1"/>
-                </a:solidFill>
-              </a:endParaRPr>
-            </a:p>
-          </p:txBody>
-        </p:sp>
-      </p:grpSp>
+            </a:endParaRPr>
+          </a:p>
+        </p:txBody>
+      </p:sp>
       <p:sp>
         <p:nvSpPr>
           <p:cNvPr id="54" name="文字方塊 53">
@@ -10852,6 +11268,3722 @@
 </file>
 
 <file path=ppt/slides/slide3.xml><?xml version="1.0" encoding="utf-8"?>
+<p:sld xmlns:a="http://schemas.openxmlformats.org/drawingml/2006/main" xmlns:r="http://schemas.openxmlformats.org/officeDocument/2006/relationships" xmlns:p="http://schemas.openxmlformats.org/presentationml/2006/main">
+  <p:cSld>
+    <p:spTree>
+      <p:nvGrpSpPr>
+        <p:cNvPr id="1" name=""/>
+        <p:cNvGrpSpPr/>
+        <p:nvPr/>
+      </p:nvGrpSpPr>
+      <p:grpSpPr>
+        <a:xfrm>
+          <a:off x="0" y="0"/>
+          <a:ext cx="0" cy="0"/>
+          <a:chOff x="0" y="0"/>
+          <a:chExt cx="0" cy="0"/>
+        </a:xfrm>
+      </p:grpSpPr>
+      <p:sp>
+        <p:nvSpPr>
+          <p:cNvPr id="5" name="文字方塊 4">
+            <a:extLst>
+              <a:ext uri="{FF2B5EF4-FFF2-40B4-BE49-F238E27FC236}">
+                <a16:creationId xmlns:a16="http://schemas.microsoft.com/office/drawing/2014/main" id="{C6F294D5-EDF2-4FC7-ADF6-8AD0F7FF6AD7}"/>
+              </a:ext>
+            </a:extLst>
+          </p:cNvPr>
+          <p:cNvSpPr txBox="1"/>
+          <p:nvPr/>
+        </p:nvSpPr>
+        <p:spPr>
+          <a:xfrm>
+            <a:off x="3848795" y="55658"/>
+            <a:ext cx="2263628" cy="307777"/>
+          </a:xfrm>
+          <a:prstGeom prst="rect">
+            <a:avLst/>
+          </a:prstGeom>
+          <a:noFill/>
+          <a:ln w="19050">
+            <a:solidFill>
+              <a:schemeClr val="accent2">
+                <a:lumMod val="60000"/>
+                <a:lumOff val="40000"/>
+              </a:schemeClr>
+            </a:solidFill>
+          </a:ln>
+        </p:spPr>
+        <p:txBody>
+          <a:bodyPr wrap="square" rtlCol="0">
+            <a:spAutoFit/>
+          </a:bodyPr>
+          <a:lstStyle/>
+          <a:p>
+            <a:pPr algn="ctr"/>
+            <a:r>
+              <a:rPr lang="en-US" altLang="zh-TW" sz="1400" dirty="0"/>
+              <a:t>Entering message</a:t>
+            </a:r>
+            <a:endParaRPr lang="zh-TW" altLang="en-US" sz="1400" dirty="0"/>
+          </a:p>
+        </p:txBody>
+      </p:sp>
+      <p:sp>
+        <p:nvSpPr>
+          <p:cNvPr id="6" name="文字方塊 5">
+            <a:extLst>
+              <a:ext uri="{FF2B5EF4-FFF2-40B4-BE49-F238E27FC236}">
+                <a16:creationId xmlns:a16="http://schemas.microsoft.com/office/drawing/2014/main" id="{58238BAE-B2C8-45AC-A633-F44EFDF0DD86}"/>
+              </a:ext>
+            </a:extLst>
+          </p:cNvPr>
+          <p:cNvSpPr txBox="1"/>
+          <p:nvPr/>
+        </p:nvSpPr>
+        <p:spPr>
+          <a:xfrm>
+            <a:off x="3848794" y="597674"/>
+            <a:ext cx="2263628" cy="307777"/>
+          </a:xfrm>
+          <a:prstGeom prst="rect">
+            <a:avLst/>
+          </a:prstGeom>
+          <a:noFill/>
+          <a:ln w="19050">
+            <a:solidFill>
+              <a:schemeClr val="accent2">
+                <a:lumMod val="60000"/>
+                <a:lumOff val="40000"/>
+              </a:schemeClr>
+            </a:solidFill>
+          </a:ln>
+        </p:spPr>
+        <p:txBody>
+          <a:bodyPr wrap="square" rtlCol="0">
+            <a:spAutoFit/>
+          </a:bodyPr>
+          <a:lstStyle/>
+          <a:p>
+            <a:pPr algn="ctr"/>
+            <a:r>
+              <a:rPr lang="en-US" altLang="zh-TW" sz="1400" dirty="0"/>
+              <a:t>Admin area</a:t>
+            </a:r>
+            <a:endParaRPr lang="zh-TW" altLang="en-US" sz="1400" dirty="0"/>
+          </a:p>
+        </p:txBody>
+      </p:sp>
+      <p:sp>
+        <p:nvSpPr>
+          <p:cNvPr id="7" name="文字方塊 6">
+            <a:extLst>
+              <a:ext uri="{FF2B5EF4-FFF2-40B4-BE49-F238E27FC236}">
+                <a16:creationId xmlns:a16="http://schemas.microsoft.com/office/drawing/2014/main" id="{582F9695-35B5-4B60-B695-58373D024C0F}"/>
+              </a:ext>
+            </a:extLst>
+          </p:cNvPr>
+          <p:cNvSpPr txBox="1"/>
+          <p:nvPr/>
+        </p:nvSpPr>
+        <p:spPr>
+          <a:xfrm>
+            <a:off x="3848793" y="1667588"/>
+            <a:ext cx="2263628" cy="307777"/>
+          </a:xfrm>
+          <a:prstGeom prst="rect">
+            <a:avLst/>
+          </a:prstGeom>
+          <a:noFill/>
+          <a:ln w="19050">
+            <a:solidFill>
+              <a:schemeClr val="accent2">
+                <a:lumMod val="60000"/>
+                <a:lumOff val="40000"/>
+              </a:schemeClr>
+            </a:solidFill>
+          </a:ln>
+        </p:spPr>
+        <p:txBody>
+          <a:bodyPr wrap="square" rtlCol="0">
+            <a:spAutoFit/>
+          </a:bodyPr>
+          <a:lstStyle/>
+          <a:p>
+            <a:pPr algn="ctr"/>
+            <a:r>
+              <a:rPr lang="en-US" altLang="zh-TW" sz="1400" dirty="0"/>
+              <a:t>Datetime</a:t>
+            </a:r>
+            <a:endParaRPr lang="zh-TW" altLang="en-US" sz="1400" dirty="0"/>
+          </a:p>
+        </p:txBody>
+      </p:sp>
+      <p:sp>
+        <p:nvSpPr>
+          <p:cNvPr id="8" name="文字方塊 7">
+            <a:extLst>
+              <a:ext uri="{FF2B5EF4-FFF2-40B4-BE49-F238E27FC236}">
+                <a16:creationId xmlns:a16="http://schemas.microsoft.com/office/drawing/2014/main" id="{9F0FC33C-9FEB-45CB-933D-0F5057A4A58D}"/>
+              </a:ext>
+            </a:extLst>
+          </p:cNvPr>
+          <p:cNvSpPr txBox="1"/>
+          <p:nvPr/>
+        </p:nvSpPr>
+        <p:spPr>
+          <a:xfrm>
+            <a:off x="3848792" y="2241407"/>
+            <a:ext cx="2263628" cy="307777"/>
+          </a:xfrm>
+          <a:prstGeom prst="rect">
+            <a:avLst/>
+          </a:prstGeom>
+          <a:noFill/>
+          <a:ln w="19050">
+            <a:solidFill>
+              <a:schemeClr val="accent2">
+                <a:lumMod val="60000"/>
+                <a:lumOff val="40000"/>
+              </a:schemeClr>
+            </a:solidFill>
+          </a:ln>
+        </p:spPr>
+        <p:txBody>
+          <a:bodyPr wrap="square" rtlCol="0">
+            <a:spAutoFit/>
+          </a:bodyPr>
+          <a:lstStyle/>
+          <a:p>
+            <a:pPr algn="ctr"/>
+            <a:r>
+              <a:rPr lang="en-US" altLang="zh-TW" sz="1400"/>
+              <a:t>Num rooms</a:t>
+            </a:r>
+            <a:endParaRPr lang="zh-TW" altLang="en-US" sz="1400" dirty="0"/>
+          </a:p>
+        </p:txBody>
+      </p:sp>
+      <p:sp>
+        <p:nvSpPr>
+          <p:cNvPr id="9" name="文字方塊 8">
+            <a:extLst>
+              <a:ext uri="{FF2B5EF4-FFF2-40B4-BE49-F238E27FC236}">
+                <a16:creationId xmlns:a16="http://schemas.microsoft.com/office/drawing/2014/main" id="{D0190EF1-0F6E-47A6-B19A-ED7666455F45}"/>
+              </a:ext>
+            </a:extLst>
+          </p:cNvPr>
+          <p:cNvSpPr txBox="1"/>
+          <p:nvPr/>
+        </p:nvSpPr>
+        <p:spPr>
+          <a:xfrm>
+            <a:off x="3848791" y="2786532"/>
+            <a:ext cx="2263628" cy="307777"/>
+          </a:xfrm>
+          <a:prstGeom prst="rect">
+            <a:avLst/>
+          </a:prstGeom>
+          <a:noFill/>
+          <a:ln w="19050">
+            <a:solidFill>
+              <a:schemeClr val="accent2">
+                <a:lumMod val="60000"/>
+                <a:lumOff val="40000"/>
+              </a:schemeClr>
+            </a:solidFill>
+          </a:ln>
+        </p:spPr>
+        <p:txBody>
+          <a:bodyPr wrap="square" rtlCol="0">
+            <a:spAutoFit/>
+          </a:bodyPr>
+          <a:lstStyle/>
+          <a:p>
+            <a:pPr algn="ctr"/>
+            <a:r>
+              <a:rPr lang="en-US" altLang="zh-TW" sz="1400" dirty="0"/>
+              <a:t>Num people</a:t>
+            </a:r>
+            <a:endParaRPr lang="zh-TW" altLang="en-US" sz="1400" dirty="0"/>
+          </a:p>
+        </p:txBody>
+      </p:sp>
+      <p:sp>
+        <p:nvSpPr>
+          <p:cNvPr id="10" name="文字方塊 9">
+            <a:extLst>
+              <a:ext uri="{FF2B5EF4-FFF2-40B4-BE49-F238E27FC236}">
+                <a16:creationId xmlns:a16="http://schemas.microsoft.com/office/drawing/2014/main" id="{F69C763A-443B-4014-BE06-C67DB3E53A8F}"/>
+              </a:ext>
+            </a:extLst>
+          </p:cNvPr>
+          <p:cNvSpPr txBox="1"/>
+          <p:nvPr/>
+        </p:nvSpPr>
+        <p:spPr>
+          <a:xfrm>
+            <a:off x="3848791" y="3373342"/>
+            <a:ext cx="2263628" cy="307777"/>
+          </a:xfrm>
+          <a:prstGeom prst="rect">
+            <a:avLst/>
+          </a:prstGeom>
+          <a:noFill/>
+          <a:ln w="19050">
+            <a:solidFill>
+              <a:schemeClr val="accent2">
+                <a:lumMod val="60000"/>
+                <a:lumOff val="40000"/>
+              </a:schemeClr>
+            </a:solidFill>
+          </a:ln>
+        </p:spPr>
+        <p:txBody>
+          <a:bodyPr wrap="square" rtlCol="0">
+            <a:spAutoFit/>
+          </a:bodyPr>
+          <a:lstStyle/>
+          <a:p>
+            <a:pPr algn="ctr"/>
+            <a:r>
+              <a:rPr lang="en-US" altLang="zh-TW" sz="1400" dirty="0"/>
+              <a:t>Need Recommend Or Not</a:t>
+            </a:r>
+            <a:endParaRPr lang="zh-TW" altLang="en-US" sz="1400" dirty="0"/>
+          </a:p>
+        </p:txBody>
+      </p:sp>
+      <p:sp>
+        <p:nvSpPr>
+          <p:cNvPr id="11" name="文字方塊 10">
+            <a:extLst>
+              <a:ext uri="{FF2B5EF4-FFF2-40B4-BE49-F238E27FC236}">
+                <a16:creationId xmlns:a16="http://schemas.microsoft.com/office/drawing/2014/main" id="{F9A050C7-EB69-4F1D-AC80-C780659D1CBA}"/>
+              </a:ext>
+            </a:extLst>
+          </p:cNvPr>
+          <p:cNvSpPr txBox="1"/>
+          <p:nvPr/>
+        </p:nvSpPr>
+        <p:spPr>
+          <a:xfrm>
+            <a:off x="3848790" y="3921380"/>
+            <a:ext cx="2263628" cy="307777"/>
+          </a:xfrm>
+          <a:prstGeom prst="rect">
+            <a:avLst/>
+          </a:prstGeom>
+          <a:noFill/>
+          <a:ln w="19050">
+            <a:solidFill>
+              <a:schemeClr val="accent2">
+                <a:lumMod val="60000"/>
+                <a:lumOff val="40000"/>
+              </a:schemeClr>
+            </a:solidFill>
+          </a:ln>
+        </p:spPr>
+        <p:txBody>
+          <a:bodyPr wrap="square" rtlCol="0">
+            <a:spAutoFit/>
+          </a:bodyPr>
+          <a:lstStyle/>
+          <a:p>
+            <a:pPr algn="ctr"/>
+            <a:r>
+              <a:rPr lang="en-US" altLang="zh-TW" sz="1400" dirty="0"/>
+              <a:t>Silence</a:t>
+            </a:r>
+            <a:endParaRPr lang="zh-TW" altLang="en-US" sz="1400" dirty="0"/>
+          </a:p>
+        </p:txBody>
+      </p:sp>
+      <p:sp>
+        <p:nvSpPr>
+          <p:cNvPr id="12" name="文字方塊 11">
+            <a:extLst>
+              <a:ext uri="{FF2B5EF4-FFF2-40B4-BE49-F238E27FC236}">
+                <a16:creationId xmlns:a16="http://schemas.microsoft.com/office/drawing/2014/main" id="{BBD94B2F-459A-442E-AF93-8C24AFBB0C74}"/>
+              </a:ext>
+            </a:extLst>
+          </p:cNvPr>
+          <p:cNvSpPr txBox="1"/>
+          <p:nvPr/>
+        </p:nvSpPr>
+        <p:spPr>
+          <a:xfrm>
+            <a:off x="3848789" y="4466501"/>
+            <a:ext cx="2263628" cy="307777"/>
+          </a:xfrm>
+          <a:prstGeom prst="rect">
+            <a:avLst/>
+          </a:prstGeom>
+          <a:noFill/>
+          <a:ln w="19050">
+            <a:solidFill>
+              <a:schemeClr val="accent2">
+                <a:lumMod val="60000"/>
+                <a:lumOff val="40000"/>
+              </a:schemeClr>
+            </a:solidFill>
+          </a:ln>
+        </p:spPr>
+        <p:txBody>
+          <a:bodyPr wrap="square" rtlCol="0">
+            <a:spAutoFit/>
+          </a:bodyPr>
+          <a:lstStyle/>
+          <a:p>
+            <a:pPr algn="ctr"/>
+            <a:r>
+              <a:rPr lang="en-US" altLang="zh-TW" sz="1400" dirty="0"/>
+              <a:t>Food</a:t>
+            </a:r>
+            <a:endParaRPr lang="zh-TW" altLang="en-US" sz="1400" dirty="0"/>
+          </a:p>
+        </p:txBody>
+      </p:sp>
+      <p:sp>
+        <p:nvSpPr>
+          <p:cNvPr id="13" name="文字方塊 12">
+            <a:extLst>
+              <a:ext uri="{FF2B5EF4-FFF2-40B4-BE49-F238E27FC236}">
+                <a16:creationId xmlns:a16="http://schemas.microsoft.com/office/drawing/2014/main" id="{20FB6048-873B-4AB9-A43D-8519A75B0130}"/>
+              </a:ext>
+            </a:extLst>
+          </p:cNvPr>
+          <p:cNvSpPr txBox="1"/>
+          <p:nvPr/>
+        </p:nvSpPr>
+        <p:spPr>
+          <a:xfrm>
+            <a:off x="3848788" y="5035486"/>
+            <a:ext cx="2263628" cy="307777"/>
+          </a:xfrm>
+          <a:prstGeom prst="rect">
+            <a:avLst/>
+          </a:prstGeom>
+          <a:noFill/>
+          <a:ln w="19050">
+            <a:solidFill>
+              <a:schemeClr val="accent2">
+                <a:lumMod val="60000"/>
+                <a:lumOff val="40000"/>
+              </a:schemeClr>
+            </a:solidFill>
+          </a:ln>
+        </p:spPr>
+        <p:txBody>
+          <a:bodyPr wrap="square" rtlCol="0">
+            <a:spAutoFit/>
+          </a:bodyPr>
+          <a:lstStyle/>
+          <a:p>
+            <a:pPr algn="ctr"/>
+            <a:r>
+              <a:rPr lang="en-US" altLang="zh-TW" sz="1400" dirty="0"/>
+              <a:t>Sightseeing</a:t>
+            </a:r>
+            <a:endParaRPr lang="zh-TW" altLang="en-US" sz="1400" dirty="0"/>
+          </a:p>
+        </p:txBody>
+      </p:sp>
+      <p:sp>
+        <p:nvSpPr>
+          <p:cNvPr id="14" name="文字方塊 13">
+            <a:extLst>
+              <a:ext uri="{FF2B5EF4-FFF2-40B4-BE49-F238E27FC236}">
+                <a16:creationId xmlns:a16="http://schemas.microsoft.com/office/drawing/2014/main" id="{7569A53A-E7D0-47E4-872D-B6B0B3EC2066}"/>
+              </a:ext>
+            </a:extLst>
+          </p:cNvPr>
+          <p:cNvSpPr txBox="1"/>
+          <p:nvPr/>
+        </p:nvSpPr>
+        <p:spPr>
+          <a:xfrm>
+            <a:off x="3848788" y="5575310"/>
+            <a:ext cx="2263628" cy="307777"/>
+          </a:xfrm>
+          <a:prstGeom prst="rect">
+            <a:avLst/>
+          </a:prstGeom>
+          <a:noFill/>
+          <a:ln w="19050">
+            <a:solidFill>
+              <a:schemeClr val="accent2">
+                <a:lumMod val="60000"/>
+                <a:lumOff val="40000"/>
+              </a:schemeClr>
+            </a:solidFill>
+          </a:ln>
+        </p:spPr>
+        <p:txBody>
+          <a:bodyPr wrap="square" rtlCol="0">
+            <a:spAutoFit/>
+          </a:bodyPr>
+          <a:lstStyle/>
+          <a:p>
+            <a:pPr algn="ctr"/>
+            <a:r>
+              <a:rPr lang="en-US" altLang="zh-TW" sz="1400" dirty="0"/>
+              <a:t>Recommend</a:t>
+            </a:r>
+            <a:endParaRPr lang="zh-TW" altLang="en-US" sz="1400" dirty="0"/>
+          </a:p>
+        </p:txBody>
+      </p:sp>
+      <p:sp>
+        <p:nvSpPr>
+          <p:cNvPr id="15" name="箭號: 弧形左彎 14">
+            <a:extLst>
+              <a:ext uri="{FF2B5EF4-FFF2-40B4-BE49-F238E27FC236}">
+                <a16:creationId xmlns:a16="http://schemas.microsoft.com/office/drawing/2014/main" id="{EF688E1F-0616-4BFA-8620-08A34B40004A}"/>
+              </a:ext>
+            </a:extLst>
+          </p:cNvPr>
+          <p:cNvSpPr/>
+          <p:nvPr/>
+        </p:nvSpPr>
+        <p:spPr>
+          <a:xfrm>
+            <a:off x="6150303" y="223481"/>
+            <a:ext cx="254948" cy="478454"/>
+          </a:xfrm>
+          <a:prstGeom prst="curvedLeftArrow">
+            <a:avLst/>
+          </a:prstGeom>
+          <a:solidFill>
+            <a:srgbClr val="FF0000"/>
+          </a:solidFill>
+          <a:ln>
+            <a:solidFill>
+              <a:srgbClr val="FF0000"/>
+            </a:solidFill>
+          </a:ln>
+        </p:spPr>
+        <p:style>
+          <a:lnRef idx="2">
+            <a:schemeClr val="accent1">
+              <a:shade val="50000"/>
+            </a:schemeClr>
+          </a:lnRef>
+          <a:fillRef idx="1">
+            <a:schemeClr val="accent1"/>
+          </a:fillRef>
+          <a:effectRef idx="0">
+            <a:schemeClr val="accent1"/>
+          </a:effectRef>
+          <a:fontRef idx="minor">
+            <a:schemeClr val="lt1"/>
+          </a:fontRef>
+        </p:style>
+        <p:txBody>
+          <a:bodyPr rtlCol="0" anchor="ctr"/>
+          <a:lstStyle/>
+          <a:p>
+            <a:pPr algn="ctr"/>
+            <a:endParaRPr lang="zh-TW" altLang="en-US" sz="1400">
+              <a:solidFill>
+                <a:schemeClr val="tx1"/>
+              </a:solidFill>
+            </a:endParaRPr>
+          </a:p>
+        </p:txBody>
+      </p:sp>
+      <p:sp>
+        <p:nvSpPr>
+          <p:cNvPr id="16" name="箭號: 弧形左彎 15">
+            <a:extLst>
+              <a:ext uri="{FF2B5EF4-FFF2-40B4-BE49-F238E27FC236}">
+                <a16:creationId xmlns:a16="http://schemas.microsoft.com/office/drawing/2014/main" id="{FD1AA389-4093-4184-86B3-9AD8F595063F}"/>
+              </a:ext>
+            </a:extLst>
+          </p:cNvPr>
+          <p:cNvSpPr/>
+          <p:nvPr/>
+        </p:nvSpPr>
+        <p:spPr>
+          <a:xfrm>
+            <a:off x="6150304" y="762118"/>
+            <a:ext cx="254954" cy="478454"/>
+          </a:xfrm>
+          <a:prstGeom prst="curvedLeftArrow">
+            <a:avLst/>
+          </a:prstGeom>
+          <a:solidFill>
+            <a:srgbClr val="0070C0"/>
+          </a:solidFill>
+          <a:ln>
+            <a:solidFill>
+              <a:srgbClr val="0070C0"/>
+            </a:solidFill>
+          </a:ln>
+        </p:spPr>
+        <p:style>
+          <a:lnRef idx="2">
+            <a:schemeClr val="accent1">
+              <a:shade val="50000"/>
+            </a:schemeClr>
+          </a:lnRef>
+          <a:fillRef idx="1">
+            <a:schemeClr val="accent1"/>
+          </a:fillRef>
+          <a:effectRef idx="0">
+            <a:schemeClr val="accent1"/>
+          </a:effectRef>
+          <a:fontRef idx="minor">
+            <a:schemeClr val="lt1"/>
+          </a:fontRef>
+        </p:style>
+        <p:txBody>
+          <a:bodyPr rtlCol="0" anchor="ctr"/>
+          <a:lstStyle/>
+          <a:p>
+            <a:pPr algn="ctr"/>
+            <a:endParaRPr lang="zh-TW" altLang="en-US" sz="1400">
+              <a:solidFill>
+                <a:schemeClr val="tx1"/>
+              </a:solidFill>
+            </a:endParaRPr>
+          </a:p>
+        </p:txBody>
+      </p:sp>
+      <p:sp>
+        <p:nvSpPr>
+          <p:cNvPr id="21" name="箭號: 弧形左彎 20">
+            <a:extLst>
+              <a:ext uri="{FF2B5EF4-FFF2-40B4-BE49-F238E27FC236}">
+                <a16:creationId xmlns:a16="http://schemas.microsoft.com/office/drawing/2014/main" id="{AC402D5D-AA85-4609-80F4-665158F761B5}"/>
+              </a:ext>
+            </a:extLst>
+          </p:cNvPr>
+          <p:cNvSpPr/>
+          <p:nvPr/>
+        </p:nvSpPr>
+        <p:spPr>
+          <a:xfrm>
+            <a:off x="6141764" y="5243105"/>
+            <a:ext cx="263476" cy="522299"/>
+          </a:xfrm>
+          <a:prstGeom prst="curvedLeftArrow">
+            <a:avLst/>
+          </a:prstGeom>
+          <a:solidFill>
+            <a:srgbClr val="FF0000"/>
+          </a:solidFill>
+          <a:ln>
+            <a:solidFill>
+              <a:srgbClr val="FF0000"/>
+            </a:solidFill>
+          </a:ln>
+        </p:spPr>
+        <p:style>
+          <a:lnRef idx="2">
+            <a:schemeClr val="accent1">
+              <a:shade val="50000"/>
+            </a:schemeClr>
+          </a:lnRef>
+          <a:fillRef idx="1">
+            <a:schemeClr val="accent1"/>
+          </a:fillRef>
+          <a:effectRef idx="0">
+            <a:schemeClr val="accent1"/>
+          </a:effectRef>
+          <a:fontRef idx="minor">
+            <a:schemeClr val="lt1"/>
+          </a:fontRef>
+        </p:style>
+        <p:txBody>
+          <a:bodyPr rtlCol="0" anchor="ctr"/>
+          <a:lstStyle/>
+          <a:p>
+            <a:pPr algn="ctr"/>
+            <a:endParaRPr lang="zh-TW" altLang="en-US" sz="1400">
+              <a:solidFill>
+                <a:schemeClr val="tx1"/>
+              </a:solidFill>
+            </a:endParaRPr>
+          </a:p>
+        </p:txBody>
+      </p:sp>
+      <p:sp>
+        <p:nvSpPr>
+          <p:cNvPr id="22" name="箭號: 弧形左彎 21">
+            <a:extLst>
+              <a:ext uri="{FF2B5EF4-FFF2-40B4-BE49-F238E27FC236}">
+                <a16:creationId xmlns:a16="http://schemas.microsoft.com/office/drawing/2014/main" id="{9E3DBB8D-74DC-4916-947F-8B40920D8E5A}"/>
+              </a:ext>
+            </a:extLst>
+          </p:cNvPr>
+          <p:cNvSpPr/>
+          <p:nvPr/>
+        </p:nvSpPr>
+        <p:spPr>
+          <a:xfrm>
+            <a:off x="6141764" y="4695109"/>
+            <a:ext cx="263476" cy="508308"/>
+          </a:xfrm>
+          <a:prstGeom prst="curvedLeftArrow">
+            <a:avLst/>
+          </a:prstGeom>
+          <a:solidFill>
+            <a:srgbClr val="00B050"/>
+          </a:solidFill>
+          <a:ln>
+            <a:solidFill>
+              <a:srgbClr val="00B050"/>
+            </a:solidFill>
+          </a:ln>
+        </p:spPr>
+        <p:style>
+          <a:lnRef idx="2">
+            <a:schemeClr val="accent1">
+              <a:shade val="50000"/>
+            </a:schemeClr>
+          </a:lnRef>
+          <a:fillRef idx="1">
+            <a:schemeClr val="accent1"/>
+          </a:fillRef>
+          <a:effectRef idx="0">
+            <a:schemeClr val="accent1"/>
+          </a:effectRef>
+          <a:fontRef idx="minor">
+            <a:schemeClr val="lt1"/>
+          </a:fontRef>
+        </p:style>
+        <p:txBody>
+          <a:bodyPr rtlCol="0" anchor="ctr"/>
+          <a:lstStyle/>
+          <a:p>
+            <a:pPr algn="ctr"/>
+            <a:endParaRPr lang="zh-TW" altLang="en-US" sz="1400">
+              <a:solidFill>
+                <a:schemeClr val="tx1"/>
+              </a:solidFill>
+            </a:endParaRPr>
+          </a:p>
+        </p:txBody>
+      </p:sp>
+      <p:sp>
+        <p:nvSpPr>
+          <p:cNvPr id="25" name="文字方塊 24">
+            <a:extLst>
+              <a:ext uri="{FF2B5EF4-FFF2-40B4-BE49-F238E27FC236}">
+                <a16:creationId xmlns:a16="http://schemas.microsoft.com/office/drawing/2014/main" id="{91EBBA11-4D0F-4CF6-A71D-C51D767EB418}"/>
+              </a:ext>
+            </a:extLst>
+          </p:cNvPr>
+          <p:cNvSpPr txBox="1"/>
+          <p:nvPr/>
+        </p:nvSpPr>
+        <p:spPr>
+          <a:xfrm>
+            <a:off x="6580882" y="272717"/>
+            <a:ext cx="2235093" cy="307777"/>
+          </a:xfrm>
+          <a:prstGeom prst="rect">
+            <a:avLst/>
+          </a:prstGeom>
+          <a:noFill/>
+        </p:spPr>
+        <p:txBody>
+          <a:bodyPr wrap="square" rtlCol="0">
+            <a:spAutoFit/>
+          </a:bodyPr>
+          <a:lstStyle/>
+          <a:p>
+            <a:r>
+              <a:rPr lang="en-US" altLang="zh-TW" sz="1400" dirty="0">
+                <a:solidFill>
+                  <a:srgbClr val="FF0000"/>
+                </a:solidFill>
+              </a:rPr>
+              <a:t>Message -&gt; Post back</a:t>
+            </a:r>
+            <a:endParaRPr lang="zh-TW" altLang="en-US" sz="1400" dirty="0">
+              <a:solidFill>
+                <a:srgbClr val="FF0000"/>
+              </a:solidFill>
+            </a:endParaRPr>
+          </a:p>
+        </p:txBody>
+      </p:sp>
+      <p:sp>
+        <p:nvSpPr>
+          <p:cNvPr id="26" name="文字方塊 25">
+            <a:extLst>
+              <a:ext uri="{FF2B5EF4-FFF2-40B4-BE49-F238E27FC236}">
+                <a16:creationId xmlns:a16="http://schemas.microsoft.com/office/drawing/2014/main" id="{3C54E01C-9337-4AD5-B28D-CE94C056A3DA}"/>
+              </a:ext>
+            </a:extLst>
+          </p:cNvPr>
+          <p:cNvSpPr txBox="1"/>
+          <p:nvPr/>
+        </p:nvSpPr>
+        <p:spPr>
+          <a:xfrm>
+            <a:off x="6597957" y="5376001"/>
+            <a:ext cx="2235093" cy="307777"/>
+          </a:xfrm>
+          <a:prstGeom prst="rect">
+            <a:avLst/>
+          </a:prstGeom>
+          <a:noFill/>
+        </p:spPr>
+        <p:txBody>
+          <a:bodyPr wrap="square" rtlCol="0">
+            <a:spAutoFit/>
+          </a:bodyPr>
+          <a:lstStyle/>
+          <a:p>
+            <a:r>
+              <a:rPr lang="en-US" altLang="zh-TW" sz="1400" dirty="0">
+                <a:solidFill>
+                  <a:srgbClr val="FF0000"/>
+                </a:solidFill>
+              </a:rPr>
+              <a:t>Message  -&gt; Post back</a:t>
+            </a:r>
+            <a:endParaRPr lang="zh-TW" altLang="en-US" sz="1400" dirty="0">
+              <a:solidFill>
+                <a:srgbClr val="FF0000"/>
+              </a:solidFill>
+            </a:endParaRPr>
+          </a:p>
+        </p:txBody>
+      </p:sp>
+      <p:sp>
+        <p:nvSpPr>
+          <p:cNvPr id="29" name="文字方塊 28">
+            <a:extLst>
+              <a:ext uri="{FF2B5EF4-FFF2-40B4-BE49-F238E27FC236}">
+                <a16:creationId xmlns:a16="http://schemas.microsoft.com/office/drawing/2014/main" id="{CD42300E-1877-4C54-B9ED-ACDA70CFB1BE}"/>
+              </a:ext>
+            </a:extLst>
+          </p:cNvPr>
+          <p:cNvSpPr txBox="1"/>
+          <p:nvPr/>
+        </p:nvSpPr>
+        <p:spPr>
+          <a:xfrm>
+            <a:off x="6597957" y="2499535"/>
+            <a:ext cx="2235093" cy="307777"/>
+          </a:xfrm>
+          <a:prstGeom prst="rect">
+            <a:avLst/>
+          </a:prstGeom>
+          <a:noFill/>
+        </p:spPr>
+        <p:txBody>
+          <a:bodyPr wrap="square" rtlCol="0">
+            <a:spAutoFit/>
+          </a:bodyPr>
+          <a:lstStyle/>
+          <a:p>
+            <a:r>
+              <a:rPr lang="en-US" altLang="zh-TW" sz="1400" dirty="0">
+                <a:solidFill>
+                  <a:srgbClr val="0070C0"/>
+                </a:solidFill>
+              </a:rPr>
+              <a:t>Post back -&gt; Post back </a:t>
+            </a:r>
+            <a:endParaRPr lang="zh-TW" altLang="en-US" sz="1400" dirty="0">
+              <a:solidFill>
+                <a:srgbClr val="0070C0"/>
+              </a:solidFill>
+            </a:endParaRPr>
+          </a:p>
+        </p:txBody>
+      </p:sp>
+      <p:sp>
+        <p:nvSpPr>
+          <p:cNvPr id="30" name="文字方塊 29">
+            <a:extLst>
+              <a:ext uri="{FF2B5EF4-FFF2-40B4-BE49-F238E27FC236}">
+                <a16:creationId xmlns:a16="http://schemas.microsoft.com/office/drawing/2014/main" id="{5184FDE6-67C9-490D-B042-40A545E3DA7E}"/>
+              </a:ext>
+            </a:extLst>
+          </p:cNvPr>
+          <p:cNvSpPr txBox="1"/>
+          <p:nvPr/>
+        </p:nvSpPr>
+        <p:spPr>
+          <a:xfrm>
+            <a:off x="6597957" y="3093110"/>
+            <a:ext cx="2235093" cy="307777"/>
+          </a:xfrm>
+          <a:prstGeom prst="rect">
+            <a:avLst/>
+          </a:prstGeom>
+          <a:noFill/>
+        </p:spPr>
+        <p:txBody>
+          <a:bodyPr wrap="square" rtlCol="0">
+            <a:spAutoFit/>
+          </a:bodyPr>
+          <a:lstStyle/>
+          <a:p>
+            <a:r>
+              <a:rPr lang="en-US" altLang="zh-TW" sz="1400" dirty="0">
+                <a:solidFill>
+                  <a:srgbClr val="0070C0"/>
+                </a:solidFill>
+              </a:rPr>
+              <a:t>Post back -&gt; Post back </a:t>
+            </a:r>
+            <a:endParaRPr lang="zh-TW" altLang="en-US" sz="1400" dirty="0">
+              <a:solidFill>
+                <a:srgbClr val="0070C0"/>
+              </a:solidFill>
+            </a:endParaRPr>
+          </a:p>
+        </p:txBody>
+      </p:sp>
+      <p:sp>
+        <p:nvSpPr>
+          <p:cNvPr id="31" name="文字方塊 30">
+            <a:extLst>
+              <a:ext uri="{FF2B5EF4-FFF2-40B4-BE49-F238E27FC236}">
+                <a16:creationId xmlns:a16="http://schemas.microsoft.com/office/drawing/2014/main" id="{5AD979F6-32EA-4B66-8E72-1159E8E2ACB3}"/>
+              </a:ext>
+            </a:extLst>
+          </p:cNvPr>
+          <p:cNvSpPr txBox="1"/>
+          <p:nvPr/>
+        </p:nvSpPr>
+        <p:spPr>
+          <a:xfrm>
+            <a:off x="6597957" y="3660033"/>
+            <a:ext cx="2235093" cy="307777"/>
+          </a:xfrm>
+          <a:prstGeom prst="rect">
+            <a:avLst/>
+          </a:prstGeom>
+          <a:noFill/>
+        </p:spPr>
+        <p:txBody>
+          <a:bodyPr wrap="square" rtlCol="0">
+            <a:spAutoFit/>
+          </a:bodyPr>
+          <a:lstStyle/>
+          <a:p>
+            <a:r>
+              <a:rPr lang="en-US" altLang="zh-TW" sz="1400" dirty="0">
+                <a:solidFill>
+                  <a:srgbClr val="0070C0"/>
+                </a:solidFill>
+              </a:rPr>
+              <a:t>Post back -&gt; Post back </a:t>
+            </a:r>
+            <a:endParaRPr lang="zh-TW" altLang="en-US" sz="1400" dirty="0">
+              <a:solidFill>
+                <a:srgbClr val="0070C0"/>
+              </a:solidFill>
+            </a:endParaRPr>
+          </a:p>
+        </p:txBody>
+      </p:sp>
+      <p:sp>
+        <p:nvSpPr>
+          <p:cNvPr id="32" name="文字方塊 31">
+            <a:extLst>
+              <a:ext uri="{FF2B5EF4-FFF2-40B4-BE49-F238E27FC236}">
+                <a16:creationId xmlns:a16="http://schemas.microsoft.com/office/drawing/2014/main" id="{476B573B-8334-4F82-9C2C-41CE693E2A66}"/>
+              </a:ext>
+            </a:extLst>
+          </p:cNvPr>
+          <p:cNvSpPr txBox="1"/>
+          <p:nvPr/>
+        </p:nvSpPr>
+        <p:spPr>
+          <a:xfrm>
+            <a:off x="6600545" y="4200900"/>
+            <a:ext cx="2235093" cy="307777"/>
+          </a:xfrm>
+          <a:prstGeom prst="rect">
+            <a:avLst/>
+          </a:prstGeom>
+          <a:noFill/>
+        </p:spPr>
+        <p:txBody>
+          <a:bodyPr wrap="square" rtlCol="0">
+            <a:spAutoFit/>
+          </a:bodyPr>
+          <a:lstStyle/>
+          <a:p>
+            <a:r>
+              <a:rPr lang="en-US" altLang="zh-TW" sz="1400" dirty="0">
+                <a:solidFill>
+                  <a:srgbClr val="0070C0"/>
+                </a:solidFill>
+              </a:rPr>
+              <a:t>Post back -&gt; Post back </a:t>
+            </a:r>
+            <a:endParaRPr lang="zh-TW" altLang="en-US" sz="1400" dirty="0">
+              <a:solidFill>
+                <a:srgbClr val="0070C0"/>
+              </a:solidFill>
+            </a:endParaRPr>
+          </a:p>
+        </p:txBody>
+      </p:sp>
+      <p:sp>
+        <p:nvSpPr>
+          <p:cNvPr id="33" name="文字方塊 32">
+            <a:extLst>
+              <a:ext uri="{FF2B5EF4-FFF2-40B4-BE49-F238E27FC236}">
+                <a16:creationId xmlns:a16="http://schemas.microsoft.com/office/drawing/2014/main" id="{B04657D7-AAF5-409D-BA17-1A0CDAE87B9D}"/>
+              </a:ext>
+            </a:extLst>
+          </p:cNvPr>
+          <p:cNvSpPr txBox="1"/>
+          <p:nvPr/>
+        </p:nvSpPr>
+        <p:spPr>
+          <a:xfrm>
+            <a:off x="6597957" y="4766393"/>
+            <a:ext cx="2235093" cy="307777"/>
+          </a:xfrm>
+          <a:prstGeom prst="rect">
+            <a:avLst/>
+          </a:prstGeom>
+          <a:noFill/>
+        </p:spPr>
+        <p:txBody>
+          <a:bodyPr wrap="square" rtlCol="0">
+            <a:spAutoFit/>
+          </a:bodyPr>
+          <a:lstStyle/>
+          <a:p>
+            <a:r>
+              <a:rPr lang="en-US" altLang="zh-TW" sz="1400" dirty="0">
+                <a:solidFill>
+                  <a:srgbClr val="00B050"/>
+                </a:solidFill>
+              </a:rPr>
+              <a:t>Post back -&gt;  Message</a:t>
+            </a:r>
+            <a:endParaRPr lang="zh-TW" altLang="en-US" sz="1400" dirty="0">
+              <a:solidFill>
+                <a:srgbClr val="00B050"/>
+              </a:solidFill>
+            </a:endParaRPr>
+          </a:p>
+        </p:txBody>
+      </p:sp>
+      <p:sp>
+        <p:nvSpPr>
+          <p:cNvPr id="34" name="文字方塊 33">
+            <a:extLst>
+              <a:ext uri="{FF2B5EF4-FFF2-40B4-BE49-F238E27FC236}">
+                <a16:creationId xmlns:a16="http://schemas.microsoft.com/office/drawing/2014/main" id="{62E6F71E-0786-406C-8257-69F0EACBA331}"/>
+              </a:ext>
+            </a:extLst>
+          </p:cNvPr>
+          <p:cNvSpPr txBox="1"/>
+          <p:nvPr/>
+        </p:nvSpPr>
+        <p:spPr>
+          <a:xfrm>
+            <a:off x="3848787" y="6207739"/>
+            <a:ext cx="2263628" cy="307777"/>
+          </a:xfrm>
+          <a:prstGeom prst="rect">
+            <a:avLst/>
+          </a:prstGeom>
+          <a:noFill/>
+          <a:ln w="19050">
+            <a:solidFill>
+              <a:schemeClr val="bg1">
+                <a:lumMod val="75000"/>
+              </a:schemeClr>
+            </a:solidFill>
+          </a:ln>
+        </p:spPr>
+        <p:txBody>
+          <a:bodyPr wrap="square" rtlCol="0">
+            <a:spAutoFit/>
+          </a:bodyPr>
+          <a:lstStyle/>
+          <a:p>
+            <a:pPr algn="ctr"/>
+            <a:r>
+              <a:rPr lang="en-US" altLang="zh-TW" sz="1400" dirty="0"/>
+              <a:t>Instance</a:t>
+            </a:r>
+            <a:endParaRPr lang="zh-TW" altLang="en-US" sz="1400" dirty="0"/>
+          </a:p>
+        </p:txBody>
+      </p:sp>
+      <p:sp>
+        <p:nvSpPr>
+          <p:cNvPr id="35" name="箭號: 弧形左彎 34">
+            <a:extLst>
+              <a:ext uri="{FF2B5EF4-FFF2-40B4-BE49-F238E27FC236}">
+                <a16:creationId xmlns:a16="http://schemas.microsoft.com/office/drawing/2014/main" id="{4CF1034A-FDBE-4794-A585-6367753E6CD0}"/>
+              </a:ext>
+            </a:extLst>
+          </p:cNvPr>
+          <p:cNvSpPr/>
+          <p:nvPr/>
+        </p:nvSpPr>
+        <p:spPr>
+          <a:xfrm>
+            <a:off x="6150302" y="5802442"/>
+            <a:ext cx="254940" cy="548211"/>
+          </a:xfrm>
+          <a:prstGeom prst="curvedLeftArrow">
+            <a:avLst/>
+          </a:prstGeom>
+          <a:solidFill>
+            <a:srgbClr val="0070C0"/>
+          </a:solidFill>
+          <a:ln>
+            <a:solidFill>
+              <a:srgbClr val="0070C0"/>
+            </a:solidFill>
+          </a:ln>
+        </p:spPr>
+        <p:style>
+          <a:lnRef idx="2">
+            <a:schemeClr val="accent1">
+              <a:shade val="50000"/>
+            </a:schemeClr>
+          </a:lnRef>
+          <a:fillRef idx="1">
+            <a:schemeClr val="accent1"/>
+          </a:fillRef>
+          <a:effectRef idx="0">
+            <a:schemeClr val="accent1"/>
+          </a:effectRef>
+          <a:fontRef idx="minor">
+            <a:schemeClr val="lt1"/>
+          </a:fontRef>
+        </p:style>
+        <p:txBody>
+          <a:bodyPr rtlCol="0" anchor="ctr"/>
+          <a:lstStyle/>
+          <a:p>
+            <a:pPr algn="ctr"/>
+            <a:endParaRPr lang="zh-TW" altLang="en-US" sz="1400">
+              <a:solidFill>
+                <a:schemeClr val="tx1"/>
+              </a:solidFill>
+            </a:endParaRPr>
+          </a:p>
+        </p:txBody>
+      </p:sp>
+      <p:sp>
+        <p:nvSpPr>
+          <p:cNvPr id="36" name="文字方塊 35">
+            <a:extLst>
+              <a:ext uri="{FF2B5EF4-FFF2-40B4-BE49-F238E27FC236}">
+                <a16:creationId xmlns:a16="http://schemas.microsoft.com/office/drawing/2014/main" id="{DC3CCEDA-4A46-4162-80F5-A04C8F1C496F}"/>
+              </a:ext>
+            </a:extLst>
+          </p:cNvPr>
+          <p:cNvSpPr txBox="1"/>
+          <p:nvPr/>
+        </p:nvSpPr>
+        <p:spPr>
+          <a:xfrm>
+            <a:off x="6597957" y="5960897"/>
+            <a:ext cx="2235093" cy="307777"/>
+          </a:xfrm>
+          <a:prstGeom prst="rect">
+            <a:avLst/>
+          </a:prstGeom>
+          <a:noFill/>
+        </p:spPr>
+        <p:txBody>
+          <a:bodyPr wrap="square" rtlCol="0">
+            <a:spAutoFit/>
+          </a:bodyPr>
+          <a:lstStyle/>
+          <a:p>
+            <a:r>
+              <a:rPr lang="en-US" altLang="zh-TW" sz="1400" dirty="0">
+                <a:solidFill>
+                  <a:srgbClr val="0070C0"/>
+                </a:solidFill>
+              </a:rPr>
+              <a:t>Post back -&gt; Post back </a:t>
+            </a:r>
+            <a:endParaRPr lang="zh-TW" altLang="en-US" sz="1400" dirty="0">
+              <a:solidFill>
+                <a:srgbClr val="0070C0"/>
+              </a:solidFill>
+            </a:endParaRPr>
+          </a:p>
+        </p:txBody>
+      </p:sp>
+      <p:sp>
+        <p:nvSpPr>
+          <p:cNvPr id="38" name="文字方塊 37">
+            <a:extLst>
+              <a:ext uri="{FF2B5EF4-FFF2-40B4-BE49-F238E27FC236}">
+                <a16:creationId xmlns:a16="http://schemas.microsoft.com/office/drawing/2014/main" id="{9E405450-2428-4D5B-B622-87201A78C419}"/>
+              </a:ext>
+            </a:extLst>
+          </p:cNvPr>
+          <p:cNvSpPr txBox="1"/>
+          <p:nvPr/>
+        </p:nvSpPr>
+        <p:spPr>
+          <a:xfrm>
+            <a:off x="1119883" y="3375739"/>
+            <a:ext cx="1699374" cy="307777"/>
+          </a:xfrm>
+          <a:prstGeom prst="rect">
+            <a:avLst/>
+          </a:prstGeom>
+          <a:noFill/>
+          <a:ln w="19050">
+            <a:solidFill>
+              <a:schemeClr val="accent2">
+                <a:lumMod val="60000"/>
+                <a:lumOff val="40000"/>
+              </a:schemeClr>
+            </a:solidFill>
+          </a:ln>
+        </p:spPr>
+        <p:txBody>
+          <a:bodyPr wrap="square" rtlCol="0">
+            <a:spAutoFit/>
+          </a:bodyPr>
+          <a:lstStyle/>
+          <a:p>
+            <a:pPr algn="ctr"/>
+            <a:r>
+              <a:rPr lang="en-US" altLang="zh-TW" sz="1400" dirty="0"/>
+              <a:t>Hotel Name Input</a:t>
+            </a:r>
+            <a:endParaRPr lang="zh-TW" altLang="en-US" sz="1400" dirty="0"/>
+          </a:p>
+        </p:txBody>
+      </p:sp>
+      <p:sp>
+        <p:nvSpPr>
+          <p:cNvPr id="42" name="文字方塊 41">
+            <a:extLst>
+              <a:ext uri="{FF2B5EF4-FFF2-40B4-BE49-F238E27FC236}">
+                <a16:creationId xmlns:a16="http://schemas.microsoft.com/office/drawing/2014/main" id="{1E116764-5710-4020-B475-0D93E4A26A18}"/>
+              </a:ext>
+            </a:extLst>
+          </p:cNvPr>
+          <p:cNvSpPr txBox="1"/>
+          <p:nvPr/>
+        </p:nvSpPr>
+        <p:spPr>
+          <a:xfrm>
+            <a:off x="3010759" y="3491413"/>
+            <a:ext cx="682608" cy="307777"/>
+          </a:xfrm>
+          <a:prstGeom prst="rect">
+            <a:avLst/>
+          </a:prstGeom>
+          <a:noFill/>
+        </p:spPr>
+        <p:txBody>
+          <a:bodyPr wrap="square" rtlCol="0">
+            <a:spAutoFit/>
+          </a:bodyPr>
+          <a:lstStyle/>
+          <a:p>
+            <a:r>
+              <a:rPr lang="en-US" altLang="zh-TW" sz="1400" dirty="0">
+                <a:solidFill>
+                  <a:schemeClr val="bg1">
+                    <a:lumMod val="75000"/>
+                  </a:schemeClr>
+                </a:solidFill>
+              </a:rPr>
+              <a:t>If No</a:t>
+            </a:r>
+            <a:endParaRPr lang="zh-TW" altLang="en-US" sz="1400" dirty="0">
+              <a:solidFill>
+                <a:schemeClr val="bg1">
+                  <a:lumMod val="75000"/>
+                </a:schemeClr>
+              </a:solidFill>
+            </a:endParaRPr>
+          </a:p>
+        </p:txBody>
+      </p:sp>
+      <p:cxnSp>
+        <p:nvCxnSpPr>
+          <p:cNvPr id="44" name="直線單箭頭接點 43">
+            <a:extLst>
+              <a:ext uri="{FF2B5EF4-FFF2-40B4-BE49-F238E27FC236}">
+                <a16:creationId xmlns:a16="http://schemas.microsoft.com/office/drawing/2014/main" id="{02D21FE3-BFBD-4DF7-974B-613049E7DF8F}"/>
+              </a:ext>
+            </a:extLst>
+          </p:cNvPr>
+          <p:cNvCxnSpPr>
+            <a:cxnSpLocks/>
+            <a:stCxn id="10" idx="1"/>
+            <a:endCxn id="38" idx="3"/>
+          </p:cNvCxnSpPr>
+          <p:nvPr/>
+        </p:nvCxnSpPr>
+        <p:spPr>
+          <a:xfrm flipH="1">
+            <a:off x="2819257" y="3527231"/>
+            <a:ext cx="1029534" cy="2397"/>
+          </a:xfrm>
+          <a:prstGeom prst="straightConnector1">
+            <a:avLst/>
+          </a:prstGeom>
+          <a:ln w="19050">
+            <a:solidFill>
+              <a:schemeClr val="tx1"/>
+            </a:solidFill>
+            <a:prstDash val="dash"/>
+            <a:tailEnd type="triangle"/>
+          </a:ln>
+        </p:spPr>
+        <p:style>
+          <a:lnRef idx="1">
+            <a:schemeClr val="accent1"/>
+          </a:lnRef>
+          <a:fillRef idx="0">
+            <a:schemeClr val="accent1"/>
+          </a:fillRef>
+          <a:effectRef idx="0">
+            <a:schemeClr val="accent1"/>
+          </a:effectRef>
+          <a:fontRef idx="minor">
+            <a:schemeClr val="tx1"/>
+          </a:fontRef>
+        </p:style>
+      </p:cxnSp>
+      <p:cxnSp>
+        <p:nvCxnSpPr>
+          <p:cNvPr id="45" name="直線單箭頭接點 44">
+            <a:extLst>
+              <a:ext uri="{FF2B5EF4-FFF2-40B4-BE49-F238E27FC236}">
+                <a16:creationId xmlns:a16="http://schemas.microsoft.com/office/drawing/2014/main" id="{0589F70C-DEC7-4C9D-AF63-5CD0998FA831}"/>
+              </a:ext>
+            </a:extLst>
+          </p:cNvPr>
+          <p:cNvCxnSpPr>
+            <a:cxnSpLocks/>
+            <a:stCxn id="10" idx="2"/>
+            <a:endCxn id="11" idx="0"/>
+          </p:cNvCxnSpPr>
+          <p:nvPr/>
+        </p:nvCxnSpPr>
+        <p:spPr>
+          <a:xfrm flipH="1">
+            <a:off x="4980604" y="3681119"/>
+            <a:ext cx="1" cy="240261"/>
+          </a:xfrm>
+          <a:prstGeom prst="straightConnector1">
+            <a:avLst/>
+          </a:prstGeom>
+          <a:ln w="19050">
+            <a:solidFill>
+              <a:schemeClr val="tx1"/>
+            </a:solidFill>
+            <a:prstDash val="dash"/>
+            <a:tailEnd type="triangle"/>
+          </a:ln>
+        </p:spPr>
+        <p:style>
+          <a:lnRef idx="1">
+            <a:schemeClr val="accent1"/>
+          </a:lnRef>
+          <a:fillRef idx="0">
+            <a:schemeClr val="accent1"/>
+          </a:fillRef>
+          <a:effectRef idx="0">
+            <a:schemeClr val="accent1"/>
+          </a:effectRef>
+          <a:fontRef idx="minor">
+            <a:schemeClr val="tx1"/>
+          </a:fontRef>
+        </p:style>
+      </p:cxnSp>
+      <p:sp>
+        <p:nvSpPr>
+          <p:cNvPr id="48" name="文字方塊 47">
+            <a:extLst>
+              <a:ext uri="{FF2B5EF4-FFF2-40B4-BE49-F238E27FC236}">
+                <a16:creationId xmlns:a16="http://schemas.microsoft.com/office/drawing/2014/main" id="{FF393782-ED93-4EF7-8468-870E34CA5659}"/>
+              </a:ext>
+            </a:extLst>
+          </p:cNvPr>
+          <p:cNvSpPr txBox="1"/>
+          <p:nvPr/>
+        </p:nvSpPr>
+        <p:spPr>
+          <a:xfrm>
+            <a:off x="4357975" y="3627445"/>
+            <a:ext cx="682608" cy="307777"/>
+          </a:xfrm>
+          <a:prstGeom prst="rect">
+            <a:avLst/>
+          </a:prstGeom>
+          <a:noFill/>
+        </p:spPr>
+        <p:txBody>
+          <a:bodyPr wrap="square" rtlCol="0">
+            <a:spAutoFit/>
+          </a:bodyPr>
+          <a:lstStyle/>
+          <a:p>
+            <a:r>
+              <a:rPr lang="en-US" altLang="zh-TW" sz="1400" dirty="0">
+                <a:solidFill>
+                  <a:schemeClr val="bg1">
+                    <a:lumMod val="75000"/>
+                  </a:schemeClr>
+                </a:solidFill>
+              </a:rPr>
+              <a:t>If Yes</a:t>
+            </a:r>
+            <a:endParaRPr lang="zh-TW" altLang="en-US" sz="1400" dirty="0">
+              <a:solidFill>
+                <a:schemeClr val="bg1">
+                  <a:lumMod val="75000"/>
+                </a:schemeClr>
+              </a:solidFill>
+            </a:endParaRPr>
+          </a:p>
+        </p:txBody>
+      </p:sp>
+      <p:sp>
+        <p:nvSpPr>
+          <p:cNvPr id="49" name="文字方塊 48">
+            <a:extLst>
+              <a:ext uri="{FF2B5EF4-FFF2-40B4-BE49-F238E27FC236}">
+                <a16:creationId xmlns:a16="http://schemas.microsoft.com/office/drawing/2014/main" id="{06FD5CB2-0D17-4E51-A798-AFA61B7DF646}"/>
+              </a:ext>
+            </a:extLst>
+          </p:cNvPr>
+          <p:cNvSpPr txBox="1"/>
+          <p:nvPr/>
+        </p:nvSpPr>
+        <p:spPr>
+          <a:xfrm>
+            <a:off x="1148743" y="2952288"/>
+            <a:ext cx="2235093" cy="307777"/>
+          </a:xfrm>
+          <a:prstGeom prst="rect">
+            <a:avLst/>
+          </a:prstGeom>
+          <a:noFill/>
+        </p:spPr>
+        <p:txBody>
+          <a:bodyPr wrap="square" rtlCol="0">
+            <a:spAutoFit/>
+          </a:bodyPr>
+          <a:lstStyle/>
+          <a:p>
+            <a:r>
+              <a:rPr lang="en-US" altLang="zh-TW" sz="1400" dirty="0">
+                <a:solidFill>
+                  <a:srgbClr val="00B050"/>
+                </a:solidFill>
+              </a:rPr>
+              <a:t>Post back -&gt;  Message</a:t>
+            </a:r>
+            <a:endParaRPr lang="zh-TW" altLang="en-US" sz="1400" dirty="0">
+              <a:solidFill>
+                <a:srgbClr val="00B050"/>
+              </a:solidFill>
+            </a:endParaRPr>
+          </a:p>
+        </p:txBody>
+      </p:sp>
+      <p:sp>
+        <p:nvSpPr>
+          <p:cNvPr id="50" name="箭號: 弧形左彎 49">
+            <a:extLst>
+              <a:ext uri="{FF2B5EF4-FFF2-40B4-BE49-F238E27FC236}">
+                <a16:creationId xmlns:a16="http://schemas.microsoft.com/office/drawing/2014/main" id="{B2C2A5C8-7C1E-4EB7-BB0E-770286FAB117}"/>
+              </a:ext>
+            </a:extLst>
+          </p:cNvPr>
+          <p:cNvSpPr/>
+          <p:nvPr/>
+        </p:nvSpPr>
+        <p:spPr>
+          <a:xfrm rot="5400000" flipH="1">
+            <a:off x="3177214" y="2643617"/>
+            <a:ext cx="250054" cy="1209478"/>
+          </a:xfrm>
+          <a:prstGeom prst="curvedLeftArrow">
+            <a:avLst/>
+          </a:prstGeom>
+          <a:solidFill>
+            <a:srgbClr val="00B050"/>
+          </a:solidFill>
+          <a:ln>
+            <a:solidFill>
+              <a:srgbClr val="00B050"/>
+            </a:solidFill>
+          </a:ln>
+        </p:spPr>
+        <p:style>
+          <a:lnRef idx="2">
+            <a:schemeClr val="accent1">
+              <a:shade val="50000"/>
+            </a:schemeClr>
+          </a:lnRef>
+          <a:fillRef idx="1">
+            <a:schemeClr val="accent1"/>
+          </a:fillRef>
+          <a:effectRef idx="0">
+            <a:schemeClr val="accent1"/>
+          </a:effectRef>
+          <a:fontRef idx="minor">
+            <a:schemeClr val="lt1"/>
+          </a:fontRef>
+        </p:style>
+        <p:txBody>
+          <a:bodyPr rtlCol="0" anchor="ctr"/>
+          <a:lstStyle/>
+          <a:p>
+            <a:pPr algn="ctr"/>
+            <a:endParaRPr lang="zh-TW" altLang="en-US">
+              <a:solidFill>
+                <a:schemeClr val="tx1"/>
+              </a:solidFill>
+            </a:endParaRPr>
+          </a:p>
+        </p:txBody>
+      </p:sp>
+      <p:sp>
+        <p:nvSpPr>
+          <p:cNvPr id="51" name="文字方塊 50">
+            <a:extLst>
+              <a:ext uri="{FF2B5EF4-FFF2-40B4-BE49-F238E27FC236}">
+                <a16:creationId xmlns:a16="http://schemas.microsoft.com/office/drawing/2014/main" id="{B096F272-56A8-410D-A97C-8CE2682117DB}"/>
+              </a:ext>
+            </a:extLst>
+          </p:cNvPr>
+          <p:cNvSpPr txBox="1"/>
+          <p:nvPr/>
+        </p:nvSpPr>
+        <p:spPr>
+          <a:xfrm>
+            <a:off x="1127164" y="3953470"/>
+            <a:ext cx="1699374" cy="307777"/>
+          </a:xfrm>
+          <a:prstGeom prst="rect">
+            <a:avLst/>
+          </a:prstGeom>
+          <a:noFill/>
+          <a:ln w="19050">
+            <a:solidFill>
+              <a:schemeClr val="bg1">
+                <a:lumMod val="75000"/>
+              </a:schemeClr>
+            </a:solidFill>
+          </a:ln>
+        </p:spPr>
+        <p:txBody>
+          <a:bodyPr wrap="square" rtlCol="0">
+            <a:spAutoFit/>
+          </a:bodyPr>
+          <a:lstStyle/>
+          <a:p>
+            <a:pPr algn="ctr"/>
+            <a:r>
+              <a:rPr lang="en-US" altLang="zh-TW" sz="1400"/>
+              <a:t>Instant</a:t>
+            </a:r>
+            <a:endParaRPr lang="zh-TW" altLang="en-US" sz="1400" dirty="0"/>
+          </a:p>
+        </p:txBody>
+      </p:sp>
+      <p:sp>
+        <p:nvSpPr>
+          <p:cNvPr id="46" name="文字方塊 45">
+            <a:extLst>
+              <a:ext uri="{FF2B5EF4-FFF2-40B4-BE49-F238E27FC236}">
+                <a16:creationId xmlns:a16="http://schemas.microsoft.com/office/drawing/2014/main" id="{FB23FA63-A373-4690-A0F0-CCB7F912D712}"/>
+              </a:ext>
+            </a:extLst>
+          </p:cNvPr>
+          <p:cNvSpPr txBox="1"/>
+          <p:nvPr/>
+        </p:nvSpPr>
+        <p:spPr>
+          <a:xfrm>
+            <a:off x="1081063" y="5575312"/>
+            <a:ext cx="1555308" cy="307777"/>
+          </a:xfrm>
+          <a:prstGeom prst="rect">
+            <a:avLst/>
+          </a:prstGeom>
+          <a:noFill/>
+          <a:ln w="19050">
+            <a:solidFill>
+              <a:schemeClr val="bg1">
+                <a:lumMod val="75000"/>
+              </a:schemeClr>
+            </a:solidFill>
+          </a:ln>
+        </p:spPr>
+        <p:txBody>
+          <a:bodyPr wrap="square" rtlCol="0">
+            <a:spAutoFit/>
+          </a:bodyPr>
+          <a:lstStyle/>
+          <a:p>
+            <a:pPr algn="ctr"/>
+            <a:r>
+              <a:rPr lang="en-US" altLang="zh-TW" sz="1400" dirty="0"/>
+              <a:t>Food Recommend</a:t>
+            </a:r>
+            <a:endParaRPr lang="zh-TW" altLang="en-US" sz="1400" dirty="0"/>
+          </a:p>
+        </p:txBody>
+      </p:sp>
+      <p:cxnSp>
+        <p:nvCxnSpPr>
+          <p:cNvPr id="47" name="直線單箭頭接點 46">
+            <a:extLst>
+              <a:ext uri="{FF2B5EF4-FFF2-40B4-BE49-F238E27FC236}">
+                <a16:creationId xmlns:a16="http://schemas.microsoft.com/office/drawing/2014/main" id="{37F138CF-1797-4E4B-99EC-B14A2374D04A}"/>
+              </a:ext>
+            </a:extLst>
+          </p:cNvPr>
+          <p:cNvCxnSpPr>
+            <a:cxnSpLocks/>
+            <a:stCxn id="14" idx="1"/>
+            <a:endCxn id="46" idx="3"/>
+          </p:cNvCxnSpPr>
+          <p:nvPr/>
+        </p:nvCxnSpPr>
+        <p:spPr>
+          <a:xfrm flipH="1">
+            <a:off x="2636371" y="5729199"/>
+            <a:ext cx="1212417" cy="2"/>
+          </a:xfrm>
+          <a:prstGeom prst="straightConnector1">
+            <a:avLst/>
+          </a:prstGeom>
+          <a:ln w="19050">
+            <a:solidFill>
+              <a:schemeClr val="bg1">
+                <a:lumMod val="65000"/>
+              </a:schemeClr>
+            </a:solidFill>
+            <a:prstDash val="dash"/>
+            <a:tailEnd type="triangle"/>
+          </a:ln>
+        </p:spPr>
+        <p:style>
+          <a:lnRef idx="1">
+            <a:schemeClr val="accent1"/>
+          </a:lnRef>
+          <a:fillRef idx="0">
+            <a:schemeClr val="accent1"/>
+          </a:fillRef>
+          <a:effectRef idx="0">
+            <a:schemeClr val="accent1"/>
+          </a:effectRef>
+          <a:fontRef idx="minor">
+            <a:schemeClr val="tx1"/>
+          </a:fontRef>
+        </p:style>
+      </p:cxnSp>
+      <p:sp>
+        <p:nvSpPr>
+          <p:cNvPr id="52" name="文字方塊 51">
+            <a:extLst>
+              <a:ext uri="{FF2B5EF4-FFF2-40B4-BE49-F238E27FC236}">
+                <a16:creationId xmlns:a16="http://schemas.microsoft.com/office/drawing/2014/main" id="{E6945CBE-7BC9-4631-826E-DD440A1CC4E4}"/>
+              </a:ext>
+            </a:extLst>
+          </p:cNvPr>
+          <p:cNvSpPr txBox="1"/>
+          <p:nvPr/>
+        </p:nvSpPr>
+        <p:spPr>
+          <a:xfrm>
+            <a:off x="2341557" y="5759052"/>
+            <a:ext cx="1871996" cy="523220"/>
+          </a:xfrm>
+          <a:prstGeom prst="rect">
+            <a:avLst/>
+          </a:prstGeom>
+          <a:noFill/>
+        </p:spPr>
+        <p:txBody>
+          <a:bodyPr wrap="square" rtlCol="0">
+            <a:spAutoFit/>
+          </a:bodyPr>
+          <a:lstStyle/>
+          <a:p>
+            <a:pPr algn="ctr"/>
+            <a:r>
+              <a:rPr lang="en-US" altLang="zh-TW" sz="1400" dirty="0">
+                <a:solidFill>
+                  <a:schemeClr val="bg1">
+                    <a:lumMod val="75000"/>
+                  </a:schemeClr>
+                </a:solidFill>
+              </a:rPr>
+              <a:t>If select Food Recommend</a:t>
+            </a:r>
+            <a:endParaRPr lang="zh-TW" altLang="en-US" sz="1400" dirty="0">
+              <a:solidFill>
+                <a:schemeClr val="bg1">
+                  <a:lumMod val="75000"/>
+                </a:schemeClr>
+              </a:solidFill>
+            </a:endParaRPr>
+          </a:p>
+        </p:txBody>
+      </p:sp>
+      <p:sp>
+        <p:nvSpPr>
+          <p:cNvPr id="56" name="文字方塊 55">
+            <a:extLst>
+              <a:ext uri="{FF2B5EF4-FFF2-40B4-BE49-F238E27FC236}">
+                <a16:creationId xmlns:a16="http://schemas.microsoft.com/office/drawing/2014/main" id="{938836BD-48FA-435A-9959-33F48EAF7AFB}"/>
+              </a:ext>
+            </a:extLst>
+          </p:cNvPr>
+          <p:cNvSpPr txBox="1"/>
+          <p:nvPr/>
+        </p:nvSpPr>
+        <p:spPr>
+          <a:xfrm>
+            <a:off x="878481" y="5113646"/>
+            <a:ext cx="2166771" cy="307777"/>
+          </a:xfrm>
+          <a:prstGeom prst="rect">
+            <a:avLst/>
+          </a:prstGeom>
+          <a:noFill/>
+        </p:spPr>
+        <p:txBody>
+          <a:bodyPr wrap="square" rtlCol="0">
+            <a:spAutoFit/>
+          </a:bodyPr>
+          <a:lstStyle/>
+          <a:p>
+            <a:pPr algn="ctr"/>
+            <a:r>
+              <a:rPr lang="en-US" altLang="zh-TW" sz="1400" dirty="0">
+                <a:solidFill>
+                  <a:srgbClr val="0070C0"/>
+                </a:solidFill>
+              </a:rPr>
+              <a:t>Post back -&gt;  Post back</a:t>
+            </a:r>
+            <a:endParaRPr lang="zh-TW" altLang="en-US" sz="1400" dirty="0">
+              <a:solidFill>
+                <a:srgbClr val="0070C0"/>
+              </a:solidFill>
+            </a:endParaRPr>
+          </a:p>
+        </p:txBody>
+      </p:sp>
+      <p:sp>
+        <p:nvSpPr>
+          <p:cNvPr id="57" name="箭號: 弧形左彎 56">
+            <a:extLst>
+              <a:ext uri="{FF2B5EF4-FFF2-40B4-BE49-F238E27FC236}">
+                <a16:creationId xmlns:a16="http://schemas.microsoft.com/office/drawing/2014/main" id="{D44CB032-70F0-41FA-B25E-DA5C7F364BA2}"/>
+              </a:ext>
+            </a:extLst>
+          </p:cNvPr>
+          <p:cNvSpPr/>
+          <p:nvPr/>
+        </p:nvSpPr>
+        <p:spPr>
+          <a:xfrm rot="5400000" flipH="1">
+            <a:off x="3068404" y="4736742"/>
+            <a:ext cx="288920" cy="1388216"/>
+          </a:xfrm>
+          <a:prstGeom prst="curvedLeftArrow">
+            <a:avLst/>
+          </a:prstGeom>
+          <a:solidFill>
+            <a:srgbClr val="0070C0"/>
+          </a:solidFill>
+          <a:ln>
+            <a:solidFill>
+              <a:srgbClr val="0070C0"/>
+            </a:solidFill>
+          </a:ln>
+        </p:spPr>
+        <p:style>
+          <a:lnRef idx="2">
+            <a:schemeClr val="accent1">
+              <a:shade val="50000"/>
+            </a:schemeClr>
+          </a:lnRef>
+          <a:fillRef idx="1">
+            <a:schemeClr val="accent1"/>
+          </a:fillRef>
+          <a:effectRef idx="0">
+            <a:schemeClr val="accent1"/>
+          </a:effectRef>
+          <a:fontRef idx="minor">
+            <a:schemeClr val="lt1"/>
+          </a:fontRef>
+        </p:style>
+        <p:txBody>
+          <a:bodyPr rtlCol="0" anchor="ctr"/>
+          <a:lstStyle/>
+          <a:p>
+            <a:pPr algn="ctr"/>
+            <a:endParaRPr lang="zh-TW" altLang="en-US">
+              <a:solidFill>
+                <a:schemeClr val="tx1"/>
+              </a:solidFill>
+            </a:endParaRPr>
+          </a:p>
+        </p:txBody>
+      </p:sp>
+      <p:cxnSp>
+        <p:nvCxnSpPr>
+          <p:cNvPr id="58" name="直線單箭頭接點 57">
+            <a:extLst>
+              <a:ext uri="{FF2B5EF4-FFF2-40B4-BE49-F238E27FC236}">
+                <a16:creationId xmlns:a16="http://schemas.microsoft.com/office/drawing/2014/main" id="{A633F3E4-A672-4984-9C88-6CF490D16897}"/>
+              </a:ext>
+            </a:extLst>
+          </p:cNvPr>
+          <p:cNvCxnSpPr>
+            <a:cxnSpLocks/>
+            <a:stCxn id="5" idx="2"/>
+            <a:endCxn id="6" idx="0"/>
+          </p:cNvCxnSpPr>
+          <p:nvPr/>
+        </p:nvCxnSpPr>
+        <p:spPr>
+          <a:xfrm flipH="1">
+            <a:off x="4980608" y="363435"/>
+            <a:ext cx="1" cy="234239"/>
+          </a:xfrm>
+          <a:prstGeom prst="straightConnector1">
+            <a:avLst/>
+          </a:prstGeom>
+          <a:ln w="19050">
+            <a:solidFill>
+              <a:schemeClr val="tx1"/>
+            </a:solidFill>
+            <a:prstDash val="dash"/>
+            <a:tailEnd type="triangle"/>
+          </a:ln>
+        </p:spPr>
+        <p:style>
+          <a:lnRef idx="1">
+            <a:schemeClr val="accent1"/>
+          </a:lnRef>
+          <a:fillRef idx="0">
+            <a:schemeClr val="accent1"/>
+          </a:fillRef>
+          <a:effectRef idx="0">
+            <a:schemeClr val="accent1"/>
+          </a:effectRef>
+          <a:fontRef idx="minor">
+            <a:schemeClr val="tx1"/>
+          </a:fontRef>
+        </p:style>
+      </p:cxnSp>
+      <p:cxnSp>
+        <p:nvCxnSpPr>
+          <p:cNvPr id="61" name="直線單箭頭接點 60">
+            <a:extLst>
+              <a:ext uri="{FF2B5EF4-FFF2-40B4-BE49-F238E27FC236}">
+                <a16:creationId xmlns:a16="http://schemas.microsoft.com/office/drawing/2014/main" id="{9C2DB833-6967-4552-88C8-020731A9C518}"/>
+              </a:ext>
+            </a:extLst>
+          </p:cNvPr>
+          <p:cNvCxnSpPr>
+            <a:cxnSpLocks/>
+            <a:stCxn id="6" idx="2"/>
+            <a:endCxn id="135" idx="0"/>
+          </p:cNvCxnSpPr>
+          <p:nvPr/>
+        </p:nvCxnSpPr>
+        <p:spPr>
+          <a:xfrm flipH="1">
+            <a:off x="4980601" y="905451"/>
+            <a:ext cx="7" cy="218340"/>
+          </a:xfrm>
+          <a:prstGeom prst="straightConnector1">
+            <a:avLst/>
+          </a:prstGeom>
+          <a:ln w="19050">
+            <a:solidFill>
+              <a:schemeClr val="tx1"/>
+            </a:solidFill>
+            <a:prstDash val="dash"/>
+            <a:tailEnd type="triangle"/>
+          </a:ln>
+        </p:spPr>
+        <p:style>
+          <a:lnRef idx="1">
+            <a:schemeClr val="accent1"/>
+          </a:lnRef>
+          <a:fillRef idx="0">
+            <a:schemeClr val="accent1"/>
+          </a:fillRef>
+          <a:effectRef idx="0">
+            <a:schemeClr val="accent1"/>
+          </a:effectRef>
+          <a:fontRef idx="minor">
+            <a:schemeClr val="tx1"/>
+          </a:fontRef>
+        </p:style>
+      </p:cxnSp>
+      <p:cxnSp>
+        <p:nvCxnSpPr>
+          <p:cNvPr id="104" name="直線單箭頭接點 103">
+            <a:extLst>
+              <a:ext uri="{FF2B5EF4-FFF2-40B4-BE49-F238E27FC236}">
+                <a16:creationId xmlns:a16="http://schemas.microsoft.com/office/drawing/2014/main" id="{7A6E5F2D-2B22-40F3-8F11-245D1F4B26CE}"/>
+              </a:ext>
+            </a:extLst>
+          </p:cNvPr>
+          <p:cNvCxnSpPr>
+            <a:cxnSpLocks/>
+            <a:stCxn id="7" idx="2"/>
+            <a:endCxn id="8" idx="0"/>
+          </p:cNvCxnSpPr>
+          <p:nvPr/>
+        </p:nvCxnSpPr>
+        <p:spPr>
+          <a:xfrm flipH="1">
+            <a:off x="4980606" y="1975365"/>
+            <a:ext cx="1" cy="266042"/>
+          </a:xfrm>
+          <a:prstGeom prst="straightConnector1">
+            <a:avLst/>
+          </a:prstGeom>
+          <a:ln w="19050">
+            <a:solidFill>
+              <a:schemeClr val="tx1"/>
+            </a:solidFill>
+            <a:prstDash val="dash"/>
+            <a:tailEnd type="triangle"/>
+          </a:ln>
+        </p:spPr>
+        <p:style>
+          <a:lnRef idx="1">
+            <a:schemeClr val="accent1"/>
+          </a:lnRef>
+          <a:fillRef idx="0">
+            <a:schemeClr val="accent1"/>
+          </a:fillRef>
+          <a:effectRef idx="0">
+            <a:schemeClr val="accent1"/>
+          </a:effectRef>
+          <a:fontRef idx="minor">
+            <a:schemeClr val="tx1"/>
+          </a:fontRef>
+        </p:style>
+      </p:cxnSp>
+      <p:cxnSp>
+        <p:nvCxnSpPr>
+          <p:cNvPr id="105" name="直線單箭頭接點 104">
+            <a:extLst>
+              <a:ext uri="{FF2B5EF4-FFF2-40B4-BE49-F238E27FC236}">
+                <a16:creationId xmlns:a16="http://schemas.microsoft.com/office/drawing/2014/main" id="{598195A2-CB30-4BA0-8F0E-AC16A397F97B}"/>
+              </a:ext>
+            </a:extLst>
+          </p:cNvPr>
+          <p:cNvCxnSpPr>
+            <a:cxnSpLocks/>
+            <a:stCxn id="9" idx="2"/>
+            <a:endCxn id="10" idx="0"/>
+          </p:cNvCxnSpPr>
+          <p:nvPr/>
+        </p:nvCxnSpPr>
+        <p:spPr>
+          <a:xfrm>
+            <a:off x="4980605" y="3094309"/>
+            <a:ext cx="0" cy="279033"/>
+          </a:xfrm>
+          <a:prstGeom prst="straightConnector1">
+            <a:avLst/>
+          </a:prstGeom>
+          <a:ln w="19050">
+            <a:solidFill>
+              <a:schemeClr val="tx1"/>
+            </a:solidFill>
+            <a:prstDash val="dash"/>
+            <a:tailEnd type="triangle"/>
+          </a:ln>
+        </p:spPr>
+        <p:style>
+          <a:lnRef idx="1">
+            <a:schemeClr val="accent1"/>
+          </a:lnRef>
+          <a:fillRef idx="0">
+            <a:schemeClr val="accent1"/>
+          </a:fillRef>
+          <a:effectRef idx="0">
+            <a:schemeClr val="accent1"/>
+          </a:effectRef>
+          <a:fontRef idx="minor">
+            <a:schemeClr val="tx1"/>
+          </a:fontRef>
+        </p:style>
+      </p:cxnSp>
+      <p:cxnSp>
+        <p:nvCxnSpPr>
+          <p:cNvPr id="106" name="直線單箭頭接點 105">
+            <a:extLst>
+              <a:ext uri="{FF2B5EF4-FFF2-40B4-BE49-F238E27FC236}">
+                <a16:creationId xmlns:a16="http://schemas.microsoft.com/office/drawing/2014/main" id="{6FC4A0D7-0282-40D1-ADF8-0C8E37D77A67}"/>
+              </a:ext>
+            </a:extLst>
+          </p:cNvPr>
+          <p:cNvCxnSpPr>
+            <a:cxnSpLocks/>
+            <a:stCxn id="8" idx="2"/>
+            <a:endCxn id="9" idx="0"/>
+          </p:cNvCxnSpPr>
+          <p:nvPr/>
+        </p:nvCxnSpPr>
+        <p:spPr>
+          <a:xfrm flipH="1">
+            <a:off x="4980605" y="2549184"/>
+            <a:ext cx="1" cy="237348"/>
+          </a:xfrm>
+          <a:prstGeom prst="straightConnector1">
+            <a:avLst/>
+          </a:prstGeom>
+          <a:ln w="19050">
+            <a:solidFill>
+              <a:schemeClr val="tx1"/>
+            </a:solidFill>
+            <a:prstDash val="dash"/>
+            <a:tailEnd type="triangle"/>
+          </a:ln>
+        </p:spPr>
+        <p:style>
+          <a:lnRef idx="1">
+            <a:schemeClr val="accent1"/>
+          </a:lnRef>
+          <a:fillRef idx="0">
+            <a:schemeClr val="accent1"/>
+          </a:fillRef>
+          <a:effectRef idx="0">
+            <a:schemeClr val="accent1"/>
+          </a:effectRef>
+          <a:fontRef idx="minor">
+            <a:schemeClr val="tx1"/>
+          </a:fontRef>
+        </p:style>
+      </p:cxnSp>
+      <p:cxnSp>
+        <p:nvCxnSpPr>
+          <p:cNvPr id="107" name="直線單箭頭接點 106">
+            <a:extLst>
+              <a:ext uri="{FF2B5EF4-FFF2-40B4-BE49-F238E27FC236}">
+                <a16:creationId xmlns:a16="http://schemas.microsoft.com/office/drawing/2014/main" id="{0BFEB2CA-A73D-45DE-A9A7-BC3B43063859}"/>
+              </a:ext>
+            </a:extLst>
+          </p:cNvPr>
+          <p:cNvCxnSpPr>
+            <a:cxnSpLocks/>
+            <a:stCxn id="11" idx="2"/>
+            <a:endCxn id="12" idx="0"/>
+          </p:cNvCxnSpPr>
+          <p:nvPr/>
+        </p:nvCxnSpPr>
+        <p:spPr>
+          <a:xfrm flipH="1">
+            <a:off x="4980603" y="4229157"/>
+            <a:ext cx="1" cy="237344"/>
+          </a:xfrm>
+          <a:prstGeom prst="straightConnector1">
+            <a:avLst/>
+          </a:prstGeom>
+          <a:ln w="19050">
+            <a:solidFill>
+              <a:schemeClr val="tx1"/>
+            </a:solidFill>
+            <a:prstDash val="dash"/>
+            <a:tailEnd type="triangle"/>
+          </a:ln>
+        </p:spPr>
+        <p:style>
+          <a:lnRef idx="1">
+            <a:schemeClr val="accent1"/>
+          </a:lnRef>
+          <a:fillRef idx="0">
+            <a:schemeClr val="accent1"/>
+          </a:fillRef>
+          <a:effectRef idx="0">
+            <a:schemeClr val="accent1"/>
+          </a:effectRef>
+          <a:fontRef idx="minor">
+            <a:schemeClr val="tx1"/>
+          </a:fontRef>
+        </p:style>
+      </p:cxnSp>
+      <p:cxnSp>
+        <p:nvCxnSpPr>
+          <p:cNvPr id="108" name="直線單箭頭接點 107">
+            <a:extLst>
+              <a:ext uri="{FF2B5EF4-FFF2-40B4-BE49-F238E27FC236}">
+                <a16:creationId xmlns:a16="http://schemas.microsoft.com/office/drawing/2014/main" id="{A4A5BA2D-D397-4483-AE32-3EFD78399698}"/>
+              </a:ext>
+            </a:extLst>
+          </p:cNvPr>
+          <p:cNvCxnSpPr>
+            <a:cxnSpLocks/>
+            <a:stCxn id="12" idx="2"/>
+            <a:endCxn id="13" idx="0"/>
+          </p:cNvCxnSpPr>
+          <p:nvPr/>
+        </p:nvCxnSpPr>
+        <p:spPr>
+          <a:xfrm flipH="1">
+            <a:off x="4980602" y="4774278"/>
+            <a:ext cx="1" cy="261208"/>
+          </a:xfrm>
+          <a:prstGeom prst="straightConnector1">
+            <a:avLst/>
+          </a:prstGeom>
+          <a:ln w="19050">
+            <a:solidFill>
+              <a:schemeClr val="tx1"/>
+            </a:solidFill>
+            <a:prstDash val="dash"/>
+            <a:tailEnd type="triangle"/>
+          </a:ln>
+        </p:spPr>
+        <p:style>
+          <a:lnRef idx="1">
+            <a:schemeClr val="accent1"/>
+          </a:lnRef>
+          <a:fillRef idx="0">
+            <a:schemeClr val="accent1"/>
+          </a:fillRef>
+          <a:effectRef idx="0">
+            <a:schemeClr val="accent1"/>
+          </a:effectRef>
+          <a:fontRef idx="minor">
+            <a:schemeClr val="tx1"/>
+          </a:fontRef>
+        </p:style>
+      </p:cxnSp>
+      <p:cxnSp>
+        <p:nvCxnSpPr>
+          <p:cNvPr id="109" name="直線單箭頭接點 108">
+            <a:extLst>
+              <a:ext uri="{FF2B5EF4-FFF2-40B4-BE49-F238E27FC236}">
+                <a16:creationId xmlns:a16="http://schemas.microsoft.com/office/drawing/2014/main" id="{6A9B9AE0-CDF7-437E-B02A-5ED1B7487479}"/>
+              </a:ext>
+            </a:extLst>
+          </p:cNvPr>
+          <p:cNvCxnSpPr>
+            <a:cxnSpLocks/>
+            <a:stCxn id="13" idx="2"/>
+            <a:endCxn id="14" idx="0"/>
+          </p:cNvCxnSpPr>
+          <p:nvPr/>
+        </p:nvCxnSpPr>
+        <p:spPr>
+          <a:xfrm>
+            <a:off x="4980602" y="5343263"/>
+            <a:ext cx="0" cy="232047"/>
+          </a:xfrm>
+          <a:prstGeom prst="straightConnector1">
+            <a:avLst/>
+          </a:prstGeom>
+          <a:ln w="19050">
+            <a:solidFill>
+              <a:schemeClr val="tx1"/>
+            </a:solidFill>
+            <a:prstDash val="dash"/>
+            <a:tailEnd type="triangle"/>
+          </a:ln>
+        </p:spPr>
+        <p:style>
+          <a:lnRef idx="1">
+            <a:schemeClr val="accent1"/>
+          </a:lnRef>
+          <a:fillRef idx="0">
+            <a:schemeClr val="accent1"/>
+          </a:fillRef>
+          <a:effectRef idx="0">
+            <a:schemeClr val="accent1"/>
+          </a:effectRef>
+          <a:fontRef idx="minor">
+            <a:schemeClr val="tx1"/>
+          </a:fontRef>
+        </p:style>
+      </p:cxnSp>
+      <p:cxnSp>
+        <p:nvCxnSpPr>
+          <p:cNvPr id="110" name="直線單箭頭接點 109">
+            <a:extLst>
+              <a:ext uri="{FF2B5EF4-FFF2-40B4-BE49-F238E27FC236}">
+                <a16:creationId xmlns:a16="http://schemas.microsoft.com/office/drawing/2014/main" id="{122A1F5A-B1B4-4468-A9B7-38066C991372}"/>
+              </a:ext>
+            </a:extLst>
+          </p:cNvPr>
+          <p:cNvCxnSpPr>
+            <a:cxnSpLocks/>
+            <a:stCxn id="14" idx="2"/>
+            <a:endCxn id="34" idx="0"/>
+          </p:cNvCxnSpPr>
+          <p:nvPr/>
+        </p:nvCxnSpPr>
+        <p:spPr>
+          <a:xfrm flipH="1">
+            <a:off x="4980601" y="5883087"/>
+            <a:ext cx="1" cy="324652"/>
+          </a:xfrm>
+          <a:prstGeom prst="straightConnector1">
+            <a:avLst/>
+          </a:prstGeom>
+          <a:ln w="19050">
+            <a:solidFill>
+              <a:schemeClr val="tx1"/>
+            </a:solidFill>
+            <a:prstDash val="dash"/>
+            <a:tailEnd type="triangle"/>
+          </a:ln>
+        </p:spPr>
+        <p:style>
+          <a:lnRef idx="1">
+            <a:schemeClr val="accent1"/>
+          </a:lnRef>
+          <a:fillRef idx="0">
+            <a:schemeClr val="accent1"/>
+          </a:fillRef>
+          <a:effectRef idx="0">
+            <a:schemeClr val="accent1"/>
+          </a:effectRef>
+          <a:fontRef idx="minor">
+            <a:schemeClr val="tx1"/>
+          </a:fontRef>
+        </p:style>
+      </p:cxnSp>
+      <p:cxnSp>
+        <p:nvCxnSpPr>
+          <p:cNvPr id="64" name="直線單箭頭接點 63">
+            <a:extLst>
+              <a:ext uri="{FF2B5EF4-FFF2-40B4-BE49-F238E27FC236}">
+                <a16:creationId xmlns:a16="http://schemas.microsoft.com/office/drawing/2014/main" id="{8FAF7557-FF7C-4ED1-AD26-CBC7DF7DFFE4}"/>
+              </a:ext>
+            </a:extLst>
+          </p:cNvPr>
+          <p:cNvCxnSpPr>
+            <a:cxnSpLocks/>
+            <a:stCxn id="38" idx="2"/>
+            <a:endCxn id="51" idx="0"/>
+          </p:cNvCxnSpPr>
+          <p:nvPr/>
+        </p:nvCxnSpPr>
+        <p:spPr>
+          <a:xfrm>
+            <a:off x="1969570" y="3683516"/>
+            <a:ext cx="7281" cy="269954"/>
+          </a:xfrm>
+          <a:prstGeom prst="straightConnector1">
+            <a:avLst/>
+          </a:prstGeom>
+          <a:ln w="19050">
+            <a:solidFill>
+              <a:schemeClr val="tx1"/>
+            </a:solidFill>
+            <a:prstDash val="dash"/>
+            <a:tailEnd type="triangle"/>
+          </a:ln>
+        </p:spPr>
+        <p:style>
+          <a:lnRef idx="1">
+            <a:schemeClr val="accent1"/>
+          </a:lnRef>
+          <a:fillRef idx="0">
+            <a:schemeClr val="accent1"/>
+          </a:fillRef>
+          <a:effectRef idx="0">
+            <a:schemeClr val="accent1"/>
+          </a:effectRef>
+          <a:fontRef idx="minor">
+            <a:schemeClr val="tx1"/>
+          </a:fontRef>
+        </p:style>
+      </p:cxnSp>
+      <p:sp>
+        <p:nvSpPr>
+          <p:cNvPr id="135" name="文字方塊 134">
+            <a:extLst>
+              <a:ext uri="{FF2B5EF4-FFF2-40B4-BE49-F238E27FC236}">
+                <a16:creationId xmlns:a16="http://schemas.microsoft.com/office/drawing/2014/main" id="{A846137D-CAA2-4C4E-AC9B-7809D629B8DA}"/>
+              </a:ext>
+            </a:extLst>
+          </p:cNvPr>
+          <p:cNvSpPr txBox="1"/>
+          <p:nvPr/>
+        </p:nvSpPr>
+        <p:spPr>
+          <a:xfrm>
+            <a:off x="3848787" y="1123791"/>
+            <a:ext cx="2263628" cy="307777"/>
+          </a:xfrm>
+          <a:prstGeom prst="rect">
+            <a:avLst/>
+          </a:prstGeom>
+          <a:noFill/>
+          <a:ln w="19050">
+            <a:solidFill>
+              <a:schemeClr val="accent2">
+                <a:lumMod val="60000"/>
+                <a:lumOff val="40000"/>
+              </a:schemeClr>
+            </a:solidFill>
+          </a:ln>
+        </p:spPr>
+        <p:txBody>
+          <a:bodyPr wrap="square" rtlCol="0">
+            <a:spAutoFit/>
+          </a:bodyPr>
+          <a:lstStyle/>
+          <a:p>
+            <a:pPr algn="ctr"/>
+            <a:r>
+              <a:rPr lang="en-US" altLang="zh-TW" sz="1400" dirty="0"/>
+              <a:t>Food Or Hotel</a:t>
+            </a:r>
+            <a:endParaRPr lang="zh-TW" altLang="en-US" sz="1400" dirty="0"/>
+          </a:p>
+        </p:txBody>
+      </p:sp>
+      <p:cxnSp>
+        <p:nvCxnSpPr>
+          <p:cNvPr id="137" name="直線單箭頭接點 136">
+            <a:extLst>
+              <a:ext uri="{FF2B5EF4-FFF2-40B4-BE49-F238E27FC236}">
+                <a16:creationId xmlns:a16="http://schemas.microsoft.com/office/drawing/2014/main" id="{04E718A9-B995-4387-8019-438C4A32D0AE}"/>
+              </a:ext>
+            </a:extLst>
+          </p:cNvPr>
+          <p:cNvCxnSpPr>
+            <a:cxnSpLocks/>
+            <a:stCxn id="135" idx="2"/>
+            <a:endCxn id="7" idx="0"/>
+          </p:cNvCxnSpPr>
+          <p:nvPr/>
+        </p:nvCxnSpPr>
+        <p:spPr>
+          <a:xfrm>
+            <a:off x="4980601" y="1431568"/>
+            <a:ext cx="6" cy="236020"/>
+          </a:xfrm>
+          <a:prstGeom prst="straightConnector1">
+            <a:avLst/>
+          </a:prstGeom>
+          <a:ln w="19050">
+            <a:solidFill>
+              <a:schemeClr val="tx1"/>
+            </a:solidFill>
+            <a:prstDash val="dash"/>
+            <a:tailEnd type="triangle"/>
+          </a:ln>
+        </p:spPr>
+        <p:style>
+          <a:lnRef idx="1">
+            <a:schemeClr val="accent1"/>
+          </a:lnRef>
+          <a:fillRef idx="0">
+            <a:schemeClr val="accent1"/>
+          </a:fillRef>
+          <a:effectRef idx="0">
+            <a:schemeClr val="accent1"/>
+          </a:effectRef>
+          <a:fontRef idx="minor">
+            <a:schemeClr val="tx1"/>
+          </a:fontRef>
+        </p:style>
+      </p:cxnSp>
+      <p:cxnSp>
+        <p:nvCxnSpPr>
+          <p:cNvPr id="140" name="直線單箭頭接點 139">
+            <a:extLst>
+              <a:ext uri="{FF2B5EF4-FFF2-40B4-BE49-F238E27FC236}">
+                <a16:creationId xmlns:a16="http://schemas.microsoft.com/office/drawing/2014/main" id="{9E21F806-7105-4E27-B52C-2F39F24E12D4}"/>
+              </a:ext>
+            </a:extLst>
+          </p:cNvPr>
+          <p:cNvCxnSpPr>
+            <a:cxnSpLocks/>
+            <a:stCxn id="135" idx="3"/>
+            <a:endCxn id="146" idx="1"/>
+          </p:cNvCxnSpPr>
+          <p:nvPr/>
+        </p:nvCxnSpPr>
+        <p:spPr>
+          <a:xfrm flipV="1">
+            <a:off x="6112415" y="1276390"/>
+            <a:ext cx="3230590" cy="1290"/>
+          </a:xfrm>
+          <a:prstGeom prst="straightConnector1">
+            <a:avLst/>
+          </a:prstGeom>
+          <a:ln w="19050">
+            <a:solidFill>
+              <a:schemeClr val="tx1"/>
+            </a:solidFill>
+            <a:prstDash val="dash"/>
+            <a:tailEnd type="triangle"/>
+          </a:ln>
+        </p:spPr>
+        <p:style>
+          <a:lnRef idx="1">
+            <a:schemeClr val="accent1"/>
+          </a:lnRef>
+          <a:fillRef idx="0">
+            <a:schemeClr val="accent1"/>
+          </a:fillRef>
+          <a:effectRef idx="0">
+            <a:schemeClr val="accent1"/>
+          </a:effectRef>
+          <a:fontRef idx="minor">
+            <a:schemeClr val="tx1"/>
+          </a:fontRef>
+        </p:style>
+      </p:cxnSp>
+      <p:sp>
+        <p:nvSpPr>
+          <p:cNvPr id="146" name="文字方塊 145">
+            <a:extLst>
+              <a:ext uri="{FF2B5EF4-FFF2-40B4-BE49-F238E27FC236}">
+                <a16:creationId xmlns:a16="http://schemas.microsoft.com/office/drawing/2014/main" id="{46A0F886-4D22-40F9-A9D7-6267A5263C20}"/>
+              </a:ext>
+            </a:extLst>
+          </p:cNvPr>
+          <p:cNvSpPr txBox="1"/>
+          <p:nvPr/>
+        </p:nvSpPr>
+        <p:spPr>
+          <a:xfrm>
+            <a:off x="9343005" y="1122501"/>
+            <a:ext cx="1623099" cy="307777"/>
+          </a:xfrm>
+          <a:prstGeom prst="rect">
+            <a:avLst/>
+          </a:prstGeom>
+          <a:noFill/>
+          <a:ln w="19050">
+            <a:solidFill>
+              <a:schemeClr val="accent2">
+                <a:lumMod val="60000"/>
+                <a:lumOff val="40000"/>
+              </a:schemeClr>
+            </a:solidFill>
+          </a:ln>
+        </p:spPr>
+        <p:txBody>
+          <a:bodyPr wrap="square" rtlCol="0">
+            <a:spAutoFit/>
+          </a:bodyPr>
+          <a:lstStyle/>
+          <a:p>
+            <a:pPr algn="ctr"/>
+            <a:r>
+              <a:rPr lang="en-US" altLang="zh-TW" sz="1400" dirty="0"/>
+              <a:t>Place Name Input</a:t>
+            </a:r>
+            <a:endParaRPr lang="zh-TW" altLang="en-US" sz="1400" dirty="0"/>
+          </a:p>
+        </p:txBody>
+      </p:sp>
+      <p:cxnSp>
+        <p:nvCxnSpPr>
+          <p:cNvPr id="153" name="直線單箭頭接點 152">
+            <a:extLst>
+              <a:ext uri="{FF2B5EF4-FFF2-40B4-BE49-F238E27FC236}">
+                <a16:creationId xmlns:a16="http://schemas.microsoft.com/office/drawing/2014/main" id="{27D54CD3-50DE-4FAE-9312-4B3C4349F7EF}"/>
+              </a:ext>
+            </a:extLst>
+          </p:cNvPr>
+          <p:cNvCxnSpPr>
+            <a:cxnSpLocks/>
+            <a:stCxn id="146" idx="2"/>
+            <a:endCxn id="155" idx="0"/>
+          </p:cNvCxnSpPr>
+          <p:nvPr/>
+        </p:nvCxnSpPr>
+        <p:spPr>
+          <a:xfrm>
+            <a:off x="10154555" y="1430278"/>
+            <a:ext cx="1727" cy="261007"/>
+          </a:xfrm>
+          <a:prstGeom prst="straightConnector1">
+            <a:avLst/>
+          </a:prstGeom>
+          <a:ln w="19050">
+            <a:solidFill>
+              <a:schemeClr val="tx1"/>
+            </a:solidFill>
+            <a:prstDash val="dash"/>
+            <a:tailEnd type="triangle"/>
+          </a:ln>
+        </p:spPr>
+        <p:style>
+          <a:lnRef idx="1">
+            <a:schemeClr val="accent1"/>
+          </a:lnRef>
+          <a:fillRef idx="0">
+            <a:schemeClr val="accent1"/>
+          </a:fillRef>
+          <a:effectRef idx="0">
+            <a:schemeClr val="accent1"/>
+          </a:effectRef>
+          <a:fontRef idx="minor">
+            <a:schemeClr val="tx1"/>
+          </a:fontRef>
+        </p:style>
+      </p:cxnSp>
+      <p:sp>
+        <p:nvSpPr>
+          <p:cNvPr id="155" name="文字方塊 154">
+            <a:extLst>
+              <a:ext uri="{FF2B5EF4-FFF2-40B4-BE49-F238E27FC236}">
+                <a16:creationId xmlns:a16="http://schemas.microsoft.com/office/drawing/2014/main" id="{779CD12D-DCEC-408E-A0A6-F364C432FCF6}"/>
+              </a:ext>
+            </a:extLst>
+          </p:cNvPr>
+          <p:cNvSpPr txBox="1"/>
+          <p:nvPr/>
+        </p:nvSpPr>
+        <p:spPr>
+          <a:xfrm>
+            <a:off x="9346459" y="1691285"/>
+            <a:ext cx="1619646" cy="307777"/>
+          </a:xfrm>
+          <a:prstGeom prst="rect">
+            <a:avLst/>
+          </a:prstGeom>
+          <a:noFill/>
+          <a:ln w="19050">
+            <a:solidFill>
+              <a:schemeClr val="bg1">
+                <a:lumMod val="75000"/>
+              </a:schemeClr>
+            </a:solidFill>
+          </a:ln>
+        </p:spPr>
+        <p:txBody>
+          <a:bodyPr wrap="square" rtlCol="0">
+            <a:spAutoFit/>
+          </a:bodyPr>
+          <a:lstStyle/>
+          <a:p>
+            <a:pPr algn="ctr"/>
+            <a:r>
+              <a:rPr lang="en-US" altLang="zh-TW" sz="1400" dirty="0"/>
+              <a:t>Food Recommend</a:t>
+            </a:r>
+            <a:endParaRPr lang="zh-TW" altLang="en-US" sz="1400" dirty="0"/>
+          </a:p>
+        </p:txBody>
+      </p:sp>
+      <p:sp>
+        <p:nvSpPr>
+          <p:cNvPr id="160" name="文字方塊 159">
+            <a:extLst>
+              <a:ext uri="{FF2B5EF4-FFF2-40B4-BE49-F238E27FC236}">
+                <a16:creationId xmlns:a16="http://schemas.microsoft.com/office/drawing/2014/main" id="{DCB7DF85-3A25-4B94-8AB4-5FE85C1DC17A}"/>
+              </a:ext>
+            </a:extLst>
+          </p:cNvPr>
+          <p:cNvSpPr txBox="1"/>
+          <p:nvPr/>
+        </p:nvSpPr>
+        <p:spPr>
+          <a:xfrm>
+            <a:off x="6585380" y="788850"/>
+            <a:ext cx="2235093" cy="307777"/>
+          </a:xfrm>
+          <a:prstGeom prst="rect">
+            <a:avLst/>
+          </a:prstGeom>
+          <a:noFill/>
+        </p:spPr>
+        <p:txBody>
+          <a:bodyPr wrap="square" rtlCol="0">
+            <a:spAutoFit/>
+          </a:bodyPr>
+          <a:lstStyle/>
+          <a:p>
+            <a:r>
+              <a:rPr lang="en-US" altLang="zh-TW" sz="1400" dirty="0">
+                <a:solidFill>
+                  <a:srgbClr val="0070C0"/>
+                </a:solidFill>
+              </a:rPr>
+              <a:t>Post back -&gt; Post back </a:t>
+            </a:r>
+            <a:endParaRPr lang="zh-TW" altLang="en-US" sz="1400" dirty="0">
+              <a:solidFill>
+                <a:srgbClr val="0070C0"/>
+              </a:solidFill>
+            </a:endParaRPr>
+          </a:p>
+        </p:txBody>
+      </p:sp>
+      <p:sp>
+        <p:nvSpPr>
+          <p:cNvPr id="168" name="箭號: 弧形左彎 167">
+            <a:extLst>
+              <a:ext uri="{FF2B5EF4-FFF2-40B4-BE49-F238E27FC236}">
+                <a16:creationId xmlns:a16="http://schemas.microsoft.com/office/drawing/2014/main" id="{60E1FB7B-23A4-4005-B3AA-110473CB4A55}"/>
+              </a:ext>
+            </a:extLst>
+          </p:cNvPr>
+          <p:cNvSpPr/>
+          <p:nvPr/>
+        </p:nvSpPr>
+        <p:spPr>
+          <a:xfrm>
+            <a:off x="6150300" y="1343022"/>
+            <a:ext cx="254954" cy="478454"/>
+          </a:xfrm>
+          <a:prstGeom prst="curvedLeftArrow">
+            <a:avLst/>
+          </a:prstGeom>
+          <a:solidFill>
+            <a:srgbClr val="0070C0"/>
+          </a:solidFill>
+          <a:ln>
+            <a:solidFill>
+              <a:srgbClr val="0070C0"/>
+            </a:solidFill>
+          </a:ln>
+        </p:spPr>
+        <p:style>
+          <a:lnRef idx="2">
+            <a:schemeClr val="accent1">
+              <a:shade val="50000"/>
+            </a:schemeClr>
+          </a:lnRef>
+          <a:fillRef idx="1">
+            <a:schemeClr val="accent1"/>
+          </a:fillRef>
+          <a:effectRef idx="0">
+            <a:schemeClr val="accent1"/>
+          </a:effectRef>
+          <a:fontRef idx="minor">
+            <a:schemeClr val="lt1"/>
+          </a:fontRef>
+        </p:style>
+        <p:txBody>
+          <a:bodyPr rtlCol="0" anchor="ctr"/>
+          <a:lstStyle/>
+          <a:p>
+            <a:pPr algn="ctr"/>
+            <a:endParaRPr lang="zh-TW" altLang="en-US" sz="1400">
+              <a:solidFill>
+                <a:schemeClr val="tx1"/>
+              </a:solidFill>
+            </a:endParaRPr>
+          </a:p>
+        </p:txBody>
+      </p:sp>
+      <p:sp>
+        <p:nvSpPr>
+          <p:cNvPr id="169" name="文字方塊 168">
+            <a:extLst>
+              <a:ext uri="{FF2B5EF4-FFF2-40B4-BE49-F238E27FC236}">
+                <a16:creationId xmlns:a16="http://schemas.microsoft.com/office/drawing/2014/main" id="{E35C9E10-D09E-42E8-98E4-46A5BA6F876F}"/>
+              </a:ext>
+            </a:extLst>
+          </p:cNvPr>
+          <p:cNvSpPr txBox="1"/>
+          <p:nvPr/>
+        </p:nvSpPr>
+        <p:spPr>
+          <a:xfrm>
+            <a:off x="6597957" y="1427457"/>
+            <a:ext cx="2235093" cy="307777"/>
+          </a:xfrm>
+          <a:prstGeom prst="rect">
+            <a:avLst/>
+          </a:prstGeom>
+          <a:noFill/>
+        </p:spPr>
+        <p:txBody>
+          <a:bodyPr wrap="square" rtlCol="0">
+            <a:spAutoFit/>
+          </a:bodyPr>
+          <a:lstStyle/>
+          <a:p>
+            <a:r>
+              <a:rPr lang="en-US" altLang="zh-TW" sz="1400" dirty="0">
+                <a:solidFill>
+                  <a:srgbClr val="0070C0"/>
+                </a:solidFill>
+              </a:rPr>
+              <a:t>Post back -&gt; Post back </a:t>
+            </a:r>
+            <a:endParaRPr lang="zh-TW" altLang="en-US" sz="1400" dirty="0">
+              <a:solidFill>
+                <a:srgbClr val="0070C0"/>
+              </a:solidFill>
+            </a:endParaRPr>
+          </a:p>
+        </p:txBody>
+      </p:sp>
+      <p:sp>
+        <p:nvSpPr>
+          <p:cNvPr id="170" name="箭號: 弧形左彎 169">
+            <a:extLst>
+              <a:ext uri="{FF2B5EF4-FFF2-40B4-BE49-F238E27FC236}">
+                <a16:creationId xmlns:a16="http://schemas.microsoft.com/office/drawing/2014/main" id="{DB8BAE44-F34C-4DBB-AA26-E4F6EE9B4FDC}"/>
+              </a:ext>
+            </a:extLst>
+          </p:cNvPr>
+          <p:cNvSpPr/>
+          <p:nvPr/>
+        </p:nvSpPr>
+        <p:spPr>
+          <a:xfrm>
+            <a:off x="6150300" y="1869159"/>
+            <a:ext cx="254954" cy="491144"/>
+          </a:xfrm>
+          <a:prstGeom prst="curvedLeftArrow">
+            <a:avLst/>
+          </a:prstGeom>
+          <a:solidFill>
+            <a:srgbClr val="0070C0"/>
+          </a:solidFill>
+          <a:ln>
+            <a:solidFill>
+              <a:srgbClr val="0070C0"/>
+            </a:solidFill>
+          </a:ln>
+        </p:spPr>
+        <p:style>
+          <a:lnRef idx="2">
+            <a:schemeClr val="accent1">
+              <a:shade val="50000"/>
+            </a:schemeClr>
+          </a:lnRef>
+          <a:fillRef idx="1">
+            <a:schemeClr val="accent1"/>
+          </a:fillRef>
+          <a:effectRef idx="0">
+            <a:schemeClr val="accent1"/>
+          </a:effectRef>
+          <a:fontRef idx="minor">
+            <a:schemeClr val="lt1"/>
+          </a:fontRef>
+        </p:style>
+        <p:txBody>
+          <a:bodyPr rtlCol="0" anchor="ctr"/>
+          <a:lstStyle/>
+          <a:p>
+            <a:pPr algn="ctr"/>
+            <a:endParaRPr lang="zh-TW" altLang="en-US" sz="1400">
+              <a:solidFill>
+                <a:schemeClr val="tx1"/>
+              </a:solidFill>
+            </a:endParaRPr>
+          </a:p>
+        </p:txBody>
+      </p:sp>
+      <p:sp>
+        <p:nvSpPr>
+          <p:cNvPr id="171" name="文字方塊 170">
+            <a:extLst>
+              <a:ext uri="{FF2B5EF4-FFF2-40B4-BE49-F238E27FC236}">
+                <a16:creationId xmlns:a16="http://schemas.microsoft.com/office/drawing/2014/main" id="{45C879CC-2DBC-4DD3-A08E-1E01F1C6531F}"/>
+              </a:ext>
+            </a:extLst>
+          </p:cNvPr>
+          <p:cNvSpPr txBox="1"/>
+          <p:nvPr/>
+        </p:nvSpPr>
+        <p:spPr>
+          <a:xfrm>
+            <a:off x="6597957" y="1943332"/>
+            <a:ext cx="2235093" cy="307777"/>
+          </a:xfrm>
+          <a:prstGeom prst="rect">
+            <a:avLst/>
+          </a:prstGeom>
+          <a:noFill/>
+        </p:spPr>
+        <p:txBody>
+          <a:bodyPr wrap="square" rtlCol="0">
+            <a:spAutoFit/>
+          </a:bodyPr>
+          <a:lstStyle/>
+          <a:p>
+            <a:r>
+              <a:rPr lang="en-US" altLang="zh-TW" sz="1400" dirty="0">
+                <a:solidFill>
+                  <a:srgbClr val="0070C0"/>
+                </a:solidFill>
+              </a:rPr>
+              <a:t>Post back -&gt; Post back </a:t>
+            </a:r>
+            <a:endParaRPr lang="zh-TW" altLang="en-US" sz="1400" dirty="0">
+              <a:solidFill>
+                <a:srgbClr val="0070C0"/>
+              </a:solidFill>
+            </a:endParaRPr>
+          </a:p>
+        </p:txBody>
+      </p:sp>
+      <p:sp>
+        <p:nvSpPr>
+          <p:cNvPr id="172" name="箭號: 弧形左彎 171">
+            <a:extLst>
+              <a:ext uri="{FF2B5EF4-FFF2-40B4-BE49-F238E27FC236}">
+                <a16:creationId xmlns:a16="http://schemas.microsoft.com/office/drawing/2014/main" id="{463FA29D-3773-4CEA-B2CB-1080C1F47B64}"/>
+              </a:ext>
+            </a:extLst>
+          </p:cNvPr>
+          <p:cNvSpPr/>
+          <p:nvPr/>
+        </p:nvSpPr>
+        <p:spPr>
+          <a:xfrm>
+            <a:off x="6150300" y="2442080"/>
+            <a:ext cx="254954" cy="491144"/>
+          </a:xfrm>
+          <a:prstGeom prst="curvedLeftArrow">
+            <a:avLst/>
+          </a:prstGeom>
+          <a:solidFill>
+            <a:srgbClr val="0070C0"/>
+          </a:solidFill>
+          <a:ln>
+            <a:solidFill>
+              <a:srgbClr val="0070C0"/>
+            </a:solidFill>
+          </a:ln>
+        </p:spPr>
+        <p:style>
+          <a:lnRef idx="2">
+            <a:schemeClr val="accent1">
+              <a:shade val="50000"/>
+            </a:schemeClr>
+          </a:lnRef>
+          <a:fillRef idx="1">
+            <a:schemeClr val="accent1"/>
+          </a:fillRef>
+          <a:effectRef idx="0">
+            <a:schemeClr val="accent1"/>
+          </a:effectRef>
+          <a:fontRef idx="minor">
+            <a:schemeClr val="lt1"/>
+          </a:fontRef>
+        </p:style>
+        <p:txBody>
+          <a:bodyPr rtlCol="0" anchor="ctr"/>
+          <a:lstStyle/>
+          <a:p>
+            <a:pPr algn="ctr"/>
+            <a:endParaRPr lang="zh-TW" altLang="en-US" sz="1400">
+              <a:solidFill>
+                <a:schemeClr val="tx1"/>
+              </a:solidFill>
+            </a:endParaRPr>
+          </a:p>
+        </p:txBody>
+      </p:sp>
+      <p:sp>
+        <p:nvSpPr>
+          <p:cNvPr id="173" name="箭號: 弧形左彎 172">
+            <a:extLst>
+              <a:ext uri="{FF2B5EF4-FFF2-40B4-BE49-F238E27FC236}">
+                <a16:creationId xmlns:a16="http://schemas.microsoft.com/office/drawing/2014/main" id="{491D4D9E-EFD9-422C-B990-70A3C7C74B99}"/>
+              </a:ext>
+            </a:extLst>
+          </p:cNvPr>
+          <p:cNvSpPr/>
+          <p:nvPr/>
+        </p:nvSpPr>
+        <p:spPr>
+          <a:xfrm>
+            <a:off x="6150300" y="3000026"/>
+            <a:ext cx="254954" cy="535911"/>
+          </a:xfrm>
+          <a:prstGeom prst="curvedLeftArrow">
+            <a:avLst/>
+          </a:prstGeom>
+          <a:solidFill>
+            <a:srgbClr val="0070C0"/>
+          </a:solidFill>
+          <a:ln>
+            <a:solidFill>
+              <a:srgbClr val="0070C0"/>
+            </a:solidFill>
+          </a:ln>
+        </p:spPr>
+        <p:style>
+          <a:lnRef idx="2">
+            <a:schemeClr val="accent1">
+              <a:shade val="50000"/>
+            </a:schemeClr>
+          </a:lnRef>
+          <a:fillRef idx="1">
+            <a:schemeClr val="accent1"/>
+          </a:fillRef>
+          <a:effectRef idx="0">
+            <a:schemeClr val="accent1"/>
+          </a:effectRef>
+          <a:fontRef idx="minor">
+            <a:schemeClr val="lt1"/>
+          </a:fontRef>
+        </p:style>
+        <p:txBody>
+          <a:bodyPr rtlCol="0" anchor="ctr"/>
+          <a:lstStyle/>
+          <a:p>
+            <a:pPr algn="ctr"/>
+            <a:endParaRPr lang="zh-TW" altLang="en-US" sz="1400">
+              <a:solidFill>
+                <a:schemeClr val="tx1"/>
+              </a:solidFill>
+            </a:endParaRPr>
+          </a:p>
+        </p:txBody>
+      </p:sp>
+      <p:sp>
+        <p:nvSpPr>
+          <p:cNvPr id="174" name="箭號: 弧形左彎 173">
+            <a:extLst>
+              <a:ext uri="{FF2B5EF4-FFF2-40B4-BE49-F238E27FC236}">
+                <a16:creationId xmlns:a16="http://schemas.microsoft.com/office/drawing/2014/main" id="{CAB61C8B-8388-48F5-B83E-65FE494DA7E5}"/>
+              </a:ext>
+            </a:extLst>
+          </p:cNvPr>
+          <p:cNvSpPr/>
+          <p:nvPr/>
+        </p:nvSpPr>
+        <p:spPr>
+          <a:xfrm>
+            <a:off x="6150300" y="3559362"/>
+            <a:ext cx="254954" cy="535911"/>
+          </a:xfrm>
+          <a:prstGeom prst="curvedLeftArrow">
+            <a:avLst/>
+          </a:prstGeom>
+          <a:solidFill>
+            <a:srgbClr val="0070C0"/>
+          </a:solidFill>
+          <a:ln>
+            <a:solidFill>
+              <a:srgbClr val="0070C0"/>
+            </a:solidFill>
+          </a:ln>
+        </p:spPr>
+        <p:style>
+          <a:lnRef idx="2">
+            <a:schemeClr val="accent1">
+              <a:shade val="50000"/>
+            </a:schemeClr>
+          </a:lnRef>
+          <a:fillRef idx="1">
+            <a:schemeClr val="accent1"/>
+          </a:fillRef>
+          <a:effectRef idx="0">
+            <a:schemeClr val="accent1"/>
+          </a:effectRef>
+          <a:fontRef idx="minor">
+            <a:schemeClr val="lt1"/>
+          </a:fontRef>
+        </p:style>
+        <p:txBody>
+          <a:bodyPr rtlCol="0" anchor="ctr"/>
+          <a:lstStyle/>
+          <a:p>
+            <a:pPr algn="ctr"/>
+            <a:endParaRPr lang="zh-TW" altLang="en-US" sz="1400">
+              <a:solidFill>
+                <a:schemeClr val="tx1"/>
+              </a:solidFill>
+            </a:endParaRPr>
+          </a:p>
+        </p:txBody>
+      </p:sp>
+      <p:sp>
+        <p:nvSpPr>
+          <p:cNvPr id="175" name="箭號: 弧形左彎 174">
+            <a:extLst>
+              <a:ext uri="{FF2B5EF4-FFF2-40B4-BE49-F238E27FC236}">
+                <a16:creationId xmlns:a16="http://schemas.microsoft.com/office/drawing/2014/main" id="{9DE1DA86-1134-4FB6-82A1-03EB3019A003}"/>
+              </a:ext>
+            </a:extLst>
+          </p:cNvPr>
+          <p:cNvSpPr/>
+          <p:nvPr/>
+        </p:nvSpPr>
+        <p:spPr>
+          <a:xfrm>
+            <a:off x="6152027" y="4107358"/>
+            <a:ext cx="254954" cy="535911"/>
+          </a:xfrm>
+          <a:prstGeom prst="curvedLeftArrow">
+            <a:avLst/>
+          </a:prstGeom>
+          <a:solidFill>
+            <a:srgbClr val="0070C0"/>
+          </a:solidFill>
+          <a:ln>
+            <a:solidFill>
+              <a:srgbClr val="0070C0"/>
+            </a:solidFill>
+          </a:ln>
+        </p:spPr>
+        <p:style>
+          <a:lnRef idx="2">
+            <a:schemeClr val="accent1">
+              <a:shade val="50000"/>
+            </a:schemeClr>
+          </a:lnRef>
+          <a:fillRef idx="1">
+            <a:schemeClr val="accent1"/>
+          </a:fillRef>
+          <a:effectRef idx="0">
+            <a:schemeClr val="accent1"/>
+          </a:effectRef>
+          <a:fontRef idx="minor">
+            <a:schemeClr val="lt1"/>
+          </a:fontRef>
+        </p:style>
+        <p:txBody>
+          <a:bodyPr rtlCol="0" anchor="ctr"/>
+          <a:lstStyle/>
+          <a:p>
+            <a:pPr algn="ctr"/>
+            <a:endParaRPr lang="zh-TW" altLang="en-US" sz="1400">
+              <a:solidFill>
+                <a:schemeClr val="tx1"/>
+              </a:solidFill>
+            </a:endParaRPr>
+          </a:p>
+        </p:txBody>
+      </p:sp>
+      <p:sp>
+        <p:nvSpPr>
+          <p:cNvPr id="176" name="箭號: 弧形左彎 175">
+            <a:extLst>
+              <a:ext uri="{FF2B5EF4-FFF2-40B4-BE49-F238E27FC236}">
+                <a16:creationId xmlns:a16="http://schemas.microsoft.com/office/drawing/2014/main" id="{CD5EC1F1-465B-456F-AF29-AEFCC1FD28CD}"/>
+              </a:ext>
+            </a:extLst>
+          </p:cNvPr>
+          <p:cNvSpPr/>
+          <p:nvPr/>
+        </p:nvSpPr>
+        <p:spPr>
+          <a:xfrm rot="5400000" flipH="1" flipV="1">
+            <a:off x="7625398" y="-420388"/>
+            <a:ext cx="204608" cy="3230571"/>
+          </a:xfrm>
+          <a:prstGeom prst="curvedLeftArrow">
+            <a:avLst/>
+          </a:prstGeom>
+          <a:solidFill>
+            <a:srgbClr val="00B050"/>
+          </a:solidFill>
+          <a:ln>
+            <a:solidFill>
+              <a:srgbClr val="00B050"/>
+            </a:solidFill>
+          </a:ln>
+        </p:spPr>
+        <p:style>
+          <a:lnRef idx="2">
+            <a:schemeClr val="accent1">
+              <a:shade val="50000"/>
+            </a:schemeClr>
+          </a:lnRef>
+          <a:fillRef idx="1">
+            <a:schemeClr val="accent1"/>
+          </a:fillRef>
+          <a:effectRef idx="0">
+            <a:schemeClr val="accent1"/>
+          </a:effectRef>
+          <a:fontRef idx="minor">
+            <a:schemeClr val="lt1"/>
+          </a:fontRef>
+        </p:style>
+        <p:txBody>
+          <a:bodyPr rtlCol="0" anchor="ctr"/>
+          <a:lstStyle/>
+          <a:p>
+            <a:pPr algn="ctr"/>
+            <a:endParaRPr lang="zh-TW" altLang="en-US">
+              <a:solidFill>
+                <a:schemeClr val="tx1"/>
+              </a:solidFill>
+            </a:endParaRPr>
+          </a:p>
+        </p:txBody>
+      </p:sp>
+      <p:sp>
+        <p:nvSpPr>
+          <p:cNvPr id="178" name="文字方塊 177">
+            <a:extLst>
+              <a:ext uri="{FF2B5EF4-FFF2-40B4-BE49-F238E27FC236}">
+                <a16:creationId xmlns:a16="http://schemas.microsoft.com/office/drawing/2014/main" id="{C5D313B8-EC9D-4342-99AB-38A5B2C4DE9C}"/>
+              </a:ext>
+            </a:extLst>
+          </p:cNvPr>
+          <p:cNvSpPr txBox="1"/>
+          <p:nvPr/>
+        </p:nvSpPr>
+        <p:spPr>
+          <a:xfrm>
+            <a:off x="8576759" y="797263"/>
+            <a:ext cx="2235093" cy="307777"/>
+          </a:xfrm>
+          <a:prstGeom prst="rect">
+            <a:avLst/>
+          </a:prstGeom>
+          <a:noFill/>
+        </p:spPr>
+        <p:txBody>
+          <a:bodyPr wrap="square" rtlCol="0">
+            <a:spAutoFit/>
+          </a:bodyPr>
+          <a:lstStyle/>
+          <a:p>
+            <a:r>
+              <a:rPr lang="en-US" altLang="zh-TW" sz="1400" dirty="0">
+                <a:solidFill>
+                  <a:srgbClr val="00B050"/>
+                </a:solidFill>
+              </a:rPr>
+              <a:t>Post back -&gt;  Message</a:t>
+            </a:r>
+            <a:endParaRPr lang="zh-TW" altLang="en-US" sz="1400" dirty="0">
+              <a:solidFill>
+                <a:srgbClr val="00B050"/>
+              </a:solidFill>
+            </a:endParaRPr>
+          </a:p>
+        </p:txBody>
+      </p:sp>
+      <p:sp>
+        <p:nvSpPr>
+          <p:cNvPr id="184" name="文字方塊 183">
+            <a:extLst>
+              <a:ext uri="{FF2B5EF4-FFF2-40B4-BE49-F238E27FC236}">
+                <a16:creationId xmlns:a16="http://schemas.microsoft.com/office/drawing/2014/main" id="{FEECE0C1-D86D-460D-B07B-C0661619261F}"/>
+              </a:ext>
+            </a:extLst>
+          </p:cNvPr>
+          <p:cNvSpPr txBox="1"/>
+          <p:nvPr/>
+        </p:nvSpPr>
+        <p:spPr>
+          <a:xfrm>
+            <a:off x="10640677" y="816601"/>
+            <a:ext cx="2235093" cy="307777"/>
+          </a:xfrm>
+          <a:prstGeom prst="rect">
+            <a:avLst/>
+          </a:prstGeom>
+          <a:noFill/>
+        </p:spPr>
+        <p:txBody>
+          <a:bodyPr wrap="square" rtlCol="0">
+            <a:spAutoFit/>
+          </a:bodyPr>
+          <a:lstStyle/>
+          <a:p>
+            <a:r>
+              <a:rPr lang="en-US" altLang="zh-TW" sz="1400" dirty="0">
+                <a:solidFill>
+                  <a:srgbClr val="FF0000"/>
+                </a:solidFill>
+              </a:rPr>
+              <a:t>Message -&gt; Post back</a:t>
+            </a:r>
+            <a:endParaRPr lang="zh-TW" altLang="en-US" sz="1400" dirty="0">
+              <a:solidFill>
+                <a:srgbClr val="FF0000"/>
+              </a:solidFill>
+            </a:endParaRPr>
+          </a:p>
+        </p:txBody>
+      </p:sp>
+      <p:sp>
+        <p:nvSpPr>
+          <p:cNvPr id="185" name="箭號: 弧形左彎 184">
+            <a:extLst>
+              <a:ext uri="{FF2B5EF4-FFF2-40B4-BE49-F238E27FC236}">
+                <a16:creationId xmlns:a16="http://schemas.microsoft.com/office/drawing/2014/main" id="{922F41BB-61C5-491D-8285-106A30F79993}"/>
+              </a:ext>
+            </a:extLst>
+          </p:cNvPr>
+          <p:cNvSpPr/>
+          <p:nvPr/>
+        </p:nvSpPr>
+        <p:spPr>
+          <a:xfrm>
+            <a:off x="10989317" y="1339562"/>
+            <a:ext cx="254948" cy="478454"/>
+          </a:xfrm>
+          <a:prstGeom prst="curvedLeftArrow">
+            <a:avLst/>
+          </a:prstGeom>
+          <a:solidFill>
+            <a:srgbClr val="FF0000"/>
+          </a:solidFill>
+          <a:ln>
+            <a:solidFill>
+              <a:srgbClr val="FF0000"/>
+            </a:solidFill>
+          </a:ln>
+        </p:spPr>
+        <p:style>
+          <a:lnRef idx="2">
+            <a:schemeClr val="accent1">
+              <a:shade val="50000"/>
+            </a:schemeClr>
+          </a:lnRef>
+          <a:fillRef idx="1">
+            <a:schemeClr val="accent1"/>
+          </a:fillRef>
+          <a:effectRef idx="0">
+            <a:schemeClr val="accent1"/>
+          </a:effectRef>
+          <a:fontRef idx="minor">
+            <a:schemeClr val="lt1"/>
+          </a:fontRef>
+        </p:style>
+        <p:txBody>
+          <a:bodyPr rtlCol="0" anchor="ctr"/>
+          <a:lstStyle/>
+          <a:p>
+            <a:pPr algn="ctr"/>
+            <a:endParaRPr lang="zh-TW" altLang="en-US" sz="1400">
+              <a:solidFill>
+                <a:schemeClr val="tx1"/>
+              </a:solidFill>
+            </a:endParaRPr>
+          </a:p>
+        </p:txBody>
+      </p:sp>
+      <p:sp>
+        <p:nvSpPr>
+          <p:cNvPr id="186" name="箭號: 弧形左彎 185">
+            <a:extLst>
+              <a:ext uri="{FF2B5EF4-FFF2-40B4-BE49-F238E27FC236}">
+                <a16:creationId xmlns:a16="http://schemas.microsoft.com/office/drawing/2014/main" id="{3B77B9F5-7CD7-4199-BE93-E566CFE91B8B}"/>
+              </a:ext>
+            </a:extLst>
+          </p:cNvPr>
+          <p:cNvSpPr/>
+          <p:nvPr/>
+        </p:nvSpPr>
+        <p:spPr>
+          <a:xfrm flipH="1">
+            <a:off x="846574" y="3574694"/>
+            <a:ext cx="250329" cy="532664"/>
+          </a:xfrm>
+          <a:prstGeom prst="curvedLeftArrow">
+            <a:avLst/>
+          </a:prstGeom>
+          <a:solidFill>
+            <a:srgbClr val="FF0000"/>
+          </a:solidFill>
+          <a:ln>
+            <a:solidFill>
+              <a:srgbClr val="FF0000"/>
+            </a:solidFill>
+          </a:ln>
+        </p:spPr>
+        <p:style>
+          <a:lnRef idx="2">
+            <a:schemeClr val="accent1">
+              <a:shade val="50000"/>
+            </a:schemeClr>
+          </a:lnRef>
+          <a:fillRef idx="1">
+            <a:schemeClr val="accent1"/>
+          </a:fillRef>
+          <a:effectRef idx="0">
+            <a:schemeClr val="accent1"/>
+          </a:effectRef>
+          <a:fontRef idx="minor">
+            <a:schemeClr val="lt1"/>
+          </a:fontRef>
+        </p:style>
+        <p:txBody>
+          <a:bodyPr rtlCol="0" anchor="ctr"/>
+          <a:lstStyle/>
+          <a:p>
+            <a:pPr algn="ctr"/>
+            <a:endParaRPr lang="zh-TW" altLang="en-US" sz="1400">
+              <a:solidFill>
+                <a:schemeClr val="tx1"/>
+              </a:solidFill>
+            </a:endParaRPr>
+          </a:p>
+        </p:txBody>
+      </p:sp>
+      <p:sp>
+        <p:nvSpPr>
+          <p:cNvPr id="187" name="文字方塊 186">
+            <a:extLst>
+              <a:ext uri="{FF2B5EF4-FFF2-40B4-BE49-F238E27FC236}">
+                <a16:creationId xmlns:a16="http://schemas.microsoft.com/office/drawing/2014/main" id="{F3BC8889-12CD-4A4E-8CED-7A773159FBD1}"/>
+              </a:ext>
+            </a:extLst>
+          </p:cNvPr>
+          <p:cNvSpPr txBox="1"/>
+          <p:nvPr/>
+        </p:nvSpPr>
+        <p:spPr>
+          <a:xfrm>
+            <a:off x="69989" y="4219653"/>
+            <a:ext cx="2235093" cy="307777"/>
+          </a:xfrm>
+          <a:prstGeom prst="rect">
+            <a:avLst/>
+          </a:prstGeom>
+          <a:noFill/>
+        </p:spPr>
+        <p:txBody>
+          <a:bodyPr wrap="square" rtlCol="0">
+            <a:spAutoFit/>
+          </a:bodyPr>
+          <a:lstStyle/>
+          <a:p>
+            <a:r>
+              <a:rPr lang="en-US" altLang="zh-TW" sz="1400" dirty="0">
+                <a:solidFill>
+                  <a:srgbClr val="FF0000"/>
+                </a:solidFill>
+              </a:rPr>
+              <a:t>Message -&gt; Post back</a:t>
+            </a:r>
+            <a:endParaRPr lang="zh-TW" altLang="en-US" sz="1400" dirty="0">
+              <a:solidFill>
+                <a:srgbClr val="FF0000"/>
+              </a:solidFill>
+            </a:endParaRPr>
+          </a:p>
+        </p:txBody>
+      </p:sp>
+      <p:sp>
+        <p:nvSpPr>
+          <p:cNvPr id="235" name="文字方塊 234">
+            <a:extLst>
+              <a:ext uri="{FF2B5EF4-FFF2-40B4-BE49-F238E27FC236}">
+                <a16:creationId xmlns:a16="http://schemas.microsoft.com/office/drawing/2014/main" id="{ACE6855B-A45E-443A-944D-00F94266AFFF}"/>
+              </a:ext>
+            </a:extLst>
+          </p:cNvPr>
+          <p:cNvSpPr txBox="1"/>
+          <p:nvPr/>
+        </p:nvSpPr>
+        <p:spPr>
+          <a:xfrm>
+            <a:off x="94669" y="86476"/>
+            <a:ext cx="2353585" cy="276999"/>
+          </a:xfrm>
+          <a:prstGeom prst="rect">
+            <a:avLst/>
+          </a:prstGeom>
+          <a:noFill/>
+          <a:ln>
+            <a:solidFill>
+              <a:schemeClr val="tx1"/>
+            </a:solidFill>
+          </a:ln>
+        </p:spPr>
+        <p:txBody>
+          <a:bodyPr wrap="square" rtlCol="0">
+            <a:spAutoFit/>
+          </a:bodyPr>
+          <a:lstStyle/>
+          <a:p>
+            <a:pPr algn="ctr"/>
+            <a:r>
+              <a:rPr lang="en-US" altLang="zh-TW" sz="1200" dirty="0"/>
+              <a:t>Function apply process (New)</a:t>
+            </a:r>
+            <a:endParaRPr lang="zh-TW" altLang="en-US" sz="1200" dirty="0"/>
+          </a:p>
+        </p:txBody>
+      </p:sp>
+      <p:sp>
+        <p:nvSpPr>
+          <p:cNvPr id="236" name="文字方塊 235">
+            <a:extLst>
+              <a:ext uri="{FF2B5EF4-FFF2-40B4-BE49-F238E27FC236}">
+                <a16:creationId xmlns:a16="http://schemas.microsoft.com/office/drawing/2014/main" id="{1E3A19A4-3D7B-4BB1-9FB7-4A1B4380C8EA}"/>
+              </a:ext>
+            </a:extLst>
+          </p:cNvPr>
+          <p:cNvSpPr txBox="1"/>
+          <p:nvPr/>
+        </p:nvSpPr>
+        <p:spPr>
+          <a:xfrm>
+            <a:off x="110990" y="536572"/>
+            <a:ext cx="3347106" cy="1015663"/>
+          </a:xfrm>
+          <a:prstGeom prst="rect">
+            <a:avLst/>
+          </a:prstGeom>
+          <a:noFill/>
+          <a:ln>
+            <a:solidFill>
+              <a:srgbClr val="002060"/>
+            </a:solidFill>
+            <a:prstDash val="dash"/>
+          </a:ln>
+        </p:spPr>
+        <p:txBody>
+          <a:bodyPr wrap="square" rtlCol="0">
+            <a:spAutoFit/>
+          </a:bodyPr>
+          <a:lstStyle/>
+          <a:p>
+            <a:r>
+              <a:rPr lang="en-US" altLang="zh-TW" sz="1200" dirty="0"/>
+              <a:t>Special handle stage :</a:t>
+            </a:r>
+          </a:p>
+          <a:p>
+            <a:r>
+              <a:rPr lang="en-US" altLang="zh-TW" sz="1200" dirty="0">
+                <a:solidFill>
+                  <a:srgbClr val="FF0000"/>
+                </a:solidFill>
+              </a:rPr>
+              <a:t>Message -&gt; Post back :</a:t>
+            </a:r>
+            <a:endParaRPr lang="zh-TW" altLang="en-US" sz="1200" dirty="0">
+              <a:solidFill>
+                <a:srgbClr val="FF0000"/>
+              </a:solidFill>
+            </a:endParaRPr>
+          </a:p>
+          <a:p>
+            <a:r>
+              <a:rPr lang="en-US" altLang="zh-TW" sz="1200" dirty="0">
+                <a:solidFill>
+                  <a:srgbClr val="FF0000"/>
+                </a:solidFill>
+              </a:rPr>
+              <a:t>Entering message</a:t>
+            </a:r>
+            <a:r>
+              <a:rPr lang="zh-TW" altLang="en-US" sz="1200" dirty="0">
+                <a:solidFill>
+                  <a:srgbClr val="FF0000"/>
+                </a:solidFill>
+              </a:rPr>
+              <a:t> </a:t>
+            </a:r>
+            <a:r>
+              <a:rPr lang="en-US" altLang="zh-TW" sz="1200" dirty="0"/>
+              <a:t>,</a:t>
+            </a:r>
+            <a:r>
+              <a:rPr lang="zh-TW" altLang="en-US" sz="1200" dirty="0"/>
+              <a:t> </a:t>
+            </a:r>
+            <a:r>
+              <a:rPr lang="en-US" altLang="zh-TW" sz="1200" dirty="0">
+                <a:solidFill>
+                  <a:srgbClr val="FF0000"/>
+                </a:solidFill>
+              </a:rPr>
+              <a:t>Sightseeing</a:t>
+            </a:r>
+            <a:r>
+              <a:rPr lang="en-US" altLang="zh-TW" sz="1200" dirty="0"/>
+              <a:t> , </a:t>
+            </a:r>
+            <a:r>
+              <a:rPr lang="en-US" altLang="zh-TW" sz="1200" dirty="0">
+                <a:solidFill>
+                  <a:srgbClr val="FF0000"/>
+                </a:solidFill>
+              </a:rPr>
+              <a:t>Hotel Name Input</a:t>
+            </a:r>
+          </a:p>
+          <a:p>
+            <a:r>
+              <a:rPr lang="en-US" altLang="zh-TW" sz="1200" dirty="0">
+                <a:solidFill>
+                  <a:srgbClr val="00B050"/>
+                </a:solidFill>
+              </a:rPr>
+              <a:t>Post back -&gt;  Message:</a:t>
+            </a:r>
+            <a:endParaRPr lang="zh-TW" altLang="en-US" sz="1200" dirty="0">
+              <a:solidFill>
+                <a:srgbClr val="FF0000"/>
+              </a:solidFill>
+            </a:endParaRPr>
+          </a:p>
+          <a:p>
+            <a:r>
+              <a:rPr lang="en-US" altLang="zh-TW" sz="1200" dirty="0">
+                <a:solidFill>
+                  <a:srgbClr val="00B050"/>
+                </a:solidFill>
+              </a:rPr>
+              <a:t>Food </a:t>
+            </a:r>
+            <a:r>
+              <a:rPr lang="en-US" altLang="zh-TW" sz="1200" dirty="0"/>
+              <a:t> , </a:t>
+            </a:r>
+            <a:r>
+              <a:rPr lang="en-US" altLang="zh-TW" sz="1200" dirty="0">
+                <a:solidFill>
+                  <a:srgbClr val="00B050"/>
+                </a:solidFill>
+              </a:rPr>
+              <a:t>Need Recommend Or Not</a:t>
+            </a:r>
+            <a:r>
+              <a:rPr lang="zh-TW" altLang="en-US" sz="1200" dirty="0">
+                <a:solidFill>
+                  <a:srgbClr val="00B050"/>
+                </a:solidFill>
+              </a:rPr>
+              <a:t> </a:t>
+            </a:r>
+            <a:r>
+              <a:rPr lang="en-US" altLang="zh-TW" sz="1200" dirty="0">
+                <a:solidFill>
+                  <a:srgbClr val="00B050"/>
+                </a:solidFill>
+              </a:rPr>
+              <a:t>(with NO)</a:t>
+            </a:r>
+          </a:p>
+        </p:txBody>
+      </p:sp>
+      <p:sp>
+        <p:nvSpPr>
+          <p:cNvPr id="237" name="矩形 236">
+            <a:extLst>
+              <a:ext uri="{FF2B5EF4-FFF2-40B4-BE49-F238E27FC236}">
+                <a16:creationId xmlns:a16="http://schemas.microsoft.com/office/drawing/2014/main" id="{38F64B67-C6DE-4710-ADF8-AD92EA898743}"/>
+              </a:ext>
+            </a:extLst>
+          </p:cNvPr>
+          <p:cNvSpPr/>
+          <p:nvPr/>
+        </p:nvSpPr>
+        <p:spPr>
+          <a:xfrm>
+            <a:off x="275369" y="1674499"/>
+            <a:ext cx="914400" cy="143469"/>
+          </a:xfrm>
+          <a:prstGeom prst="rect">
+            <a:avLst/>
+          </a:prstGeom>
+          <a:noFill/>
+          <a:ln w="57150">
+            <a:solidFill>
+              <a:srgbClr val="FFC000"/>
+            </a:solidFill>
+          </a:ln>
+        </p:spPr>
+        <p:style>
+          <a:lnRef idx="2">
+            <a:schemeClr val="accent1">
+              <a:shade val="50000"/>
+            </a:schemeClr>
+          </a:lnRef>
+          <a:fillRef idx="1">
+            <a:schemeClr val="accent1"/>
+          </a:fillRef>
+          <a:effectRef idx="0">
+            <a:schemeClr val="accent1"/>
+          </a:effectRef>
+          <a:fontRef idx="minor">
+            <a:schemeClr val="lt1"/>
+          </a:fontRef>
+        </p:style>
+        <p:txBody>
+          <a:bodyPr rtlCol="0" anchor="ctr"/>
+          <a:lstStyle/>
+          <a:p>
+            <a:pPr algn="ctr"/>
+            <a:endParaRPr lang="zh-TW" altLang="en-US" sz="1200"/>
+          </a:p>
+        </p:txBody>
+      </p:sp>
+      <p:sp>
+        <p:nvSpPr>
+          <p:cNvPr id="238" name="文字方塊 237">
+            <a:extLst>
+              <a:ext uri="{FF2B5EF4-FFF2-40B4-BE49-F238E27FC236}">
+                <a16:creationId xmlns:a16="http://schemas.microsoft.com/office/drawing/2014/main" id="{75D768F9-5E1E-4A4D-93AF-253E1A88A2AE}"/>
+              </a:ext>
+            </a:extLst>
+          </p:cNvPr>
+          <p:cNvSpPr txBox="1"/>
+          <p:nvPr/>
+        </p:nvSpPr>
+        <p:spPr>
+          <a:xfrm>
+            <a:off x="977067" y="1619645"/>
+            <a:ext cx="1774348" cy="276999"/>
+          </a:xfrm>
+          <a:prstGeom prst="rect">
+            <a:avLst/>
+          </a:prstGeom>
+          <a:noFill/>
+        </p:spPr>
+        <p:txBody>
+          <a:bodyPr wrap="square" rtlCol="0">
+            <a:spAutoFit/>
+          </a:bodyPr>
+          <a:lstStyle/>
+          <a:p>
+            <a:pPr algn="ctr"/>
+            <a:r>
+              <a:rPr lang="en-US" altLang="zh-TW" sz="1200" dirty="0"/>
+              <a:t>are </a:t>
+            </a:r>
+            <a:r>
+              <a:rPr lang="en-US" altLang="zh-TW" sz="1200" dirty="0" err="1"/>
+              <a:t>attrs</a:t>
+            </a:r>
+            <a:r>
+              <a:rPr lang="en-US" altLang="zh-TW" sz="1200" dirty="0"/>
+              <a:t> stored</a:t>
+            </a:r>
+            <a:endParaRPr lang="zh-TW" altLang="en-US" sz="1200" dirty="0"/>
+          </a:p>
+        </p:txBody>
+      </p:sp>
+      <p:sp>
+        <p:nvSpPr>
+          <p:cNvPr id="239" name="矩形 238">
+            <a:extLst>
+              <a:ext uri="{FF2B5EF4-FFF2-40B4-BE49-F238E27FC236}">
+                <a16:creationId xmlns:a16="http://schemas.microsoft.com/office/drawing/2014/main" id="{C2A1BFE4-C24E-41EC-8656-5ADC049773F4}"/>
+              </a:ext>
+            </a:extLst>
+          </p:cNvPr>
+          <p:cNvSpPr/>
+          <p:nvPr/>
+        </p:nvSpPr>
+        <p:spPr>
+          <a:xfrm>
+            <a:off x="278806" y="2016637"/>
+            <a:ext cx="914400" cy="143469"/>
+          </a:xfrm>
+          <a:prstGeom prst="rect">
+            <a:avLst/>
+          </a:prstGeom>
+          <a:noFill/>
+          <a:ln w="57150">
+            <a:solidFill>
+              <a:schemeClr val="bg1">
+                <a:lumMod val="75000"/>
+              </a:schemeClr>
+            </a:solidFill>
+          </a:ln>
+        </p:spPr>
+        <p:style>
+          <a:lnRef idx="2">
+            <a:schemeClr val="accent1">
+              <a:shade val="50000"/>
+            </a:schemeClr>
+          </a:lnRef>
+          <a:fillRef idx="1">
+            <a:schemeClr val="accent1"/>
+          </a:fillRef>
+          <a:effectRef idx="0">
+            <a:schemeClr val="accent1"/>
+          </a:effectRef>
+          <a:fontRef idx="minor">
+            <a:schemeClr val="lt1"/>
+          </a:fontRef>
+        </p:style>
+        <p:txBody>
+          <a:bodyPr rtlCol="0" anchor="ctr"/>
+          <a:lstStyle/>
+          <a:p>
+            <a:pPr algn="ctr"/>
+            <a:endParaRPr lang="zh-TW" altLang="en-US" sz="1200"/>
+          </a:p>
+        </p:txBody>
+      </p:sp>
+      <p:sp>
+        <p:nvSpPr>
+          <p:cNvPr id="240" name="文字方塊 239">
+            <a:extLst>
+              <a:ext uri="{FF2B5EF4-FFF2-40B4-BE49-F238E27FC236}">
+                <a16:creationId xmlns:a16="http://schemas.microsoft.com/office/drawing/2014/main" id="{D657B5D7-4469-40B5-ADC4-F752D094A3C0}"/>
+              </a:ext>
+            </a:extLst>
+          </p:cNvPr>
+          <p:cNvSpPr txBox="1"/>
+          <p:nvPr/>
+        </p:nvSpPr>
+        <p:spPr>
+          <a:xfrm>
+            <a:off x="985347" y="1940569"/>
+            <a:ext cx="2115005" cy="276999"/>
+          </a:xfrm>
+          <a:prstGeom prst="rect">
+            <a:avLst/>
+          </a:prstGeom>
+          <a:noFill/>
+        </p:spPr>
+        <p:txBody>
+          <a:bodyPr wrap="square" rtlCol="0">
+            <a:spAutoFit/>
+          </a:bodyPr>
+          <a:lstStyle/>
+          <a:p>
+            <a:pPr algn="ctr"/>
+            <a:r>
+              <a:rPr lang="en-US" altLang="zh-TW" sz="1200" dirty="0"/>
+              <a:t>are </a:t>
+            </a:r>
+            <a:r>
+              <a:rPr lang="en-US" altLang="zh-TW" sz="1200" dirty="0" err="1"/>
+              <a:t>attrs</a:t>
+            </a:r>
+            <a:r>
+              <a:rPr lang="en-US" altLang="zh-TW" sz="1200" dirty="0"/>
+              <a:t> NOT stored</a:t>
+            </a:r>
+            <a:endParaRPr lang="zh-TW" altLang="en-US" sz="1200" dirty="0"/>
+          </a:p>
+        </p:txBody>
+      </p:sp>
+    </p:spTree>
+    <p:extLst>
+      <p:ext uri="{BB962C8B-B14F-4D97-AF65-F5344CB8AC3E}">
+        <p14:creationId xmlns:p14="http://schemas.microsoft.com/office/powerpoint/2010/main" val="1404654862"/>
+      </p:ext>
+    </p:extLst>
+  </p:cSld>
+  <p:clrMapOvr>
+    <a:masterClrMapping/>
+  </p:clrMapOvr>
+</p:sld>
+</file>
+
+<file path=ppt/slides/slide4.xml><?xml version="1.0" encoding="utf-8"?>
 <p:sld xmlns:a="http://schemas.openxmlformats.org/drawingml/2006/main" xmlns:r="http://schemas.openxmlformats.org/officeDocument/2006/relationships" xmlns:p="http://schemas.openxmlformats.org/presentationml/2006/main">
   <p:cSld>
     <p:spTree>
@@ -11947,4 +16079,299 @@
     </a:ext>
   </a:extLst>
 </a:theme>
+</file>
+
+<file path=ppt/theme/theme2.xml><?xml version="1.0" encoding="utf-8"?>
+<a:theme xmlns:a="http://schemas.openxmlformats.org/drawingml/2006/main" name="Office 佈景主題">
+  <a:themeElements>
+    <a:clrScheme name="Office">
+      <a:dk1>
+        <a:sysClr val="windowText" lastClr="000000"/>
+      </a:dk1>
+      <a:lt1>
+        <a:sysClr val="window" lastClr="FFFFFF"/>
+      </a:lt1>
+      <a:dk2>
+        <a:srgbClr val="44546A"/>
+      </a:dk2>
+      <a:lt2>
+        <a:srgbClr val="E7E6E6"/>
+      </a:lt2>
+      <a:accent1>
+        <a:srgbClr val="4472C4"/>
+      </a:accent1>
+      <a:accent2>
+        <a:srgbClr val="ED7D31"/>
+      </a:accent2>
+      <a:accent3>
+        <a:srgbClr val="A5A5A5"/>
+      </a:accent3>
+      <a:accent4>
+        <a:srgbClr val="FFC000"/>
+      </a:accent4>
+      <a:accent5>
+        <a:srgbClr val="5B9BD5"/>
+      </a:accent5>
+      <a:accent6>
+        <a:srgbClr val="70AD47"/>
+      </a:accent6>
+      <a:hlink>
+        <a:srgbClr val="0563C1"/>
+      </a:hlink>
+      <a:folHlink>
+        <a:srgbClr val="954F72"/>
+      </a:folHlink>
+    </a:clrScheme>
+    <a:fontScheme name="Office">
+      <a:majorFont>
+        <a:latin typeface="Calibri Light" panose="020F0302020204030204"/>
+        <a:ea typeface=""/>
+        <a:cs typeface=""/>
+        <a:font script="Jpan" typeface="游ゴシック Light"/>
+        <a:font script="Hang" typeface="맑은 고딕"/>
+        <a:font script="Hans" typeface="等线 Light"/>
+        <a:font script="Hant" typeface="新細明體"/>
+        <a:font script="Arab" typeface="Times New Roman"/>
+        <a:font script="Hebr" typeface="Times New Roman"/>
+        <a:font script="Thai" typeface="Angsana New"/>
+        <a:font script="Ethi" typeface="Nyala"/>
+        <a:font script="Beng" typeface="Vrinda"/>
+        <a:font script="Gujr" typeface="Shruti"/>
+        <a:font script="Khmr" typeface="MoolBoran"/>
+        <a:font script="Knda" typeface="Tunga"/>
+        <a:font script="Guru" typeface="Raavi"/>
+        <a:font script="Cans" typeface="Euphemia"/>
+        <a:font script="Cher" typeface="Plantagenet Cherokee"/>
+        <a:font script="Yiii" typeface="Microsoft Yi Baiti"/>
+        <a:font script="Tibt" typeface="Microsoft Himalaya"/>
+        <a:font script="Thaa" typeface="MV Boli"/>
+        <a:font script="Deva" typeface="Mangal"/>
+        <a:font script="Telu" typeface="Gautami"/>
+        <a:font script="Taml" typeface="Latha"/>
+        <a:font script="Syrc" typeface="Estrangelo Edessa"/>
+        <a:font script="Orya" typeface="Kalinga"/>
+        <a:font script="Mlym" typeface="Kartika"/>
+        <a:font script="Laoo" typeface="DokChampa"/>
+        <a:font script="Sinh" typeface="Iskoola Pota"/>
+        <a:font script="Mong" typeface="Mongolian Baiti"/>
+        <a:font script="Viet" typeface="Times New Roman"/>
+        <a:font script="Uigh" typeface="Microsoft Uighur"/>
+        <a:font script="Geor" typeface="Sylfaen"/>
+        <a:font script="Armn" typeface="Arial"/>
+        <a:font script="Bugi" typeface="Leelawadee UI"/>
+        <a:font script="Bopo" typeface="Microsoft JhengHei"/>
+        <a:font script="Java" typeface="Javanese Text"/>
+        <a:font script="Lisu" typeface="Segoe UI"/>
+        <a:font script="Mymr" typeface="Myanmar Text"/>
+        <a:font script="Nkoo" typeface="Ebrima"/>
+        <a:font script="Olck" typeface="Nirmala UI"/>
+        <a:font script="Osma" typeface="Ebrima"/>
+        <a:font script="Phag" typeface="Phagspa"/>
+        <a:font script="Syrn" typeface="Estrangelo Edessa"/>
+        <a:font script="Syrj" typeface="Estrangelo Edessa"/>
+        <a:font script="Syre" typeface="Estrangelo Edessa"/>
+        <a:font script="Sora" typeface="Nirmala UI"/>
+        <a:font script="Tale" typeface="Microsoft Tai Le"/>
+        <a:font script="Talu" typeface="Microsoft New Tai Lue"/>
+        <a:font script="Tfng" typeface="Ebrima"/>
+      </a:majorFont>
+      <a:minorFont>
+        <a:latin typeface="Calibri" panose="020F0502020204030204"/>
+        <a:ea typeface=""/>
+        <a:cs typeface=""/>
+        <a:font script="Jpan" typeface="游ゴシック"/>
+        <a:font script="Hang" typeface="맑은 고딕"/>
+        <a:font script="Hans" typeface="等线"/>
+        <a:font script="Hant" typeface="新細明體"/>
+        <a:font script="Arab" typeface="Arial"/>
+        <a:font script="Hebr" typeface="Arial"/>
+        <a:font script="Thai" typeface="Cordia New"/>
+        <a:font script="Ethi" typeface="Nyala"/>
+        <a:font script="Beng" typeface="Vrinda"/>
+        <a:font script="Gujr" typeface="Shruti"/>
+        <a:font script="Khmr" typeface="DaunPenh"/>
+        <a:font script="Knda" typeface="Tunga"/>
+        <a:font script="Guru" typeface="Raavi"/>
+        <a:font script="Cans" typeface="Euphemia"/>
+        <a:font script="Cher" typeface="Plantagenet Cherokee"/>
+        <a:font script="Yiii" typeface="Microsoft Yi Baiti"/>
+        <a:font script="Tibt" typeface="Microsoft Himalaya"/>
+        <a:font script="Thaa" typeface="MV Boli"/>
+        <a:font script="Deva" typeface="Mangal"/>
+        <a:font script="Telu" typeface="Gautami"/>
+        <a:font script="Taml" typeface="Latha"/>
+        <a:font script="Syrc" typeface="Estrangelo Edessa"/>
+        <a:font script="Orya" typeface="Kalinga"/>
+        <a:font script="Mlym" typeface="Kartika"/>
+        <a:font script="Laoo" typeface="DokChampa"/>
+        <a:font script="Sinh" typeface="Iskoola Pota"/>
+        <a:font script="Mong" typeface="Mongolian Baiti"/>
+        <a:font script="Viet" typeface="Arial"/>
+        <a:font script="Uigh" typeface="Microsoft Uighur"/>
+        <a:font script="Geor" typeface="Sylfaen"/>
+        <a:font script="Armn" typeface="Arial"/>
+        <a:font script="Bugi" typeface="Leelawadee UI"/>
+        <a:font script="Bopo" typeface="Microsoft JhengHei"/>
+        <a:font script="Java" typeface="Javanese Text"/>
+        <a:font script="Lisu" typeface="Segoe UI"/>
+        <a:font script="Mymr" typeface="Myanmar Text"/>
+        <a:font script="Nkoo" typeface="Ebrima"/>
+        <a:font script="Olck" typeface="Nirmala UI"/>
+        <a:font script="Osma" typeface="Ebrima"/>
+        <a:font script="Phag" typeface="Phagspa"/>
+        <a:font script="Syrn" typeface="Estrangelo Edessa"/>
+        <a:font script="Syrj" typeface="Estrangelo Edessa"/>
+        <a:font script="Syre" typeface="Estrangelo Edessa"/>
+        <a:font script="Sora" typeface="Nirmala UI"/>
+        <a:font script="Tale" typeface="Microsoft Tai Le"/>
+        <a:font script="Talu" typeface="Microsoft New Tai Lue"/>
+        <a:font script="Tfng" typeface="Ebrima"/>
+      </a:minorFont>
+    </a:fontScheme>
+    <a:fmtScheme name="Office">
+      <a:fillStyleLst>
+        <a:solidFill>
+          <a:schemeClr val="phClr"/>
+        </a:solidFill>
+        <a:gradFill rotWithShape="1">
+          <a:gsLst>
+            <a:gs pos="0">
+              <a:schemeClr val="phClr">
+                <a:lumMod val="110000"/>
+                <a:satMod val="105000"/>
+                <a:tint val="67000"/>
+              </a:schemeClr>
+            </a:gs>
+            <a:gs pos="50000">
+              <a:schemeClr val="phClr">
+                <a:lumMod val="105000"/>
+                <a:satMod val="103000"/>
+                <a:tint val="73000"/>
+              </a:schemeClr>
+            </a:gs>
+            <a:gs pos="100000">
+              <a:schemeClr val="phClr">
+                <a:lumMod val="105000"/>
+                <a:satMod val="109000"/>
+                <a:tint val="81000"/>
+              </a:schemeClr>
+            </a:gs>
+          </a:gsLst>
+          <a:lin ang="5400000" scaled="0"/>
+        </a:gradFill>
+        <a:gradFill rotWithShape="1">
+          <a:gsLst>
+            <a:gs pos="0">
+              <a:schemeClr val="phClr">
+                <a:satMod val="103000"/>
+                <a:lumMod val="102000"/>
+                <a:tint val="94000"/>
+              </a:schemeClr>
+            </a:gs>
+            <a:gs pos="50000">
+              <a:schemeClr val="phClr">
+                <a:satMod val="110000"/>
+                <a:lumMod val="100000"/>
+                <a:shade val="100000"/>
+              </a:schemeClr>
+            </a:gs>
+            <a:gs pos="100000">
+              <a:schemeClr val="phClr">
+                <a:lumMod val="99000"/>
+                <a:satMod val="120000"/>
+                <a:shade val="78000"/>
+              </a:schemeClr>
+            </a:gs>
+          </a:gsLst>
+          <a:lin ang="5400000" scaled="0"/>
+        </a:gradFill>
+      </a:fillStyleLst>
+      <a:lnStyleLst>
+        <a:ln w="6350" cap="flat" cmpd="sng" algn="ctr">
+          <a:solidFill>
+            <a:schemeClr val="phClr"/>
+          </a:solidFill>
+          <a:prstDash val="solid"/>
+          <a:miter lim="800000"/>
+        </a:ln>
+        <a:ln w="12700" cap="flat" cmpd="sng" algn="ctr">
+          <a:solidFill>
+            <a:schemeClr val="phClr"/>
+          </a:solidFill>
+          <a:prstDash val="solid"/>
+          <a:miter lim="800000"/>
+        </a:ln>
+        <a:ln w="19050" cap="flat" cmpd="sng" algn="ctr">
+          <a:solidFill>
+            <a:schemeClr val="phClr"/>
+          </a:solidFill>
+          <a:prstDash val="solid"/>
+          <a:miter lim="800000"/>
+        </a:ln>
+      </a:lnStyleLst>
+      <a:effectStyleLst>
+        <a:effectStyle>
+          <a:effectLst/>
+        </a:effectStyle>
+        <a:effectStyle>
+          <a:effectLst/>
+        </a:effectStyle>
+        <a:effectStyle>
+          <a:effectLst>
+            <a:outerShdw blurRad="57150" dist="19050" dir="5400000" algn="ctr" rotWithShape="0">
+              <a:srgbClr val="000000">
+                <a:alpha val="63000"/>
+              </a:srgbClr>
+            </a:outerShdw>
+          </a:effectLst>
+        </a:effectStyle>
+      </a:effectStyleLst>
+      <a:bgFillStyleLst>
+        <a:solidFill>
+          <a:schemeClr val="phClr"/>
+        </a:solidFill>
+        <a:solidFill>
+          <a:schemeClr val="phClr">
+            <a:tint val="95000"/>
+            <a:satMod val="170000"/>
+          </a:schemeClr>
+        </a:solidFill>
+        <a:gradFill rotWithShape="1">
+          <a:gsLst>
+            <a:gs pos="0">
+              <a:schemeClr val="phClr">
+                <a:tint val="93000"/>
+                <a:satMod val="150000"/>
+                <a:shade val="98000"/>
+                <a:lumMod val="102000"/>
+              </a:schemeClr>
+            </a:gs>
+            <a:gs pos="50000">
+              <a:schemeClr val="phClr">
+                <a:tint val="98000"/>
+                <a:satMod val="130000"/>
+                <a:shade val="90000"/>
+                <a:lumMod val="103000"/>
+              </a:schemeClr>
+            </a:gs>
+            <a:gs pos="100000">
+              <a:schemeClr val="phClr">
+                <a:shade val="63000"/>
+                <a:satMod val="120000"/>
+              </a:schemeClr>
+            </a:gs>
+          </a:gsLst>
+          <a:lin ang="5400000" scaled="0"/>
+        </a:gradFill>
+      </a:bgFillStyleLst>
+    </a:fmtScheme>
+  </a:themeElements>
+  <a:objectDefaults/>
+  <a:extraClrSchemeLst/>
+  <a:extLst>
+    <a:ext uri="{05A4C25C-085E-4340-85A3-A5531E510DB2}">
+      <thm15:themeFamily xmlns:thm15="http://schemas.microsoft.com/office/thememl/2012/main" name="Office Theme" id="{62F939B6-93AF-4DB8-9C6B-D6C7DFDC589F}" vid="{4A3C46E8-61CC-4603-A589-7422A47A8E4A}"/>
+    </a:ext>
+  </a:extLst>
+</a:theme>
 </file>